--- a/Git and Github/Git and using GitHub.pptx
+++ b/Git and Github/Git and using GitHub.pptx
@@ -6,44 +6,37 @@
   </p:sldMasterIdLst>
   <p:sldIdLst>
     <p:sldId id="256" r:id="rId2"/>
-    <p:sldId id="257" r:id="rId3"/>
-    <p:sldId id="258" r:id="rId4"/>
-    <p:sldId id="259" r:id="rId5"/>
-    <p:sldId id="260" r:id="rId6"/>
-    <p:sldId id="288" r:id="rId7"/>
-    <p:sldId id="279" r:id="rId8"/>
-    <p:sldId id="280" r:id="rId9"/>
-    <p:sldId id="281" r:id="rId10"/>
-    <p:sldId id="283" r:id="rId11"/>
-    <p:sldId id="284" r:id="rId12"/>
-    <p:sldId id="285" r:id="rId13"/>
-    <p:sldId id="287" r:id="rId14"/>
-    <p:sldId id="261" r:id="rId15"/>
-    <p:sldId id="289" r:id="rId16"/>
-    <p:sldId id="263" r:id="rId17"/>
-    <p:sldId id="262" r:id="rId18"/>
-    <p:sldId id="290" r:id="rId19"/>
-    <p:sldId id="291" r:id="rId20"/>
-    <p:sldId id="292" r:id="rId21"/>
-    <p:sldId id="293" r:id="rId22"/>
-    <p:sldId id="294" r:id="rId23"/>
-    <p:sldId id="271" r:id="rId24"/>
-    <p:sldId id="277" r:id="rId25"/>
-    <p:sldId id="295" r:id="rId26"/>
-    <p:sldId id="296" r:id="rId27"/>
-    <p:sldId id="297" r:id="rId28"/>
-    <p:sldId id="264" r:id="rId29"/>
-    <p:sldId id="265" r:id="rId30"/>
-    <p:sldId id="266" r:id="rId31"/>
-    <p:sldId id="267" r:id="rId32"/>
-    <p:sldId id="268" r:id="rId33"/>
-    <p:sldId id="269" r:id="rId34"/>
-    <p:sldId id="270" r:id="rId35"/>
-    <p:sldId id="273" r:id="rId36"/>
-    <p:sldId id="274" r:id="rId37"/>
-    <p:sldId id="275" r:id="rId38"/>
-    <p:sldId id="276" r:id="rId39"/>
-    <p:sldId id="278" r:id="rId40"/>
+    <p:sldId id="299" r:id="rId3"/>
+    <p:sldId id="257" r:id="rId4"/>
+    <p:sldId id="258" r:id="rId5"/>
+    <p:sldId id="259" r:id="rId6"/>
+    <p:sldId id="260" r:id="rId7"/>
+    <p:sldId id="288" r:id="rId8"/>
+    <p:sldId id="279" r:id="rId9"/>
+    <p:sldId id="280" r:id="rId10"/>
+    <p:sldId id="281" r:id="rId11"/>
+    <p:sldId id="283" r:id="rId12"/>
+    <p:sldId id="284" r:id="rId13"/>
+    <p:sldId id="285" r:id="rId14"/>
+    <p:sldId id="287" r:id="rId15"/>
+    <p:sldId id="261" r:id="rId16"/>
+    <p:sldId id="289" r:id="rId17"/>
+    <p:sldId id="263" r:id="rId18"/>
+    <p:sldId id="262" r:id="rId19"/>
+    <p:sldId id="290" r:id="rId20"/>
+    <p:sldId id="291" r:id="rId21"/>
+    <p:sldId id="292" r:id="rId22"/>
+    <p:sldId id="293" r:id="rId23"/>
+    <p:sldId id="294" r:id="rId24"/>
+    <p:sldId id="271" r:id="rId25"/>
+    <p:sldId id="277" r:id="rId26"/>
+    <p:sldId id="298" r:id="rId27"/>
+    <p:sldId id="295" r:id="rId28"/>
+    <p:sldId id="296" r:id="rId29"/>
+    <p:sldId id="297" r:id="rId30"/>
+    <p:sldId id="264" r:id="rId31"/>
+    <p:sldId id="276" r:id="rId32"/>
+    <p:sldId id="278" r:id="rId33"/>
   </p:sldIdLst>
   <p:sldSz cx="9144000" cy="6858000" type="screen4x3"/>
   <p:notesSz cx="6858000" cy="9144000"/>
@@ -148,6 +141,7 @@
         <p14:section name="Default Section" id="{ECE44EA4-97C4-4149-B10A-F4A88D209512}">
           <p14:sldIdLst>
             <p14:sldId id="256"/>
+            <p14:sldId id="299"/>
             <p14:sldId id="257"/>
             <p14:sldId id="258"/>
             <p14:sldId id="259"/>
@@ -171,19 +165,11 @@
             <p14:sldId id="294"/>
             <p14:sldId id="271"/>
             <p14:sldId id="277"/>
+            <p14:sldId id="298"/>
             <p14:sldId id="295"/>
             <p14:sldId id="296"/>
             <p14:sldId id="297"/>
             <p14:sldId id="264"/>
-            <p14:sldId id="265"/>
-            <p14:sldId id="266"/>
-            <p14:sldId id="267"/>
-            <p14:sldId id="268"/>
-            <p14:sldId id="269"/>
-            <p14:sldId id="270"/>
-            <p14:sldId id="273"/>
-            <p14:sldId id="274"/>
-            <p14:sldId id="275"/>
             <p14:sldId id="276"/>
             <p14:sldId id="278"/>
           </p14:sldIdLst>
@@ -191,7 +177,7 @@
       </p14:sectionLst>
     </p:ext>
     <p:ext uri="{EFAFB233-063F-42B5-8137-9DF3F51BA10A}">
-      <p15:sldGuideLst xmlns:p15="http://schemas.microsoft.com/office/powerpoint/2012/main" xmlns="">
+      <p15:sldGuideLst xmlns="" xmlns:p15="http://schemas.microsoft.com/office/powerpoint/2012/main">
         <p15:guide id="1" orient="horz" pos="2160">
           <p15:clr>
             <a:srgbClr val="A4A3A4"/>
@@ -4545,7 +4531,7 @@
           <a:p>
             <a:fld id="{4F5AAAEB-DBEA-47A2-9756-A607CBF09882}" type="datetimeFigureOut">
               <a:rPr lang="en-US" smtClean="0"/>
-              <a:t>3/29/2017</a:t>
+              <a:t>10/5/2017</a:t>
             </a:fld>
             <a:endParaRPr lang="en-US"/>
           </a:p>
@@ -4713,7 +4699,7 @@
           <a:p>
             <a:fld id="{4F5AAAEB-DBEA-47A2-9756-A607CBF09882}" type="datetimeFigureOut">
               <a:rPr lang="en-US" smtClean="0"/>
-              <a:t>3/29/2017</a:t>
+              <a:t>10/5/2017</a:t>
             </a:fld>
             <a:endParaRPr lang="en-US"/>
           </a:p>
@@ -4891,7 +4877,7 @@
           <a:p>
             <a:fld id="{4F5AAAEB-DBEA-47A2-9756-A607CBF09882}" type="datetimeFigureOut">
               <a:rPr lang="en-US" smtClean="0"/>
-              <a:t>3/29/2017</a:t>
+              <a:t>10/5/2017</a:t>
             </a:fld>
             <a:endParaRPr lang="en-US"/>
           </a:p>
@@ -5059,7 +5045,7 @@
           <a:p>
             <a:fld id="{4F5AAAEB-DBEA-47A2-9756-A607CBF09882}" type="datetimeFigureOut">
               <a:rPr lang="en-US" smtClean="0"/>
-              <a:t>3/29/2017</a:t>
+              <a:t>10/5/2017</a:t>
             </a:fld>
             <a:endParaRPr lang="en-US"/>
           </a:p>
@@ -5304,7 +5290,7 @@
           <a:p>
             <a:fld id="{4F5AAAEB-DBEA-47A2-9756-A607CBF09882}" type="datetimeFigureOut">
               <a:rPr lang="en-US" smtClean="0"/>
-              <a:t>3/29/2017</a:t>
+              <a:t>10/5/2017</a:t>
             </a:fld>
             <a:endParaRPr lang="en-US"/>
           </a:p>
@@ -5589,7 +5575,7 @@
           <a:p>
             <a:fld id="{4F5AAAEB-DBEA-47A2-9756-A607CBF09882}" type="datetimeFigureOut">
               <a:rPr lang="en-US" smtClean="0"/>
-              <a:t>3/29/2017</a:t>
+              <a:t>10/5/2017</a:t>
             </a:fld>
             <a:endParaRPr lang="en-US"/>
           </a:p>
@@ -6008,7 +5994,7 @@
           <a:p>
             <a:fld id="{4F5AAAEB-DBEA-47A2-9756-A607CBF09882}" type="datetimeFigureOut">
               <a:rPr lang="en-US" smtClean="0"/>
-              <a:t>3/29/2017</a:t>
+              <a:t>10/5/2017</a:t>
             </a:fld>
             <a:endParaRPr lang="en-US"/>
           </a:p>
@@ -6125,7 +6111,7 @@
           <a:p>
             <a:fld id="{4F5AAAEB-DBEA-47A2-9756-A607CBF09882}" type="datetimeFigureOut">
               <a:rPr lang="en-US" smtClean="0"/>
-              <a:t>3/29/2017</a:t>
+              <a:t>10/5/2017</a:t>
             </a:fld>
             <a:endParaRPr lang="en-US"/>
           </a:p>
@@ -6220,7 +6206,7 @@
           <a:p>
             <a:fld id="{4F5AAAEB-DBEA-47A2-9756-A607CBF09882}" type="datetimeFigureOut">
               <a:rPr lang="en-US" smtClean="0"/>
-              <a:t>3/29/2017</a:t>
+              <a:t>10/5/2017</a:t>
             </a:fld>
             <a:endParaRPr lang="en-US"/>
           </a:p>
@@ -6495,7 +6481,7 @@
           <a:p>
             <a:fld id="{4F5AAAEB-DBEA-47A2-9756-A607CBF09882}" type="datetimeFigureOut">
               <a:rPr lang="en-US" smtClean="0"/>
-              <a:t>3/29/2017</a:t>
+              <a:t>10/5/2017</a:t>
             </a:fld>
             <a:endParaRPr lang="en-US"/>
           </a:p>
@@ -6747,7 +6733,7 @@
           <a:p>
             <a:fld id="{4F5AAAEB-DBEA-47A2-9756-A607CBF09882}" type="datetimeFigureOut">
               <a:rPr lang="en-US" smtClean="0"/>
-              <a:t>3/29/2017</a:t>
+              <a:t>10/5/2017</a:t>
             </a:fld>
             <a:endParaRPr lang="en-US"/>
           </a:p>
@@ -6958,7 +6944,7 @@
           <a:p>
             <a:fld id="{4F5AAAEB-DBEA-47A2-9756-A607CBF09882}" type="datetimeFigureOut">
               <a:rPr lang="en-US" smtClean="0"/>
-              <a:t>3/29/2017</a:t>
+              <a:t>10/5/2017</a:t>
             </a:fld>
             <a:endParaRPr lang="en-US"/>
           </a:p>
@@ -7333,6 +7319,47 @@
           <a:chExt cx="0" cy="0"/>
         </a:xfrm>
       </p:grpSpPr>
+      <p:pic>
+        <p:nvPicPr>
+          <p:cNvPr id="2052" name="Picture 4" descr="http://ieee.slc.engr.wisc.edu/images/logo.png"/>
+          <p:cNvPicPr>
+            <a:picLocks noChangeAspect="1" noChangeArrowheads="1"/>
+          </p:cNvPicPr>
+          <p:nvPr/>
+        </p:nvPicPr>
+        <p:blipFill>
+          <a:blip r:embed="rId2">
+            <a:extLst>
+              <a:ext uri="{28A0092B-C50C-407E-A947-70E740481C1C}">
+                <a14:useLocalDpi xmlns:a14="http://schemas.microsoft.com/office/drawing/2010/main" val="0"/>
+              </a:ext>
+            </a:extLst>
+          </a:blip>
+          <a:srcRect/>
+          <a:stretch>
+            <a:fillRect/>
+          </a:stretch>
+        </p:blipFill>
+        <p:spPr bwMode="auto">
+          <a:xfrm>
+            <a:off x="76200" y="3886200"/>
+            <a:ext cx="4647259" cy="1981200"/>
+          </a:xfrm>
+          <a:prstGeom prst="rect">
+            <a:avLst/>
+          </a:prstGeom>
+          <a:noFill/>
+          <a:extLst>
+            <a:ext uri="{909E8E84-426E-40DD-AFC4-6F175D3DCCD1}">
+              <a14:hiddenFill xmlns:a14="http://schemas.microsoft.com/office/drawing/2010/main">
+                <a:solidFill>
+                  <a:srgbClr val="FFFFFF"/>
+                </a:solidFill>
+              </a14:hiddenFill>
+            </a:ext>
+          </a:extLst>
+        </p:spPr>
+      </p:pic>
       <p:sp>
         <p:nvSpPr>
           <p:cNvPr id="2" name="Title 1"/>
@@ -7343,19 +7370,23 @@
             <p:ph type="ctrTitle"/>
           </p:nvPr>
         </p:nvSpPr>
-        <p:spPr/>
+        <p:spPr>
+          <a:xfrm>
+            <a:off x="685800" y="2541587"/>
+            <a:ext cx="7772400" cy="1470025"/>
+          </a:xfrm>
+        </p:spPr>
         <p:txBody>
-          <a:bodyPr/>
+          <a:bodyPr>
+            <a:normAutofit/>
+          </a:bodyPr>
           <a:lstStyle/>
           <a:p>
             <a:r>
-              <a:rPr lang="en-US" dirty="0" err="1"/>
-              <a:t>Git</a:t>
-            </a:r>
-            <a:r>
-              <a:rPr lang="en-US" dirty="0"/>
-              <a:t> and using GitHub</a:t>
-            </a:r>
+              <a:rPr lang="en-US" sz="2800" dirty="0" smtClean="0"/>
+              <a:t>Hosted by:</a:t>
+            </a:r>
+            <a:endParaRPr lang="en-US" sz="2800" dirty="0"/>
           </a:p>
         </p:txBody>
       </p:sp>
@@ -7369,7 +7400,12 @@
             <p:ph type="subTitle" idx="1"/>
           </p:nvPr>
         </p:nvSpPr>
-        <p:spPr/>
+        <p:spPr>
+          <a:xfrm>
+            <a:off x="1295400" y="1524000"/>
+            <a:ext cx="6400800" cy="609600"/>
+          </a:xfrm>
+        </p:spPr>
         <p:txBody>
           <a:bodyPr>
             <a:normAutofit/>
@@ -7377,12 +7413,104 @@
           <a:lstStyle/>
           <a:p>
             <a:r>
-              <a:rPr lang="en-US" dirty="0"/>
-              <a:t>Unless you don’t like being able to work with other people and see the changes you made in the past</a:t>
-            </a:r>
+              <a:rPr lang="en-US" dirty="0" smtClean="0"/>
+              <a:t>Be not afraid of </a:t>
+            </a:r>
+            <a:r>
+              <a:rPr lang="en-US" dirty="0" err="1" smtClean="0"/>
+              <a:t>Git</a:t>
+            </a:r>
+            <a:endParaRPr lang="en-US" dirty="0"/>
           </a:p>
         </p:txBody>
       </p:sp>
+      <p:sp>
+        <p:nvSpPr>
+          <p:cNvPr id="6" name="Title 1"/>
+          <p:cNvSpPr txBox="1">
+            <a:spLocks/>
+          </p:cNvSpPr>
+          <p:nvPr/>
+        </p:nvSpPr>
+        <p:spPr>
+          <a:xfrm>
+            <a:off x="838200" y="533400"/>
+            <a:ext cx="7772400" cy="1470025"/>
+          </a:xfrm>
+          <a:prstGeom prst="rect">
+            <a:avLst/>
+          </a:prstGeom>
+        </p:spPr>
+        <p:txBody>
+          <a:bodyPr vert="horz" lIns="91440" tIns="45720" rIns="91440" bIns="45720" rtlCol="0" anchor="ctr">
+            <a:normAutofit/>
+          </a:bodyPr>
+          <a:lstStyle>
+            <a:lvl1pPr algn="ctr" defTabSz="914400" rtl="0" eaLnBrk="1" latinLnBrk="0" hangingPunct="1">
+              <a:spcBef>
+                <a:spcPct val="0"/>
+              </a:spcBef>
+              <a:buNone/>
+              <a:defRPr sz="4400" kern="1200">
+                <a:solidFill>
+                  <a:schemeClr val="tx1"/>
+                </a:solidFill>
+                <a:latin typeface="+mj-lt"/>
+                <a:ea typeface="+mj-ea"/>
+                <a:cs typeface="+mj-cs"/>
+              </a:defRPr>
+            </a:lvl1pPr>
+          </a:lstStyle>
+          <a:p>
+            <a:r>
+              <a:rPr lang="en-US" smtClean="0"/>
+              <a:t>Git and GitHub Workshop</a:t>
+            </a:r>
+            <a:endParaRPr lang="en-US" dirty="0"/>
+          </a:p>
+        </p:txBody>
+      </p:sp>
+      <p:pic>
+        <p:nvPicPr>
+          <p:cNvPr id="2054" name="Picture 6" descr="Image result for makerspace madison uw wendt"/>
+          <p:cNvPicPr>
+            <a:picLocks noChangeAspect="1" noChangeArrowheads="1"/>
+          </p:cNvPicPr>
+          <p:nvPr/>
+        </p:nvPicPr>
+        <p:blipFill>
+          <a:blip r:embed="rId3">
+            <a:extLst>
+              <a:ext uri="{28A0092B-C50C-407E-A947-70E740481C1C}">
+                <a14:useLocalDpi xmlns:a14="http://schemas.microsoft.com/office/drawing/2010/main" val="0"/>
+              </a:ext>
+            </a:extLst>
+          </a:blip>
+          <a:srcRect/>
+          <a:stretch>
+            <a:fillRect/>
+          </a:stretch>
+        </p:blipFill>
+        <p:spPr bwMode="auto">
+          <a:xfrm>
+            <a:off x="5562600" y="3733800"/>
+            <a:ext cx="2667000" cy="2357571"/>
+          </a:xfrm>
+          <a:prstGeom prst="rect">
+            <a:avLst/>
+          </a:prstGeom>
+          <a:noFill/>
+          <a:extLst>
+            <a:ext uri="{909E8E84-426E-40DD-AFC4-6F175D3DCCD1}">
+              <a14:hiddenFill xmlns:a14="http://schemas.microsoft.com/office/drawing/2010/main">
+                <a:solidFill>
+                  <a:srgbClr val="FFFFFF"/>
+                </a:solidFill>
+              </a14:hiddenFill>
+            </a:ext>
+          </a:extLst>
+        </p:spPr>
+      </p:pic>
     </p:spTree>
     <p:extLst>
       <p:ext uri="{BB962C8B-B14F-4D97-AF65-F5344CB8AC3E}">
@@ -7891,53 +8019,9 @@
           </a:p>
         </p:txBody>
       </p:sp>
-      <p:sp>
-        <p:nvSpPr>
-          <p:cNvPr id="13" name="Flowchart: Connector 12"/>
-          <p:cNvSpPr/>
-          <p:nvPr/>
-        </p:nvSpPr>
-        <p:spPr>
-          <a:xfrm>
-            <a:off x="5340350" y="2095500"/>
-            <a:ext cx="685800" cy="685800"/>
-          </a:xfrm>
-          <a:prstGeom prst="flowChartConnector">
-            <a:avLst/>
-          </a:prstGeom>
-        </p:spPr>
-        <p:style>
-          <a:lnRef idx="2">
-            <a:schemeClr val="accent1">
-              <a:shade val="50000"/>
-            </a:schemeClr>
-          </a:lnRef>
-          <a:fillRef idx="1">
-            <a:schemeClr val="accent1"/>
-          </a:fillRef>
-          <a:effectRef idx="0">
-            <a:schemeClr val="accent1"/>
-          </a:effectRef>
-          <a:fontRef idx="minor">
-            <a:schemeClr val="lt1"/>
-          </a:fontRef>
-        </p:style>
-        <p:txBody>
-          <a:bodyPr rtlCol="0" anchor="ctr"/>
-          <a:lstStyle/>
-          <a:p>
-            <a:pPr algn="ctr"/>
-            <a:r>
-              <a:rPr lang="en-US" dirty="0" smtClean="0"/>
-              <a:t>C2</a:t>
-            </a:r>
-            <a:endParaRPr lang="en-US" sz="1100" dirty="0"/>
-          </a:p>
-        </p:txBody>
-      </p:sp>
       <p:cxnSp>
         <p:nvCxnSpPr>
-          <p:cNvPr id="5" name="Straight Arrow Connector 4"/>
+          <p:cNvPr id="7" name="Straight Arrow Connector 6"/>
           <p:cNvCxnSpPr>
             <a:stCxn id="21" idx="4"/>
             <a:endCxn id="19" idx="0"/>
@@ -7971,51 +8055,15 @@
           </a:fontRef>
         </p:style>
       </p:cxnSp>
-      <p:cxnSp>
-        <p:nvCxnSpPr>
-          <p:cNvPr id="9" name="Straight Arrow Connector 8"/>
-          <p:cNvCxnSpPr>
-            <a:stCxn id="19" idx="4"/>
-            <a:endCxn id="13" idx="0"/>
-          </p:cNvCxnSpPr>
-          <p:nvPr/>
-        </p:nvCxnSpPr>
-        <p:spPr>
-          <a:xfrm>
-            <a:off x="5680075" y="1797050"/>
-            <a:ext cx="3175" cy="298450"/>
-          </a:xfrm>
-          <a:prstGeom prst="straightConnector1">
-            <a:avLst/>
-          </a:prstGeom>
-          <a:ln>
-            <a:tailEnd type="triangle"/>
-          </a:ln>
-        </p:spPr>
-        <p:style>
-          <a:lnRef idx="1">
-            <a:schemeClr val="accent1"/>
-          </a:lnRef>
-          <a:fillRef idx="0">
-            <a:schemeClr val="accent1"/>
-          </a:fillRef>
-          <a:effectRef idx="0">
-            <a:schemeClr val="accent1"/>
-          </a:effectRef>
-          <a:fontRef idx="minor">
-            <a:schemeClr val="tx1"/>
-          </a:fontRef>
-        </p:style>
-      </p:cxnSp>
       <p:sp>
         <p:nvSpPr>
-          <p:cNvPr id="22" name="TextBox 21"/>
+          <p:cNvPr id="9" name="TextBox 8"/>
           <p:cNvSpPr txBox="1"/>
           <p:nvPr/>
         </p:nvSpPr>
         <p:spPr>
           <a:xfrm>
-            <a:off x="2044700" y="2253734"/>
+            <a:off x="2044700" y="735568"/>
             <a:ext cx="1517650" cy="369332"/>
           </a:xfrm>
           <a:prstGeom prst="rect">
@@ -8039,7 +8087,37 @@
       </p:sp>
       <p:sp>
         <p:nvSpPr>
-          <p:cNvPr id="23" name="TextBox 22"/>
+          <p:cNvPr id="20" name="TextBox 19"/>
+          <p:cNvSpPr txBox="1"/>
+          <p:nvPr/>
+        </p:nvSpPr>
+        <p:spPr>
+          <a:xfrm>
+            <a:off x="2051050" y="1263134"/>
+            <a:ext cx="1517650" cy="369332"/>
+          </a:xfrm>
+          <a:prstGeom prst="rect">
+            <a:avLst/>
+          </a:prstGeom>
+          <a:noFill/>
+        </p:spPr>
+        <p:txBody>
+          <a:bodyPr wrap="square" rtlCol="0">
+            <a:spAutoFit/>
+          </a:bodyPr>
+          <a:lstStyle/>
+          <a:p>
+            <a:r>
+              <a:rPr lang="en-US" dirty="0" smtClean="0"/>
+              <a:t>Change file</a:t>
+            </a:r>
+            <a:endParaRPr lang="en-US" dirty="0"/>
+          </a:p>
+        </p:txBody>
+      </p:sp>
+      <p:sp>
+        <p:nvSpPr>
+          <p:cNvPr id="22" name="TextBox 21"/>
           <p:cNvSpPr txBox="1"/>
           <p:nvPr/>
         </p:nvSpPr>
@@ -8114,64 +8192,10 @@
           </a:p>
         </p:txBody>
       </p:sp>
-      <p:sp>
-        <p:nvSpPr>
-          <p:cNvPr id="24" name="TextBox 23"/>
-          <p:cNvSpPr txBox="1"/>
-          <p:nvPr/>
-        </p:nvSpPr>
-        <p:spPr>
-          <a:xfrm>
-            <a:off x="6089650" y="2253734"/>
-            <a:ext cx="1517650" cy="369332"/>
-          </a:xfrm>
-          <a:prstGeom prst="rect">
-            <a:avLst/>
-          </a:prstGeom>
-          <a:noFill/>
-        </p:spPr>
-        <p:txBody>
-          <a:bodyPr wrap="square" rtlCol="0">
-            <a:spAutoFit/>
-          </a:bodyPr>
-          <a:lstStyle/>
-          <a:p>
-            <a:r>
-              <a:rPr lang="en-US" dirty="0">
-                <a:solidFill>
-                  <a:srgbClr val="FF0000"/>
-                </a:solidFill>
-              </a:rPr>
-              <a:t>+</a:t>
-            </a:r>
-            <a:r>
-              <a:rPr lang="en-US" dirty="0" smtClean="0">
-                <a:solidFill>
-                  <a:srgbClr val="FF0000"/>
-                </a:solidFill>
-              </a:rPr>
-              <a:t> </a:t>
-            </a:r>
-            <a:r>
-              <a:rPr lang="en-US" dirty="0" err="1" smtClean="0">
-                <a:solidFill>
-                  <a:srgbClr val="FF0000"/>
-                </a:solidFill>
-              </a:rPr>
-              <a:t>spi.c</a:t>
-            </a:r>
-            <a:endParaRPr lang="en-US" dirty="0">
-              <a:solidFill>
-                <a:srgbClr val="FF0000"/>
-              </a:solidFill>
-            </a:endParaRPr>
-          </a:p>
-        </p:txBody>
-      </p:sp>
     </p:spTree>
     <p:extLst>
       <p:ext uri="{BB962C8B-B14F-4D97-AF65-F5344CB8AC3E}">
-        <p14:creationId xmlns:p14="http://schemas.microsoft.com/office/powerpoint/2010/main" val="1940771154"/>
+        <p14:creationId xmlns:p14="http://schemas.microsoft.com/office/powerpoint/2010/main" val="518840304"/>
       </p:ext>
     </p:extLst>
   </p:cSld>
@@ -8218,7 +8242,7 @@
         <p:spPr>
           <a:xfrm>
             <a:off x="0" y="0"/>
-            <a:ext cx="2209800" cy="3886200"/>
+            <a:ext cx="2209800" cy="3124200"/>
           </a:xfrm>
         </p:spPr>
         <p:txBody>
@@ -8292,24 +8316,6 @@
             <a:r>
               <a:rPr lang="en-US" dirty="0" err="1" smtClean="0"/>
               <a:t>spi.h</a:t>
-            </a:r>
-            <a:endParaRPr lang="en-US" dirty="0" smtClean="0"/>
-          </a:p>
-          <a:p>
-            <a:pPr marL="914400" lvl="2" indent="0">
-              <a:buNone/>
-            </a:pPr>
-            <a:r>
-              <a:rPr lang="en-US" dirty="0"/>
-              <a:t> </a:t>
-            </a:r>
-            <a:r>
-              <a:rPr lang="en-US" dirty="0" smtClean="0"/>
-              <a:t> </a:t>
-            </a:r>
-            <a:r>
-              <a:rPr lang="en-US" dirty="0" err="1" smtClean="0"/>
-              <a:t>adc.c</a:t>
             </a:r>
             <a:endParaRPr lang="en-US" dirty="0" smtClean="0"/>
           </a:p>
@@ -8324,7 +8330,7 @@
         <p:spPr>
           <a:xfrm>
             <a:off x="0" y="0"/>
-            <a:ext cx="2057400" cy="3505200"/>
+            <a:ext cx="2057400" cy="3048000"/>
           </a:xfrm>
           <a:prstGeom prst="rect">
             <a:avLst/>
@@ -8580,7 +8586,7 @@
         <p:spPr>
           <a:xfrm>
             <a:off x="685800" y="2057400"/>
-            <a:ext cx="0" cy="1219200"/>
+            <a:ext cx="0" cy="838200"/>
           </a:xfrm>
           <a:prstGeom prst="line">
             <a:avLst/>
@@ -8812,128 +8818,13 @@
       </p:cxnSp>
       <p:sp>
         <p:nvSpPr>
-          <p:cNvPr id="20" name="Flowchart: Connector 19"/>
-          <p:cNvSpPr/>
-          <p:nvPr/>
-        </p:nvSpPr>
-        <p:spPr>
-          <a:xfrm>
-            <a:off x="5334000" y="3136900"/>
-            <a:ext cx="685800" cy="685800"/>
-          </a:xfrm>
-          <a:prstGeom prst="flowChartConnector">
-            <a:avLst/>
-          </a:prstGeom>
-        </p:spPr>
-        <p:style>
-          <a:lnRef idx="2">
-            <a:schemeClr val="accent1">
-              <a:shade val="50000"/>
-            </a:schemeClr>
-          </a:lnRef>
-          <a:fillRef idx="1">
-            <a:schemeClr val="accent1"/>
-          </a:fillRef>
-          <a:effectRef idx="0">
-            <a:schemeClr val="accent1"/>
-          </a:effectRef>
-          <a:fontRef idx="minor">
-            <a:schemeClr val="lt1"/>
-          </a:fontRef>
-        </p:style>
-        <p:txBody>
-          <a:bodyPr rtlCol="0" anchor="ctr"/>
-          <a:lstStyle/>
-          <a:p>
-            <a:pPr algn="ctr"/>
-            <a:r>
-              <a:rPr lang="en-US" dirty="0" smtClean="0"/>
-              <a:t>C3</a:t>
-            </a:r>
-            <a:endParaRPr lang="en-US" sz="1100" dirty="0"/>
-          </a:p>
-        </p:txBody>
-      </p:sp>
-      <p:cxnSp>
-        <p:nvCxnSpPr>
-          <p:cNvPr id="6" name="Straight Arrow Connector 5"/>
-          <p:cNvCxnSpPr>
-            <a:stCxn id="13" idx="4"/>
-            <a:endCxn id="20" idx="0"/>
-          </p:cNvCxnSpPr>
-          <p:nvPr/>
-        </p:nvCxnSpPr>
-        <p:spPr>
-          <a:xfrm flipH="1">
-            <a:off x="5676900" y="2781300"/>
-            <a:ext cx="6350" cy="355600"/>
-          </a:xfrm>
-          <a:prstGeom prst="straightConnector1">
-            <a:avLst/>
-          </a:prstGeom>
-          <a:ln>
-            <a:tailEnd type="triangle"/>
-          </a:ln>
-        </p:spPr>
-        <p:style>
-          <a:lnRef idx="1">
-            <a:schemeClr val="accent1"/>
-          </a:lnRef>
-          <a:fillRef idx="0">
-            <a:schemeClr val="accent1"/>
-          </a:fillRef>
-          <a:effectRef idx="0">
-            <a:schemeClr val="accent1"/>
-          </a:effectRef>
-          <a:fontRef idx="minor">
-            <a:schemeClr val="tx1"/>
-          </a:fontRef>
-        </p:style>
-      </p:cxnSp>
-      <p:cxnSp>
-        <p:nvCxnSpPr>
-          <p:cNvPr id="22" name="Straight Connector 21"/>
-          <p:cNvCxnSpPr/>
-          <p:nvPr/>
-        </p:nvCxnSpPr>
-        <p:spPr>
-          <a:xfrm flipH="1">
-            <a:off x="685800" y="3276600"/>
-            <a:ext cx="381000" cy="0"/>
-          </a:xfrm>
-          <a:prstGeom prst="line">
-            <a:avLst/>
-          </a:prstGeom>
-          <a:ln w="19050">
-            <a:solidFill>
-              <a:schemeClr val="tx1"/>
-            </a:solidFill>
-          </a:ln>
-        </p:spPr>
-        <p:style>
-          <a:lnRef idx="1">
-            <a:schemeClr val="accent1"/>
-          </a:lnRef>
-          <a:fillRef idx="0">
-            <a:schemeClr val="accent1"/>
-          </a:fillRef>
-          <a:effectRef idx="0">
-            <a:schemeClr val="accent1"/>
-          </a:effectRef>
-          <a:fontRef idx="minor">
-            <a:schemeClr val="tx1"/>
-          </a:fontRef>
-        </p:style>
-      </p:cxnSp>
-      <p:sp>
-        <p:nvSpPr>
-          <p:cNvPr id="23" name="TextBox 22"/>
+          <p:cNvPr id="22" name="TextBox 21"/>
           <p:cNvSpPr txBox="1"/>
           <p:nvPr/>
         </p:nvSpPr>
         <p:spPr>
           <a:xfrm>
-            <a:off x="2057400" y="3110468"/>
+            <a:off x="2044700" y="2253734"/>
             <a:ext cx="1517650" cy="369332"/>
           </a:xfrm>
           <a:prstGeom prst="rect">
@@ -8949,7 +8840,7 @@
           <a:p>
             <a:r>
               <a:rPr lang="en-US" dirty="0" smtClean="0"/>
-              <a:t>add file</a:t>
+              <a:t>Change file</a:t>
             </a:r>
             <a:endParaRPr lang="en-US" dirty="0"/>
           </a:p>
@@ -8957,7 +8848,7 @@
       </p:sp>
       <p:sp>
         <p:nvSpPr>
-          <p:cNvPr id="24" name="TextBox 23"/>
+          <p:cNvPr id="23" name="TextBox 22"/>
           <p:cNvSpPr txBox="1"/>
           <p:nvPr/>
         </p:nvSpPr>
@@ -9034,7 +8925,7 @@
       </p:sp>
       <p:sp>
         <p:nvSpPr>
-          <p:cNvPr id="25" name="TextBox 24"/>
+          <p:cNvPr id="24" name="TextBox 23"/>
           <p:cNvSpPr txBox="1"/>
           <p:nvPr/>
         </p:nvSpPr>
@@ -9086,56 +8977,10 @@
           </a:p>
         </p:txBody>
       </p:sp>
-      <p:sp>
-        <p:nvSpPr>
-          <p:cNvPr id="26" name="TextBox 25"/>
-          <p:cNvSpPr txBox="1"/>
-          <p:nvPr/>
-        </p:nvSpPr>
-        <p:spPr>
-          <a:xfrm>
-            <a:off x="6089650" y="3276600"/>
-            <a:ext cx="1517650" cy="369332"/>
-          </a:xfrm>
-          <a:prstGeom prst="rect">
-            <a:avLst/>
-          </a:prstGeom>
-          <a:noFill/>
-        </p:spPr>
-        <p:txBody>
-          <a:bodyPr wrap="square" rtlCol="0">
-            <a:spAutoFit/>
-          </a:bodyPr>
-          <a:lstStyle/>
-          <a:p>
-            <a:r>
-              <a:rPr lang="en-US" dirty="0" smtClean="0">
-                <a:solidFill>
-                  <a:srgbClr val="FF0000"/>
-                </a:solidFill>
-              </a:rPr>
-              <a:t>++ </a:t>
-            </a:r>
-            <a:r>
-              <a:rPr lang="en-US" dirty="0" err="1" smtClean="0">
-                <a:solidFill>
-                  <a:srgbClr val="FF0000"/>
-                </a:solidFill>
-              </a:rPr>
-              <a:t>adc.c</a:t>
-            </a:r>
-            <a:endParaRPr lang="en-US" dirty="0">
-              <a:solidFill>
-                <a:srgbClr val="FF0000"/>
-              </a:solidFill>
-            </a:endParaRPr>
-          </a:p>
-        </p:txBody>
-      </p:sp>
     </p:spTree>
     <p:extLst>
       <p:ext uri="{BB962C8B-B14F-4D97-AF65-F5344CB8AC3E}">
-        <p14:creationId xmlns:p14="http://schemas.microsoft.com/office/powerpoint/2010/main" val="1905516477"/>
+        <p14:creationId xmlns:p14="http://schemas.microsoft.com/office/powerpoint/2010/main" val="1940771154"/>
       </p:ext>
     </p:extLst>
   </p:cSld>
@@ -9217,6 +9062,970 @@
               <a:buNone/>
             </a:pPr>
             <a:r>
+              <a:rPr lang="en-US" dirty="0" err="1" smtClean="0"/>
+              <a:t>main.h</a:t>
+            </a:r>
+            <a:endParaRPr lang="en-US" dirty="0" smtClean="0"/>
+          </a:p>
+          <a:p>
+            <a:pPr marL="457200" lvl="1" indent="0">
+              <a:buNone/>
+            </a:pPr>
+            <a:r>
+              <a:rPr lang="en-US" dirty="0" smtClean="0"/>
+              <a:t>Include</a:t>
+            </a:r>
+          </a:p>
+          <a:p>
+            <a:pPr marL="914400" lvl="2" indent="0">
+              <a:buNone/>
+            </a:pPr>
+            <a:r>
+              <a:rPr lang="en-US" dirty="0" smtClean="0"/>
+              <a:t>  </a:t>
+            </a:r>
+            <a:r>
+              <a:rPr lang="en-US" dirty="0" err="1" smtClean="0"/>
+              <a:t>spi.c</a:t>
+            </a:r>
+            <a:endParaRPr lang="en-US" dirty="0" smtClean="0"/>
+          </a:p>
+          <a:p>
+            <a:pPr marL="914400" lvl="2" indent="0">
+              <a:buNone/>
+            </a:pPr>
+            <a:r>
+              <a:rPr lang="en-US" dirty="0" smtClean="0"/>
+              <a:t>  </a:t>
+            </a:r>
+            <a:r>
+              <a:rPr lang="en-US" dirty="0" err="1" smtClean="0"/>
+              <a:t>spi.h</a:t>
+            </a:r>
+            <a:endParaRPr lang="en-US" dirty="0" smtClean="0"/>
+          </a:p>
+          <a:p>
+            <a:pPr marL="914400" lvl="2" indent="0">
+              <a:buNone/>
+            </a:pPr>
+            <a:r>
+              <a:rPr lang="en-US" dirty="0"/>
+              <a:t> </a:t>
+            </a:r>
+            <a:r>
+              <a:rPr lang="en-US" dirty="0" smtClean="0"/>
+              <a:t> </a:t>
+            </a:r>
+            <a:r>
+              <a:rPr lang="en-US" dirty="0" err="1" smtClean="0"/>
+              <a:t>adc.c</a:t>
+            </a:r>
+            <a:endParaRPr lang="en-US" dirty="0" smtClean="0"/>
+          </a:p>
+        </p:txBody>
+      </p:sp>
+      <p:sp>
+        <p:nvSpPr>
+          <p:cNvPr id="4" name="Rectangle 3"/>
+          <p:cNvSpPr/>
+          <p:nvPr/>
+        </p:nvSpPr>
+        <p:spPr>
+          <a:xfrm>
+            <a:off x="0" y="0"/>
+            <a:ext cx="2057400" cy="3505200"/>
+          </a:xfrm>
+          <a:prstGeom prst="rect">
+            <a:avLst/>
+          </a:prstGeom>
+          <a:noFill/>
+          <a:ln>
+            <a:solidFill>
+              <a:schemeClr val="tx1"/>
+            </a:solidFill>
+          </a:ln>
+        </p:spPr>
+        <p:style>
+          <a:lnRef idx="2">
+            <a:schemeClr val="accent1">
+              <a:shade val="50000"/>
+            </a:schemeClr>
+          </a:lnRef>
+          <a:fillRef idx="1">
+            <a:schemeClr val="accent1"/>
+          </a:fillRef>
+          <a:effectRef idx="0">
+            <a:schemeClr val="accent1"/>
+          </a:effectRef>
+          <a:fontRef idx="minor">
+            <a:schemeClr val="lt1"/>
+          </a:fontRef>
+        </p:style>
+        <p:txBody>
+          <a:bodyPr rtlCol="0" anchor="ctr"/>
+          <a:lstStyle/>
+          <a:p>
+            <a:pPr algn="ctr"/>
+            <a:endParaRPr lang="en-US"/>
+          </a:p>
+        </p:txBody>
+      </p:sp>
+      <p:cxnSp>
+        <p:nvCxnSpPr>
+          <p:cNvPr id="8" name="Straight Connector 7"/>
+          <p:cNvCxnSpPr/>
+          <p:nvPr/>
+        </p:nvCxnSpPr>
+        <p:spPr>
+          <a:xfrm>
+            <a:off x="152400" y="304800"/>
+            <a:ext cx="0" cy="1600200"/>
+          </a:xfrm>
+          <a:prstGeom prst="line">
+            <a:avLst/>
+          </a:prstGeom>
+          <a:ln>
+            <a:solidFill>
+              <a:schemeClr val="tx1"/>
+            </a:solidFill>
+          </a:ln>
+        </p:spPr>
+        <p:style>
+          <a:lnRef idx="1">
+            <a:schemeClr val="accent1"/>
+          </a:lnRef>
+          <a:fillRef idx="0">
+            <a:schemeClr val="accent1"/>
+          </a:fillRef>
+          <a:effectRef idx="0">
+            <a:schemeClr val="accent1"/>
+          </a:effectRef>
+          <a:fontRef idx="minor">
+            <a:schemeClr val="tx1"/>
+          </a:fontRef>
+        </p:style>
+      </p:cxnSp>
+      <p:cxnSp>
+        <p:nvCxnSpPr>
+          <p:cNvPr id="11" name="Straight Connector 10"/>
+          <p:cNvCxnSpPr/>
+          <p:nvPr/>
+        </p:nvCxnSpPr>
+        <p:spPr>
+          <a:xfrm flipH="1">
+            <a:off x="152400" y="914400"/>
+            <a:ext cx="381000" cy="0"/>
+          </a:xfrm>
+          <a:prstGeom prst="line">
+            <a:avLst/>
+          </a:prstGeom>
+          <a:ln w="19050">
+            <a:solidFill>
+              <a:schemeClr val="tx1"/>
+            </a:solidFill>
+          </a:ln>
+        </p:spPr>
+        <p:style>
+          <a:lnRef idx="1">
+            <a:schemeClr val="accent1"/>
+          </a:lnRef>
+          <a:fillRef idx="0">
+            <a:schemeClr val="accent1"/>
+          </a:fillRef>
+          <a:effectRef idx="0">
+            <a:schemeClr val="accent1"/>
+          </a:effectRef>
+          <a:fontRef idx="minor">
+            <a:schemeClr val="tx1"/>
+          </a:fontRef>
+        </p:style>
+      </p:cxnSp>
+      <p:cxnSp>
+        <p:nvCxnSpPr>
+          <p:cNvPr id="14" name="Straight Connector 13"/>
+          <p:cNvCxnSpPr/>
+          <p:nvPr/>
+        </p:nvCxnSpPr>
+        <p:spPr>
+          <a:xfrm flipH="1">
+            <a:off x="152400" y="1447800"/>
+            <a:ext cx="381000" cy="0"/>
+          </a:xfrm>
+          <a:prstGeom prst="line">
+            <a:avLst/>
+          </a:prstGeom>
+          <a:ln w="19050">
+            <a:solidFill>
+              <a:schemeClr val="tx1"/>
+            </a:solidFill>
+          </a:ln>
+        </p:spPr>
+        <p:style>
+          <a:lnRef idx="1">
+            <a:schemeClr val="accent1"/>
+          </a:lnRef>
+          <a:fillRef idx="0">
+            <a:schemeClr val="accent1"/>
+          </a:fillRef>
+          <a:effectRef idx="0">
+            <a:schemeClr val="accent1"/>
+          </a:effectRef>
+          <a:fontRef idx="minor">
+            <a:schemeClr val="tx1"/>
+          </a:fontRef>
+        </p:style>
+      </p:cxnSp>
+      <p:cxnSp>
+        <p:nvCxnSpPr>
+          <p:cNvPr id="15" name="Straight Connector 14"/>
+          <p:cNvCxnSpPr/>
+          <p:nvPr/>
+        </p:nvCxnSpPr>
+        <p:spPr>
+          <a:xfrm flipH="1">
+            <a:off x="152400" y="1905000"/>
+            <a:ext cx="381000" cy="0"/>
+          </a:xfrm>
+          <a:prstGeom prst="line">
+            <a:avLst/>
+          </a:prstGeom>
+          <a:ln w="19050">
+            <a:solidFill>
+              <a:schemeClr val="tx1"/>
+            </a:solidFill>
+          </a:ln>
+        </p:spPr>
+        <p:style>
+          <a:lnRef idx="1">
+            <a:schemeClr val="accent1"/>
+          </a:lnRef>
+          <a:fillRef idx="0">
+            <a:schemeClr val="accent1"/>
+          </a:fillRef>
+          <a:effectRef idx="0">
+            <a:schemeClr val="accent1"/>
+          </a:effectRef>
+          <a:fontRef idx="minor">
+            <a:schemeClr val="tx1"/>
+          </a:fontRef>
+        </p:style>
+      </p:cxnSp>
+      <p:cxnSp>
+        <p:nvCxnSpPr>
+          <p:cNvPr id="16" name="Straight Connector 15"/>
+          <p:cNvCxnSpPr/>
+          <p:nvPr/>
+        </p:nvCxnSpPr>
+        <p:spPr>
+          <a:xfrm flipH="1">
+            <a:off x="685800" y="2438400"/>
+            <a:ext cx="381000" cy="0"/>
+          </a:xfrm>
+          <a:prstGeom prst="line">
+            <a:avLst/>
+          </a:prstGeom>
+          <a:ln w="19050">
+            <a:solidFill>
+              <a:schemeClr val="tx1"/>
+            </a:solidFill>
+          </a:ln>
+        </p:spPr>
+        <p:style>
+          <a:lnRef idx="1">
+            <a:schemeClr val="accent1"/>
+          </a:lnRef>
+          <a:fillRef idx="0">
+            <a:schemeClr val="accent1"/>
+          </a:fillRef>
+          <a:effectRef idx="0">
+            <a:schemeClr val="accent1"/>
+          </a:effectRef>
+          <a:fontRef idx="minor">
+            <a:schemeClr val="tx1"/>
+          </a:fontRef>
+        </p:style>
+      </p:cxnSp>
+      <p:cxnSp>
+        <p:nvCxnSpPr>
+          <p:cNvPr id="17" name="Straight Connector 16"/>
+          <p:cNvCxnSpPr/>
+          <p:nvPr/>
+        </p:nvCxnSpPr>
+        <p:spPr>
+          <a:xfrm flipH="1">
+            <a:off x="685800" y="2895600"/>
+            <a:ext cx="381000" cy="0"/>
+          </a:xfrm>
+          <a:prstGeom prst="line">
+            <a:avLst/>
+          </a:prstGeom>
+          <a:ln w="19050">
+            <a:solidFill>
+              <a:schemeClr val="tx1"/>
+            </a:solidFill>
+          </a:ln>
+        </p:spPr>
+        <p:style>
+          <a:lnRef idx="1">
+            <a:schemeClr val="accent1"/>
+          </a:lnRef>
+          <a:fillRef idx="0">
+            <a:schemeClr val="accent1"/>
+          </a:fillRef>
+          <a:effectRef idx="0">
+            <a:schemeClr val="accent1"/>
+          </a:effectRef>
+          <a:fontRef idx="minor">
+            <a:schemeClr val="tx1"/>
+          </a:fontRef>
+        </p:style>
+      </p:cxnSp>
+      <p:cxnSp>
+        <p:nvCxnSpPr>
+          <p:cNvPr id="18" name="Straight Connector 17"/>
+          <p:cNvCxnSpPr/>
+          <p:nvPr/>
+        </p:nvCxnSpPr>
+        <p:spPr>
+          <a:xfrm>
+            <a:off x="685800" y="2057400"/>
+            <a:ext cx="0" cy="1219200"/>
+          </a:xfrm>
+          <a:prstGeom prst="line">
+            <a:avLst/>
+          </a:prstGeom>
+          <a:ln>
+            <a:solidFill>
+              <a:schemeClr val="tx1"/>
+            </a:solidFill>
+          </a:ln>
+        </p:spPr>
+        <p:style>
+          <a:lnRef idx="1">
+            <a:schemeClr val="accent1"/>
+          </a:lnRef>
+          <a:fillRef idx="0">
+            <a:schemeClr val="accent1"/>
+          </a:fillRef>
+          <a:effectRef idx="0">
+            <a:schemeClr val="accent1"/>
+          </a:effectRef>
+          <a:fontRef idx="minor">
+            <a:schemeClr val="tx1"/>
+          </a:fontRef>
+        </p:style>
+      </p:cxnSp>
+      <p:sp>
+        <p:nvSpPr>
+          <p:cNvPr id="21" name="Flowchart: Connector 20"/>
+          <p:cNvSpPr/>
+          <p:nvPr/>
+        </p:nvSpPr>
+        <p:spPr>
+          <a:xfrm>
+            <a:off x="5334000" y="152400"/>
+            <a:ext cx="685800" cy="685800"/>
+          </a:xfrm>
+          <a:prstGeom prst="flowChartConnector">
+            <a:avLst/>
+          </a:prstGeom>
+        </p:spPr>
+        <p:style>
+          <a:lnRef idx="2">
+            <a:schemeClr val="accent1">
+              <a:shade val="50000"/>
+            </a:schemeClr>
+          </a:lnRef>
+          <a:fillRef idx="1">
+            <a:schemeClr val="accent1"/>
+          </a:fillRef>
+          <a:effectRef idx="0">
+            <a:schemeClr val="accent1"/>
+          </a:effectRef>
+          <a:fontRef idx="minor">
+            <a:schemeClr val="lt1"/>
+          </a:fontRef>
+        </p:style>
+        <p:txBody>
+          <a:bodyPr rtlCol="0" anchor="ctr"/>
+          <a:lstStyle/>
+          <a:p>
+            <a:pPr algn="ctr"/>
+            <a:r>
+              <a:rPr lang="en-US" sz="1100" dirty="0" smtClean="0"/>
+              <a:t>BASE</a:t>
+            </a:r>
+            <a:endParaRPr lang="en-US" sz="1100" dirty="0"/>
+          </a:p>
+        </p:txBody>
+      </p:sp>
+      <p:sp>
+        <p:nvSpPr>
+          <p:cNvPr id="19" name="Flowchart: Connector 18"/>
+          <p:cNvSpPr/>
+          <p:nvPr/>
+        </p:nvSpPr>
+        <p:spPr>
+          <a:xfrm>
+            <a:off x="5334000" y="1104900"/>
+            <a:ext cx="692150" cy="692150"/>
+          </a:xfrm>
+          <a:prstGeom prst="flowChartConnector">
+            <a:avLst/>
+          </a:prstGeom>
+        </p:spPr>
+        <p:style>
+          <a:lnRef idx="2">
+            <a:schemeClr val="accent1">
+              <a:shade val="50000"/>
+            </a:schemeClr>
+          </a:lnRef>
+          <a:fillRef idx="1">
+            <a:schemeClr val="accent1"/>
+          </a:fillRef>
+          <a:effectRef idx="0">
+            <a:schemeClr val="accent1"/>
+          </a:effectRef>
+          <a:fontRef idx="minor">
+            <a:schemeClr val="lt1"/>
+          </a:fontRef>
+        </p:style>
+        <p:txBody>
+          <a:bodyPr rtlCol="0" anchor="ctr"/>
+          <a:lstStyle/>
+          <a:p>
+            <a:pPr algn="ctr"/>
+            <a:r>
+              <a:rPr lang="en-US" dirty="0" smtClean="0"/>
+              <a:t>C1</a:t>
+            </a:r>
+            <a:endParaRPr lang="en-US" sz="1100" dirty="0"/>
+          </a:p>
+        </p:txBody>
+      </p:sp>
+      <p:sp>
+        <p:nvSpPr>
+          <p:cNvPr id="13" name="Flowchart: Connector 12"/>
+          <p:cNvSpPr/>
+          <p:nvPr/>
+        </p:nvSpPr>
+        <p:spPr>
+          <a:xfrm>
+            <a:off x="5340350" y="2095500"/>
+            <a:ext cx="685800" cy="685800"/>
+          </a:xfrm>
+          <a:prstGeom prst="flowChartConnector">
+            <a:avLst/>
+          </a:prstGeom>
+        </p:spPr>
+        <p:style>
+          <a:lnRef idx="2">
+            <a:schemeClr val="accent1">
+              <a:shade val="50000"/>
+            </a:schemeClr>
+          </a:lnRef>
+          <a:fillRef idx="1">
+            <a:schemeClr val="accent1"/>
+          </a:fillRef>
+          <a:effectRef idx="0">
+            <a:schemeClr val="accent1"/>
+          </a:effectRef>
+          <a:fontRef idx="minor">
+            <a:schemeClr val="lt1"/>
+          </a:fontRef>
+        </p:style>
+        <p:txBody>
+          <a:bodyPr rtlCol="0" anchor="ctr"/>
+          <a:lstStyle/>
+          <a:p>
+            <a:pPr algn="ctr"/>
+            <a:r>
+              <a:rPr lang="en-US" dirty="0" smtClean="0"/>
+              <a:t>C2</a:t>
+            </a:r>
+            <a:endParaRPr lang="en-US" sz="1100" dirty="0"/>
+          </a:p>
+        </p:txBody>
+      </p:sp>
+      <p:cxnSp>
+        <p:nvCxnSpPr>
+          <p:cNvPr id="5" name="Straight Arrow Connector 4"/>
+          <p:cNvCxnSpPr>
+            <a:stCxn id="21" idx="4"/>
+            <a:endCxn id="19" idx="0"/>
+          </p:cNvCxnSpPr>
+          <p:nvPr/>
+        </p:nvCxnSpPr>
+        <p:spPr>
+          <a:xfrm>
+            <a:off x="5676900" y="838200"/>
+            <a:ext cx="3175" cy="266700"/>
+          </a:xfrm>
+          <a:prstGeom prst="straightConnector1">
+            <a:avLst/>
+          </a:prstGeom>
+          <a:ln>
+            <a:tailEnd type="triangle"/>
+          </a:ln>
+        </p:spPr>
+        <p:style>
+          <a:lnRef idx="1">
+            <a:schemeClr val="accent1"/>
+          </a:lnRef>
+          <a:fillRef idx="0">
+            <a:schemeClr val="accent1"/>
+          </a:fillRef>
+          <a:effectRef idx="0">
+            <a:schemeClr val="accent1"/>
+          </a:effectRef>
+          <a:fontRef idx="minor">
+            <a:schemeClr val="tx1"/>
+          </a:fontRef>
+        </p:style>
+      </p:cxnSp>
+      <p:cxnSp>
+        <p:nvCxnSpPr>
+          <p:cNvPr id="9" name="Straight Arrow Connector 8"/>
+          <p:cNvCxnSpPr>
+            <a:stCxn id="19" idx="4"/>
+            <a:endCxn id="13" idx="0"/>
+          </p:cNvCxnSpPr>
+          <p:nvPr/>
+        </p:nvCxnSpPr>
+        <p:spPr>
+          <a:xfrm>
+            <a:off x="5680075" y="1797050"/>
+            <a:ext cx="3175" cy="298450"/>
+          </a:xfrm>
+          <a:prstGeom prst="straightConnector1">
+            <a:avLst/>
+          </a:prstGeom>
+          <a:ln>
+            <a:tailEnd type="triangle"/>
+          </a:ln>
+        </p:spPr>
+        <p:style>
+          <a:lnRef idx="1">
+            <a:schemeClr val="accent1"/>
+          </a:lnRef>
+          <a:fillRef idx="0">
+            <a:schemeClr val="accent1"/>
+          </a:fillRef>
+          <a:effectRef idx="0">
+            <a:schemeClr val="accent1"/>
+          </a:effectRef>
+          <a:fontRef idx="minor">
+            <a:schemeClr val="tx1"/>
+          </a:fontRef>
+        </p:style>
+      </p:cxnSp>
+      <p:sp>
+        <p:nvSpPr>
+          <p:cNvPr id="20" name="Flowchart: Connector 19"/>
+          <p:cNvSpPr/>
+          <p:nvPr/>
+        </p:nvSpPr>
+        <p:spPr>
+          <a:xfrm>
+            <a:off x="5334000" y="3136900"/>
+            <a:ext cx="685800" cy="685800"/>
+          </a:xfrm>
+          <a:prstGeom prst="flowChartConnector">
+            <a:avLst/>
+          </a:prstGeom>
+        </p:spPr>
+        <p:style>
+          <a:lnRef idx="2">
+            <a:schemeClr val="accent1">
+              <a:shade val="50000"/>
+            </a:schemeClr>
+          </a:lnRef>
+          <a:fillRef idx="1">
+            <a:schemeClr val="accent1"/>
+          </a:fillRef>
+          <a:effectRef idx="0">
+            <a:schemeClr val="accent1"/>
+          </a:effectRef>
+          <a:fontRef idx="minor">
+            <a:schemeClr val="lt1"/>
+          </a:fontRef>
+        </p:style>
+        <p:txBody>
+          <a:bodyPr rtlCol="0" anchor="ctr"/>
+          <a:lstStyle/>
+          <a:p>
+            <a:pPr algn="ctr"/>
+            <a:r>
+              <a:rPr lang="en-US" dirty="0" smtClean="0"/>
+              <a:t>C3</a:t>
+            </a:r>
+            <a:endParaRPr lang="en-US" sz="1100" dirty="0"/>
+          </a:p>
+        </p:txBody>
+      </p:sp>
+      <p:cxnSp>
+        <p:nvCxnSpPr>
+          <p:cNvPr id="6" name="Straight Arrow Connector 5"/>
+          <p:cNvCxnSpPr>
+            <a:stCxn id="13" idx="4"/>
+            <a:endCxn id="20" idx="0"/>
+          </p:cNvCxnSpPr>
+          <p:nvPr/>
+        </p:nvCxnSpPr>
+        <p:spPr>
+          <a:xfrm flipH="1">
+            <a:off x="5676900" y="2781300"/>
+            <a:ext cx="6350" cy="355600"/>
+          </a:xfrm>
+          <a:prstGeom prst="straightConnector1">
+            <a:avLst/>
+          </a:prstGeom>
+          <a:ln>
+            <a:tailEnd type="triangle"/>
+          </a:ln>
+        </p:spPr>
+        <p:style>
+          <a:lnRef idx="1">
+            <a:schemeClr val="accent1"/>
+          </a:lnRef>
+          <a:fillRef idx="0">
+            <a:schemeClr val="accent1"/>
+          </a:fillRef>
+          <a:effectRef idx="0">
+            <a:schemeClr val="accent1"/>
+          </a:effectRef>
+          <a:fontRef idx="minor">
+            <a:schemeClr val="tx1"/>
+          </a:fontRef>
+        </p:style>
+      </p:cxnSp>
+      <p:cxnSp>
+        <p:nvCxnSpPr>
+          <p:cNvPr id="22" name="Straight Connector 21"/>
+          <p:cNvCxnSpPr/>
+          <p:nvPr/>
+        </p:nvCxnSpPr>
+        <p:spPr>
+          <a:xfrm flipH="1">
+            <a:off x="685800" y="3276600"/>
+            <a:ext cx="381000" cy="0"/>
+          </a:xfrm>
+          <a:prstGeom prst="line">
+            <a:avLst/>
+          </a:prstGeom>
+          <a:ln w="19050">
+            <a:solidFill>
+              <a:schemeClr val="tx1"/>
+            </a:solidFill>
+          </a:ln>
+        </p:spPr>
+        <p:style>
+          <a:lnRef idx="1">
+            <a:schemeClr val="accent1"/>
+          </a:lnRef>
+          <a:fillRef idx="0">
+            <a:schemeClr val="accent1"/>
+          </a:fillRef>
+          <a:effectRef idx="0">
+            <a:schemeClr val="accent1"/>
+          </a:effectRef>
+          <a:fontRef idx="minor">
+            <a:schemeClr val="tx1"/>
+          </a:fontRef>
+        </p:style>
+      </p:cxnSp>
+      <p:sp>
+        <p:nvSpPr>
+          <p:cNvPr id="23" name="TextBox 22"/>
+          <p:cNvSpPr txBox="1"/>
+          <p:nvPr/>
+        </p:nvSpPr>
+        <p:spPr>
+          <a:xfrm>
+            <a:off x="2057400" y="3110468"/>
+            <a:ext cx="1517650" cy="369332"/>
+          </a:xfrm>
+          <a:prstGeom prst="rect">
+            <a:avLst/>
+          </a:prstGeom>
+          <a:noFill/>
+        </p:spPr>
+        <p:txBody>
+          <a:bodyPr wrap="square" rtlCol="0">
+            <a:spAutoFit/>
+          </a:bodyPr>
+          <a:lstStyle/>
+          <a:p>
+            <a:r>
+              <a:rPr lang="en-US" dirty="0" smtClean="0"/>
+              <a:t>add file</a:t>
+            </a:r>
+            <a:endParaRPr lang="en-US" dirty="0"/>
+          </a:p>
+        </p:txBody>
+      </p:sp>
+      <p:sp>
+        <p:nvSpPr>
+          <p:cNvPr id="24" name="TextBox 23"/>
+          <p:cNvSpPr txBox="1"/>
+          <p:nvPr/>
+        </p:nvSpPr>
+        <p:spPr>
+          <a:xfrm>
+            <a:off x="6096000" y="1143853"/>
+            <a:ext cx="1517650" cy="646331"/>
+          </a:xfrm>
+          <a:prstGeom prst="rect">
+            <a:avLst/>
+          </a:prstGeom>
+          <a:noFill/>
+        </p:spPr>
+        <p:txBody>
+          <a:bodyPr wrap="square" rtlCol="0">
+            <a:spAutoFit/>
+          </a:bodyPr>
+          <a:lstStyle/>
+          <a:p>
+            <a:r>
+              <a:rPr lang="en-US" dirty="0">
+                <a:solidFill>
+                  <a:srgbClr val="FF0000"/>
+                </a:solidFill>
+              </a:rPr>
+              <a:t>+</a:t>
+            </a:r>
+            <a:r>
+              <a:rPr lang="en-US" dirty="0" smtClean="0">
+                <a:solidFill>
+                  <a:srgbClr val="FF0000"/>
+                </a:solidFill>
+              </a:rPr>
+              <a:t> </a:t>
+            </a:r>
+            <a:r>
+              <a:rPr lang="en-US" dirty="0" err="1" smtClean="0">
+                <a:solidFill>
+                  <a:srgbClr val="FF0000"/>
+                </a:solidFill>
+              </a:rPr>
+              <a:t>main.c</a:t>
+            </a:r>
+            <a:endParaRPr lang="en-US" dirty="0" smtClean="0">
+              <a:solidFill>
+                <a:srgbClr val="FF0000"/>
+              </a:solidFill>
+            </a:endParaRPr>
+          </a:p>
+          <a:p>
+            <a:r>
+              <a:rPr lang="en-US" dirty="0" smtClean="0">
+                <a:solidFill>
+                  <a:srgbClr val="FF0000"/>
+                </a:solidFill>
+              </a:rPr>
+              <a:t>+ </a:t>
+            </a:r>
+            <a:r>
+              <a:rPr lang="en-US" dirty="0" err="1" smtClean="0">
+                <a:solidFill>
+                  <a:srgbClr val="FF0000"/>
+                </a:solidFill>
+              </a:rPr>
+              <a:t>main.h</a:t>
+            </a:r>
+            <a:endParaRPr lang="en-US" dirty="0">
+              <a:solidFill>
+                <a:srgbClr val="FF0000"/>
+              </a:solidFill>
+            </a:endParaRPr>
+          </a:p>
+        </p:txBody>
+      </p:sp>
+      <p:sp>
+        <p:nvSpPr>
+          <p:cNvPr id="25" name="TextBox 24"/>
+          <p:cNvSpPr txBox="1"/>
+          <p:nvPr/>
+        </p:nvSpPr>
+        <p:spPr>
+          <a:xfrm>
+            <a:off x="6089650" y="2253734"/>
+            <a:ext cx="1517650" cy="369332"/>
+          </a:xfrm>
+          <a:prstGeom prst="rect">
+            <a:avLst/>
+          </a:prstGeom>
+          <a:noFill/>
+        </p:spPr>
+        <p:txBody>
+          <a:bodyPr wrap="square" rtlCol="0">
+            <a:spAutoFit/>
+          </a:bodyPr>
+          <a:lstStyle/>
+          <a:p>
+            <a:r>
+              <a:rPr lang="en-US" dirty="0">
+                <a:solidFill>
+                  <a:srgbClr val="FF0000"/>
+                </a:solidFill>
+              </a:rPr>
+              <a:t>+</a:t>
+            </a:r>
+            <a:r>
+              <a:rPr lang="en-US" dirty="0" smtClean="0">
+                <a:solidFill>
+                  <a:srgbClr val="FF0000"/>
+                </a:solidFill>
+              </a:rPr>
+              <a:t> </a:t>
+            </a:r>
+            <a:r>
+              <a:rPr lang="en-US" dirty="0" err="1" smtClean="0">
+                <a:solidFill>
+                  <a:srgbClr val="FF0000"/>
+                </a:solidFill>
+              </a:rPr>
+              <a:t>spi.c</a:t>
+            </a:r>
+            <a:endParaRPr lang="en-US" dirty="0">
+              <a:solidFill>
+                <a:srgbClr val="FF0000"/>
+              </a:solidFill>
+            </a:endParaRPr>
+          </a:p>
+        </p:txBody>
+      </p:sp>
+      <p:sp>
+        <p:nvSpPr>
+          <p:cNvPr id="26" name="TextBox 25"/>
+          <p:cNvSpPr txBox="1"/>
+          <p:nvPr/>
+        </p:nvSpPr>
+        <p:spPr>
+          <a:xfrm>
+            <a:off x="6089650" y="3276600"/>
+            <a:ext cx="1517650" cy="369332"/>
+          </a:xfrm>
+          <a:prstGeom prst="rect">
+            <a:avLst/>
+          </a:prstGeom>
+          <a:noFill/>
+        </p:spPr>
+        <p:txBody>
+          <a:bodyPr wrap="square" rtlCol="0">
+            <a:spAutoFit/>
+          </a:bodyPr>
+          <a:lstStyle/>
+          <a:p>
+            <a:r>
+              <a:rPr lang="en-US" dirty="0" smtClean="0">
+                <a:solidFill>
+                  <a:srgbClr val="FF0000"/>
+                </a:solidFill>
+              </a:rPr>
+              <a:t>++ </a:t>
+            </a:r>
+            <a:r>
+              <a:rPr lang="en-US" dirty="0" err="1" smtClean="0">
+                <a:solidFill>
+                  <a:srgbClr val="FF0000"/>
+                </a:solidFill>
+              </a:rPr>
+              <a:t>adc.c</a:t>
+            </a:r>
+            <a:endParaRPr lang="en-US" dirty="0">
+              <a:solidFill>
+                <a:srgbClr val="FF0000"/>
+              </a:solidFill>
+            </a:endParaRPr>
+          </a:p>
+        </p:txBody>
+      </p:sp>
+    </p:spTree>
+    <p:extLst>
+      <p:ext uri="{BB962C8B-B14F-4D97-AF65-F5344CB8AC3E}">
+        <p14:creationId xmlns:p14="http://schemas.microsoft.com/office/powerpoint/2010/main" val="1905516477"/>
+      </p:ext>
+    </p:extLst>
+  </p:cSld>
+  <p:clrMapOvr>
+    <a:masterClrMapping/>
+  </p:clrMapOvr>
+  <p:timing>
+    <p:tnLst>
+      <p:par>
+        <p:cTn id="1" dur="indefinite" restart="never" nodeType="tmRoot"/>
+      </p:par>
+    </p:tnLst>
+  </p:timing>
+</p:sld>
+</file>
+
+<file path=ppt/slides/slide13.xml><?xml version="1.0" encoding="utf-8"?>
+<p:sld xmlns:a="http://schemas.openxmlformats.org/drawingml/2006/main" xmlns:r="http://schemas.openxmlformats.org/officeDocument/2006/relationships" xmlns:p="http://schemas.openxmlformats.org/presentationml/2006/main">
+  <p:cSld>
+    <p:spTree>
+      <p:nvGrpSpPr>
+        <p:cNvPr id="1" name=""/>
+        <p:cNvGrpSpPr/>
+        <p:nvPr/>
+      </p:nvGrpSpPr>
+      <p:grpSpPr>
+        <a:xfrm>
+          <a:off x="0" y="0"/>
+          <a:ext cx="0" cy="0"/>
+          <a:chOff x="0" y="0"/>
+          <a:chExt cx="0" cy="0"/>
+        </a:xfrm>
+      </p:grpSpPr>
+      <p:sp>
+        <p:nvSpPr>
+          <p:cNvPr id="3" name="Content Placeholder 2"/>
+          <p:cNvSpPr>
+            <a:spLocks noGrp="1"/>
+          </p:cNvSpPr>
+          <p:nvPr>
+            <p:ph idx="1"/>
+          </p:nvPr>
+        </p:nvSpPr>
+        <p:spPr>
+          <a:xfrm>
+            <a:off x="0" y="0"/>
+            <a:ext cx="2209800" cy="3886200"/>
+          </a:xfrm>
+        </p:spPr>
+        <p:txBody>
+          <a:bodyPr/>
+          <a:lstStyle/>
+          <a:p>
+            <a:r>
+              <a:rPr lang="en-US" dirty="0" smtClean="0"/>
+              <a:t>HW2</a:t>
+            </a:r>
+          </a:p>
+          <a:p>
+            <a:pPr marL="0" indent="0">
+              <a:buNone/>
+            </a:pPr>
+            <a:r>
+              <a:rPr lang="en-US" dirty="0"/>
+              <a:t> </a:t>
+            </a:r>
+            <a:r>
+              <a:rPr lang="en-US" dirty="0" smtClean="0"/>
+              <a:t>    </a:t>
+            </a:r>
+            <a:r>
+              <a:rPr lang="en-US" dirty="0" err="1" smtClean="0"/>
+              <a:t>main.c</a:t>
+            </a:r>
+            <a:endParaRPr lang="en-US" dirty="0" smtClean="0"/>
+          </a:p>
+          <a:p>
+            <a:pPr marL="457200" lvl="1" indent="0">
+              <a:buNone/>
+            </a:pPr>
+            <a:r>
               <a:rPr lang="en-US" dirty="0" smtClean="0"/>
               <a:t>Include</a:t>
             </a:r>
@@ -10250,7 +11059,7 @@
 </p:sld>
 </file>
 
-<file path=ppt/slides/slide13.xml><?xml version="1.0" encoding="utf-8"?>
+<file path=ppt/slides/slide14.xml><?xml version="1.0" encoding="utf-8"?>
 <p:sld xmlns:a="http://schemas.openxmlformats.org/drawingml/2006/main" xmlns:r="http://schemas.openxmlformats.org/officeDocument/2006/relationships" xmlns:p="http://schemas.openxmlformats.org/presentationml/2006/main">
   <p:cSld>
     <p:spTree>
@@ -12525,7 +13334,7 @@
 </p:sld>
 </file>
 
-<file path=ppt/slides/slide14.xml><?xml version="1.0" encoding="utf-8"?>
+<file path=ppt/slides/slide15.xml><?xml version="1.0" encoding="utf-8"?>
 <p:sld xmlns:a="http://schemas.openxmlformats.org/drawingml/2006/main" xmlns:r="http://schemas.openxmlformats.org/officeDocument/2006/relationships" xmlns:p="http://schemas.openxmlformats.org/presentationml/2006/main">
   <p:cSld>
     <p:spTree>
@@ -12632,8 +13441,19 @@
             </a:r>
             <a:r>
               <a:rPr lang="en-US" dirty="0"/>
-              <a:t> made during life of repository</a:t>
-            </a:r>
+              <a:t> made during life of </a:t>
+            </a:r>
+            <a:r>
+              <a:rPr lang="en-US" dirty="0" smtClean="0"/>
+              <a:t>repository</a:t>
+            </a:r>
+          </a:p>
+          <a:p>
+            <a:r>
+              <a:rPr lang="en-US" dirty="0" smtClean="0"/>
+              <a:t>It’s the history of the project</a:t>
+            </a:r>
+            <a:endParaRPr lang="en-US" dirty="0"/>
           </a:p>
         </p:txBody>
       </p:sp>
@@ -12657,7 +13477,7 @@
 </p:sld>
 </file>
 
-<file path=ppt/slides/slide15.xml><?xml version="1.0" encoding="utf-8"?>
+<file path=ppt/slides/slide16.xml><?xml version="1.0" encoding="utf-8"?>
 <p:sld xmlns:a="http://schemas.openxmlformats.org/drawingml/2006/main" xmlns:r="http://schemas.openxmlformats.org/officeDocument/2006/relationships" xmlns:p="http://schemas.openxmlformats.org/presentationml/2006/main">
   <p:cSld>
     <p:spTree>
@@ -12772,7 +13592,7 @@
 </p:sld>
 </file>
 
-<file path=ppt/slides/slide16.xml><?xml version="1.0" encoding="utf-8"?>
+<file path=ppt/slides/slide17.xml><?xml version="1.0" encoding="utf-8"?>
 <p:sld xmlns:a="http://schemas.openxmlformats.org/drawingml/2006/main" xmlns:r="http://schemas.openxmlformats.org/officeDocument/2006/relationships" xmlns:p="http://schemas.openxmlformats.org/presentationml/2006/main">
   <p:cSld>
     <p:spTree>
@@ -12922,129 +13742,6 @@
 </p:sld>
 </file>
 
-<file path=ppt/slides/slide17.xml><?xml version="1.0" encoding="utf-8"?>
-<p:sld xmlns:a="http://schemas.openxmlformats.org/drawingml/2006/main" xmlns:r="http://schemas.openxmlformats.org/officeDocument/2006/relationships" xmlns:p="http://schemas.openxmlformats.org/presentationml/2006/main">
-  <p:cSld>
-    <p:spTree>
-      <p:nvGrpSpPr>
-        <p:cNvPr id="1" name=""/>
-        <p:cNvGrpSpPr/>
-        <p:nvPr/>
-      </p:nvGrpSpPr>
-      <p:grpSpPr>
-        <a:xfrm>
-          <a:off x="0" y="0"/>
-          <a:ext cx="0" cy="0"/>
-          <a:chOff x="0" y="0"/>
-          <a:chExt cx="0" cy="0"/>
-        </a:xfrm>
-      </p:grpSpPr>
-      <p:sp>
-        <p:nvSpPr>
-          <p:cNvPr id="2" name="Title 1"/>
-          <p:cNvSpPr>
-            <a:spLocks noGrp="1"/>
-          </p:cNvSpPr>
-          <p:nvPr>
-            <p:ph type="title"/>
-          </p:nvPr>
-        </p:nvSpPr>
-        <p:spPr/>
-        <p:txBody>
-          <a:bodyPr>
-            <a:normAutofit/>
-          </a:bodyPr>
-          <a:lstStyle/>
-          <a:p>
-            <a:r>
-              <a:rPr lang="en-US" dirty="0" err="1"/>
-              <a:t>Git</a:t>
-            </a:r>
-            <a:r>
-              <a:rPr lang="en-US" dirty="0"/>
-              <a:t> 101 – Workflow</a:t>
-            </a:r>
-          </a:p>
-        </p:txBody>
-      </p:sp>
-      <p:sp>
-        <p:nvSpPr>
-          <p:cNvPr id="3" name="Content Placeholder 2"/>
-          <p:cNvSpPr>
-            <a:spLocks noGrp="1"/>
-          </p:cNvSpPr>
-          <p:nvPr>
-            <p:ph idx="1"/>
-          </p:nvPr>
-        </p:nvSpPr>
-        <p:spPr/>
-        <p:txBody>
-          <a:bodyPr>
-            <a:normAutofit/>
-          </a:bodyPr>
-          <a:lstStyle/>
-          <a:p>
-            <a:r>
-              <a:rPr lang="en-US" b="1" dirty="0" smtClean="0"/>
-              <a:t>Fetch/Pull</a:t>
-            </a:r>
-            <a:endParaRPr lang="en-US" b="1" dirty="0"/>
-          </a:p>
-          <a:p>
-            <a:r>
-              <a:rPr lang="en-US" dirty="0"/>
-              <a:t>Make your edits</a:t>
-            </a:r>
-          </a:p>
-          <a:p>
-            <a:r>
-              <a:rPr lang="en-US" b="1" dirty="0"/>
-              <a:t>Stage</a:t>
-            </a:r>
-            <a:r>
-              <a:rPr lang="en-US" dirty="0"/>
-              <a:t> your changes</a:t>
-            </a:r>
-          </a:p>
-          <a:p>
-            <a:r>
-              <a:rPr lang="en-US" b="1" dirty="0"/>
-              <a:t>Commit</a:t>
-            </a:r>
-            <a:r>
-              <a:rPr lang="en-US" dirty="0"/>
-              <a:t> your work</a:t>
-            </a:r>
-          </a:p>
-          <a:p>
-            <a:r>
-              <a:rPr lang="en-US" b="1" dirty="0" smtClean="0"/>
-              <a:t>Push</a:t>
-            </a:r>
-            <a:endParaRPr lang="en-US" dirty="0"/>
-          </a:p>
-        </p:txBody>
-      </p:sp>
-    </p:spTree>
-    <p:extLst>
-      <p:ext uri="{BB962C8B-B14F-4D97-AF65-F5344CB8AC3E}">
-        <p14:creationId xmlns:p14="http://schemas.microsoft.com/office/powerpoint/2010/main" val="4287245051"/>
-      </p:ext>
-    </p:extLst>
-  </p:cSld>
-  <p:clrMapOvr>
-    <a:masterClrMapping/>
-  </p:clrMapOvr>
-  <p:timing>
-    <p:tnLst>
-      <p:par>
-        <p:cTn id="1" dur="indefinite" restart="never" nodeType="tmRoot"/>
-      </p:par>
-    </p:tnLst>
-  </p:timing>
-</p:sld>
-</file>
-
 <file path=ppt/slides/slide18.xml><?xml version="1.0" encoding="utf-8"?>
 <p:sld xmlns:a="http://schemas.openxmlformats.org/drawingml/2006/main" xmlns:r="http://schemas.openxmlformats.org/officeDocument/2006/relationships" xmlns:p="http://schemas.openxmlformats.org/presentationml/2006/main">
   <p:cSld>
@@ -13085,13 +13782,8 @@
             </a:r>
             <a:r>
               <a:rPr lang="en-US" dirty="0"/>
-              <a:t> 101 – </a:t>
-            </a:r>
-            <a:r>
-              <a:rPr lang="en-US" dirty="0" smtClean="0"/>
-              <a:t>Workflow - Fetch</a:t>
-            </a:r>
-            <a:endParaRPr lang="en-US" dirty="0"/>
+              <a:t> 101 – Workflow</a:t>
+            </a:r>
           </a:p>
         </p:txBody>
       </p:sp>
@@ -13113,81 +13805,50 @@
           <a:lstStyle/>
           <a:p>
             <a:r>
-              <a:rPr lang="en-US" dirty="0" smtClean="0"/>
-              <a:t>If you have not cloned the repo</a:t>
-            </a:r>
-          </a:p>
-          <a:p>
-            <a:pPr lvl="1"/>
-            <a:r>
-              <a:rPr lang="en-US" dirty="0" err="1" smtClean="0">
-                <a:solidFill>
-                  <a:srgbClr val="FF0000"/>
-                </a:solidFill>
-              </a:rPr>
-              <a:t>git</a:t>
-            </a:r>
-            <a:r>
-              <a:rPr lang="en-US" dirty="0" smtClean="0">
-                <a:solidFill>
-                  <a:srgbClr val="FF0000"/>
-                </a:solidFill>
-              </a:rPr>
-              <a:t> clone https://the.git.repo.git</a:t>
-            </a:r>
-            <a:endParaRPr lang="en-US" dirty="0">
-              <a:solidFill>
-                <a:srgbClr val="FF0000"/>
-              </a:solidFill>
-            </a:endParaRPr>
-          </a:p>
-          <a:p>
-            <a:r>
-              <a:rPr lang="en-US" dirty="0" smtClean="0"/>
-              <a:t>Get the latest updates before working</a:t>
-            </a:r>
-          </a:p>
-          <a:p>
-            <a:pPr lvl="1"/>
-            <a:r>
-              <a:rPr lang="en-US" dirty="0" err="1">
-                <a:solidFill>
-                  <a:srgbClr val="FF0000"/>
-                </a:solidFill>
-              </a:rPr>
-              <a:t>git</a:t>
-            </a:r>
-            <a:r>
-              <a:rPr lang="en-US" dirty="0">
-                <a:solidFill>
-                  <a:srgbClr val="FF0000"/>
-                </a:solidFill>
-              </a:rPr>
-              <a:t> </a:t>
-            </a:r>
-            <a:r>
-              <a:rPr lang="en-US" dirty="0" smtClean="0">
-                <a:solidFill>
-                  <a:srgbClr val="FF0000"/>
-                </a:solidFill>
-              </a:rPr>
-              <a:t>pull</a:t>
-            </a:r>
-            <a:endParaRPr lang="en-US" dirty="0">
-              <a:solidFill>
-                <a:srgbClr val="FF0000"/>
-              </a:solidFill>
-            </a:endParaRPr>
-          </a:p>
-          <a:p>
-            <a:endParaRPr lang="en-US" dirty="0" smtClean="0"/>
+              <a:rPr lang="en-US" b="1" dirty="0" smtClean="0"/>
+              <a:t>Fetch/Pull</a:t>
+            </a:r>
+            <a:endParaRPr lang="en-US" b="1" dirty="0"/>
+          </a:p>
+          <a:p>
+            <a:r>
+              <a:rPr lang="en-US" dirty="0"/>
+              <a:t>Make your edits</a:t>
+            </a:r>
+          </a:p>
+          <a:p>
+            <a:r>
+              <a:rPr lang="en-US" b="1" dirty="0"/>
+              <a:t>Stage</a:t>
+            </a:r>
+            <a:r>
+              <a:rPr lang="en-US" dirty="0"/>
+              <a:t> your changes</a:t>
+            </a:r>
+          </a:p>
+          <a:p>
+            <a:r>
+              <a:rPr lang="en-US" b="1" dirty="0"/>
+              <a:t>Commit</a:t>
+            </a:r>
+            <a:r>
+              <a:rPr lang="en-US" dirty="0"/>
+              <a:t> your work</a:t>
+            </a:r>
+          </a:p>
+          <a:p>
+            <a:r>
+              <a:rPr lang="en-US" b="1" dirty="0" smtClean="0"/>
+              <a:t>Push</a:t>
+            </a:r>
+            <a:endParaRPr lang="en-US" dirty="0"/>
           </a:p>
         </p:txBody>
       </p:sp>
     </p:spTree>
     <p:extLst>
       <p:ext uri="{BB962C8B-B14F-4D97-AF65-F5344CB8AC3E}">
-        <p14:creationId xmlns:p14="http://schemas.microsoft.com/office/powerpoint/2010/main" val="3303831971"/>
+        <p14:creationId xmlns:p14="http://schemas.microsoft.com/office/powerpoint/2010/main" val="4287245051"/>
       </p:ext>
     </p:extLst>
   </p:cSld>
@@ -13248,7 +13909,7 @@
             </a:r>
             <a:r>
               <a:rPr lang="en-US" dirty="0" smtClean="0"/>
-              <a:t>Workflow - Edit</a:t>
+              <a:t>Workflow - Fetch</a:t>
             </a:r>
             <a:endParaRPr lang="en-US" dirty="0"/>
           </a:p>
@@ -13273,7 +13934,28 @@
           <a:p>
             <a:r>
               <a:rPr lang="en-US" dirty="0" smtClean="0"/>
-              <a:t>Add, remove, edit all the files you want</a:t>
+              <a:t>If you have not cloned the repo</a:t>
+            </a:r>
+          </a:p>
+          <a:p>
+            <a:pPr marL="457200" lvl="1" indent="0">
+              <a:buNone/>
+            </a:pPr>
+            <a:r>
+              <a:rPr lang="en-US" dirty="0" err="1" smtClean="0">
+                <a:solidFill>
+                  <a:srgbClr val="FF0000"/>
+                </a:solidFill>
+              </a:rPr>
+              <a:t>git</a:t>
+            </a:r>
+            <a:r>
+              <a:rPr lang="en-US" dirty="0" smtClean="0">
+                <a:solidFill>
+                  <a:srgbClr val="FF0000"/>
+                </a:solidFill>
+              </a:rPr>
+              <a:t> clone https://the.git.repo.git</a:t>
             </a:r>
             <a:endParaRPr lang="en-US" dirty="0">
               <a:solidFill>
@@ -13282,6 +13964,63 @@
             </a:endParaRPr>
           </a:p>
           <a:p>
+            <a:r>
+              <a:rPr lang="en-US" dirty="0" smtClean="0"/>
+              <a:t>Get the latest updates before working</a:t>
+            </a:r>
+          </a:p>
+          <a:p>
+            <a:pPr marL="457200" lvl="1" indent="0">
+              <a:buNone/>
+            </a:pPr>
+            <a:r>
+              <a:rPr lang="en-US" dirty="0" err="1">
+                <a:solidFill>
+                  <a:srgbClr val="FF0000"/>
+                </a:solidFill>
+              </a:rPr>
+              <a:t>git</a:t>
+            </a:r>
+            <a:r>
+              <a:rPr lang="en-US" dirty="0">
+                <a:solidFill>
+                  <a:srgbClr val="FF0000"/>
+                </a:solidFill>
+              </a:rPr>
+              <a:t> </a:t>
+            </a:r>
+            <a:r>
+              <a:rPr lang="en-US" dirty="0" smtClean="0">
+                <a:solidFill>
+                  <a:srgbClr val="FF0000"/>
+                </a:solidFill>
+              </a:rPr>
+              <a:t>pull</a:t>
+            </a:r>
+          </a:p>
+          <a:p>
+            <a:r>
+              <a:rPr lang="en-US" dirty="0" smtClean="0"/>
+              <a:t>Don’t make folder then </a:t>
+            </a:r>
+            <a:r>
+              <a:rPr lang="en-US" dirty="0" err="1" smtClean="0"/>
+              <a:t>git</a:t>
+            </a:r>
+            <a:r>
+              <a:rPr lang="en-US" dirty="0" smtClean="0"/>
+              <a:t> clone</a:t>
+            </a:r>
+          </a:p>
+          <a:p>
+            <a:pPr lvl="1"/>
+            <a:r>
+              <a:rPr lang="en-US" dirty="0" smtClean="0"/>
+              <a:t>Cloning makes a new folder for you</a:t>
+            </a:r>
+            <a:endParaRPr lang="en-US" dirty="0"/>
+          </a:p>
+          <a:p>
             <a:endParaRPr lang="en-US" dirty="0" smtClean="0"/>
           </a:p>
         </p:txBody>
@@ -13289,7 +14028,7 @@
     </p:spTree>
     <p:extLst>
       <p:ext uri="{BB962C8B-B14F-4D97-AF65-F5344CB8AC3E}">
-        <p14:creationId xmlns:p14="http://schemas.microsoft.com/office/powerpoint/2010/main" val="924631662"/>
+        <p14:creationId xmlns:p14="http://schemas.microsoft.com/office/powerpoint/2010/main" val="3303831971"/>
       </p:ext>
     </p:extLst>
   </p:cSld>
@@ -13338,6 +14077,2257 @@
           <a:bodyPr/>
           <a:lstStyle/>
           <a:p>
+            <a:pPr algn="l"/>
+            <a:r>
+              <a:rPr lang="en-US" dirty="0" smtClean="0"/>
+              <a:t>More Workshops This Year!</a:t>
+            </a:r>
+            <a:endParaRPr lang="en-US" dirty="0"/>
+          </a:p>
+        </p:txBody>
+      </p:sp>
+      <p:sp>
+        <p:nvSpPr>
+          <p:cNvPr id="3" name="Content Placeholder 2"/>
+          <p:cNvSpPr>
+            <a:spLocks noGrp="1"/>
+          </p:cNvSpPr>
+          <p:nvPr>
+            <p:ph idx="1"/>
+          </p:nvPr>
+        </p:nvSpPr>
+        <p:spPr>
+          <a:xfrm>
+            <a:off x="428978" y="1828800"/>
+            <a:ext cx="8229600" cy="4160114"/>
+          </a:xfrm>
+        </p:spPr>
+        <p:txBody>
+          <a:bodyPr/>
+          <a:lstStyle/>
+          <a:p>
+            <a:pPr marL="0" indent="0" algn="ctr">
+              <a:buNone/>
+            </a:pPr>
+            <a:r>
+              <a:rPr lang="en-US" dirty="0" smtClean="0">
+                <a:hlinkClick r:id="rId2"/>
+              </a:rPr>
+              <a:t>https://making.engr.wisc.edu</a:t>
+            </a:r>
+            <a:endParaRPr lang="en-US" dirty="0" smtClean="0"/>
+          </a:p>
+          <a:p>
+            <a:pPr marL="0" indent="0" algn="ctr">
+              <a:buNone/>
+            </a:pPr>
+            <a:endParaRPr lang="en-US" dirty="0"/>
+          </a:p>
+        </p:txBody>
+      </p:sp>
+      <p:pic>
+        <p:nvPicPr>
+          <p:cNvPr id="1026" name="Picture 2"/>
+          <p:cNvPicPr>
+            <a:picLocks noChangeAspect="1" noChangeArrowheads="1"/>
+          </p:cNvPicPr>
+          <p:nvPr/>
+        </p:nvPicPr>
+        <p:blipFill>
+          <a:blip r:embed="rId3">
+            <a:extLst>
+              <a:ext uri="{28A0092B-C50C-407E-A947-70E740481C1C}">
+                <a14:useLocalDpi xmlns:a14="http://schemas.microsoft.com/office/drawing/2010/main" val="0"/>
+              </a:ext>
+            </a:extLst>
+          </a:blip>
+          <a:srcRect/>
+          <a:stretch>
+            <a:fillRect/>
+          </a:stretch>
+        </p:blipFill>
+        <p:spPr bwMode="auto">
+          <a:xfrm>
+            <a:off x="293483" y="2667000"/>
+            <a:ext cx="8477956" cy="3962400"/>
+          </a:xfrm>
+          <a:prstGeom prst="rect">
+            <a:avLst/>
+          </a:prstGeom>
+          <a:noFill/>
+          <a:ln>
+            <a:noFill/>
+          </a:ln>
+          <a:effectLst/>
+          <a:extLst>
+            <a:ext uri="{909E8E84-426E-40DD-AFC4-6F175D3DCCD1}">
+              <a14:hiddenFill xmlns:a14="http://schemas.microsoft.com/office/drawing/2010/main">
+                <a:solidFill>
+                  <a:schemeClr val="accent1"/>
+                </a:solidFill>
+              </a14:hiddenFill>
+            </a:ext>
+            <a:ext uri="{91240B29-F687-4F45-9708-019B960494DF}">
+              <a14:hiddenLine xmlns:a14="http://schemas.microsoft.com/office/drawing/2010/main" w="9525">
+                <a:solidFill>
+                  <a:schemeClr val="tx1"/>
+                </a:solidFill>
+                <a:miter lim="800000"/>
+                <a:headEnd/>
+                <a:tailEnd/>
+              </a14:hiddenLine>
+            </a:ext>
+            <a:ext uri="{AF507438-7753-43E0-B8FC-AC1667EBCBE1}">
+              <a14:hiddenEffects xmlns:a14="http://schemas.microsoft.com/office/drawing/2010/main">
+                <a:effectLst>
+                  <a:outerShdw dist="35921" dir="2700000" algn="ctr" rotWithShape="0">
+                    <a:schemeClr val="bg2"/>
+                  </a:outerShdw>
+                </a:effectLst>
+              </a14:hiddenEffects>
+            </a:ext>
+          </a:extLst>
+        </p:spPr>
+      </p:pic>
+      <p:pic>
+        <p:nvPicPr>
+          <p:cNvPr id="1029" name="Picture 5" descr="C:\Users\SpencerFricke\Downloads\cheering_minions.gif"/>
+          <p:cNvPicPr>
+            <a:picLocks noChangeAspect="1" noChangeArrowheads="1" noCrop="1"/>
+          </p:cNvPicPr>
+          <p:nvPr/>
+        </p:nvPicPr>
+        <p:blipFill>
+          <a:blip r:embed="rId4" cstate="print">
+            <a:extLst>
+              <a:ext uri="{28A0092B-C50C-407E-A947-70E740481C1C}">
+                <a14:useLocalDpi xmlns:a14="http://schemas.microsoft.com/office/drawing/2010/main" val="0"/>
+              </a:ext>
+            </a:extLst>
+          </a:blip>
+          <a:srcRect/>
+          <a:stretch>
+            <a:fillRect/>
+          </a:stretch>
+        </p:blipFill>
+        <p:spPr bwMode="auto">
+          <a:xfrm>
+            <a:off x="7010400" y="381001"/>
+            <a:ext cx="2039938" cy="922052"/>
+          </a:xfrm>
+          <a:prstGeom prst="rect">
+            <a:avLst/>
+          </a:prstGeom>
+          <a:noFill/>
+          <a:extLst>
+            <a:ext uri="{909E8E84-426E-40DD-AFC4-6F175D3DCCD1}">
+              <a14:hiddenFill xmlns:a14="http://schemas.microsoft.com/office/drawing/2010/main">
+                <a:solidFill>
+                  <a:srgbClr val="FFFFFF"/>
+                </a:solidFill>
+              </a14:hiddenFill>
+            </a:ext>
+          </a:extLst>
+        </p:spPr>
+      </p:pic>
+    </p:spTree>
+    <p:extLst>
+      <p:ext uri="{BB962C8B-B14F-4D97-AF65-F5344CB8AC3E}">
+        <p14:creationId xmlns:p14="http://schemas.microsoft.com/office/powerpoint/2010/main" val="2600261050"/>
+      </p:ext>
+    </p:extLst>
+  </p:cSld>
+  <p:clrMapOvr>
+    <a:masterClrMapping/>
+  </p:clrMapOvr>
+  <p:timing>
+    <p:tnLst>
+      <p:par>
+        <p:cTn id="1" dur="indefinite" restart="never" nodeType="tmRoot"/>
+      </p:par>
+    </p:tnLst>
+  </p:timing>
+</p:sld>
+</file>
+
+<file path=ppt/slides/slide20.xml><?xml version="1.0" encoding="utf-8"?>
+<p:sld xmlns:a="http://schemas.openxmlformats.org/drawingml/2006/main" xmlns:r="http://schemas.openxmlformats.org/officeDocument/2006/relationships" xmlns:p="http://schemas.openxmlformats.org/presentationml/2006/main">
+  <p:cSld>
+    <p:spTree>
+      <p:nvGrpSpPr>
+        <p:cNvPr id="1" name=""/>
+        <p:cNvGrpSpPr/>
+        <p:nvPr/>
+      </p:nvGrpSpPr>
+      <p:grpSpPr>
+        <a:xfrm>
+          <a:off x="0" y="0"/>
+          <a:ext cx="0" cy="0"/>
+          <a:chOff x="0" y="0"/>
+          <a:chExt cx="0" cy="0"/>
+        </a:xfrm>
+      </p:grpSpPr>
+      <p:sp>
+        <p:nvSpPr>
+          <p:cNvPr id="2" name="Title 1"/>
+          <p:cNvSpPr>
+            <a:spLocks noGrp="1"/>
+          </p:cNvSpPr>
+          <p:nvPr>
+            <p:ph type="title"/>
+          </p:nvPr>
+        </p:nvSpPr>
+        <p:spPr/>
+        <p:txBody>
+          <a:bodyPr>
+            <a:normAutofit/>
+          </a:bodyPr>
+          <a:lstStyle/>
+          <a:p>
+            <a:r>
+              <a:rPr lang="en-US" dirty="0" err="1"/>
+              <a:t>Git</a:t>
+            </a:r>
+            <a:r>
+              <a:rPr lang="en-US" dirty="0"/>
+              <a:t> 101 – </a:t>
+            </a:r>
+            <a:r>
+              <a:rPr lang="en-US" dirty="0" smtClean="0"/>
+              <a:t>Workflow - Edit</a:t>
+            </a:r>
+            <a:endParaRPr lang="en-US" dirty="0"/>
+          </a:p>
+        </p:txBody>
+      </p:sp>
+      <p:sp>
+        <p:nvSpPr>
+          <p:cNvPr id="3" name="Content Placeholder 2"/>
+          <p:cNvSpPr>
+            <a:spLocks noGrp="1"/>
+          </p:cNvSpPr>
+          <p:nvPr>
+            <p:ph idx="1"/>
+          </p:nvPr>
+        </p:nvSpPr>
+        <p:spPr/>
+        <p:txBody>
+          <a:bodyPr>
+            <a:normAutofit/>
+          </a:bodyPr>
+          <a:lstStyle/>
+          <a:p>
+            <a:r>
+              <a:rPr lang="en-US" dirty="0" smtClean="0"/>
+              <a:t>Add, remove, edit all the files you want</a:t>
+            </a:r>
+            <a:endParaRPr lang="en-US" dirty="0">
+              <a:solidFill>
+                <a:srgbClr val="FF0000"/>
+              </a:solidFill>
+            </a:endParaRPr>
+          </a:p>
+          <a:p>
+            <a:endParaRPr lang="en-US" dirty="0" smtClean="0"/>
+          </a:p>
+        </p:txBody>
+      </p:sp>
+    </p:spTree>
+    <p:extLst>
+      <p:ext uri="{BB962C8B-B14F-4D97-AF65-F5344CB8AC3E}">
+        <p14:creationId xmlns:p14="http://schemas.microsoft.com/office/powerpoint/2010/main" val="924631662"/>
+      </p:ext>
+    </p:extLst>
+  </p:cSld>
+  <p:clrMapOvr>
+    <a:masterClrMapping/>
+  </p:clrMapOvr>
+  <p:timing>
+    <p:tnLst>
+      <p:par>
+        <p:cTn id="1" dur="indefinite" restart="never" nodeType="tmRoot"/>
+      </p:par>
+    </p:tnLst>
+  </p:timing>
+</p:sld>
+</file>
+
+<file path=ppt/slides/slide21.xml><?xml version="1.0" encoding="utf-8"?>
+<p:sld xmlns:a="http://schemas.openxmlformats.org/drawingml/2006/main" xmlns:r="http://schemas.openxmlformats.org/officeDocument/2006/relationships" xmlns:p="http://schemas.openxmlformats.org/presentationml/2006/main">
+  <p:cSld>
+    <p:spTree>
+      <p:nvGrpSpPr>
+        <p:cNvPr id="1" name=""/>
+        <p:cNvGrpSpPr/>
+        <p:nvPr/>
+      </p:nvGrpSpPr>
+      <p:grpSpPr>
+        <a:xfrm>
+          <a:off x="0" y="0"/>
+          <a:ext cx="0" cy="0"/>
+          <a:chOff x="0" y="0"/>
+          <a:chExt cx="0" cy="0"/>
+        </a:xfrm>
+      </p:grpSpPr>
+      <p:sp>
+        <p:nvSpPr>
+          <p:cNvPr id="2" name="Title 1"/>
+          <p:cNvSpPr>
+            <a:spLocks noGrp="1"/>
+          </p:cNvSpPr>
+          <p:nvPr>
+            <p:ph type="title"/>
+          </p:nvPr>
+        </p:nvSpPr>
+        <p:spPr/>
+        <p:txBody>
+          <a:bodyPr>
+            <a:normAutofit/>
+          </a:bodyPr>
+          <a:lstStyle/>
+          <a:p>
+            <a:r>
+              <a:rPr lang="en-US" dirty="0" err="1"/>
+              <a:t>Git</a:t>
+            </a:r>
+            <a:r>
+              <a:rPr lang="en-US" dirty="0"/>
+              <a:t> 101 – </a:t>
+            </a:r>
+            <a:r>
+              <a:rPr lang="en-US" dirty="0" smtClean="0"/>
+              <a:t>Workflow - Stage</a:t>
+            </a:r>
+            <a:endParaRPr lang="en-US" dirty="0"/>
+          </a:p>
+        </p:txBody>
+      </p:sp>
+      <p:sp>
+        <p:nvSpPr>
+          <p:cNvPr id="3" name="Content Placeholder 2"/>
+          <p:cNvSpPr>
+            <a:spLocks noGrp="1"/>
+          </p:cNvSpPr>
+          <p:nvPr>
+            <p:ph idx="1"/>
+          </p:nvPr>
+        </p:nvSpPr>
+        <p:spPr/>
+        <p:txBody>
+          <a:bodyPr>
+            <a:normAutofit/>
+          </a:bodyPr>
+          <a:lstStyle/>
+          <a:p>
+            <a:r>
+              <a:rPr lang="en-US" dirty="0" smtClean="0"/>
+              <a:t>Add the files you want to commit</a:t>
+            </a:r>
+          </a:p>
+          <a:p>
+            <a:r>
+              <a:rPr lang="en-US" dirty="0" smtClean="0"/>
+              <a:t>This allows you to choice </a:t>
+            </a:r>
+            <a:r>
+              <a:rPr lang="en-US" b="1" dirty="0" smtClean="0"/>
+              <a:t>what</a:t>
+            </a:r>
+            <a:r>
+              <a:rPr lang="en-US" dirty="0" smtClean="0"/>
+              <a:t> to commit</a:t>
+            </a:r>
+          </a:p>
+          <a:p>
+            <a:pPr marL="0" indent="0">
+              <a:buNone/>
+            </a:pPr>
+            <a:r>
+              <a:rPr lang="en-US" dirty="0" err="1">
+                <a:solidFill>
+                  <a:srgbClr val="FF0000"/>
+                </a:solidFill>
+              </a:rPr>
+              <a:t>g</a:t>
+            </a:r>
+            <a:r>
+              <a:rPr lang="en-US" dirty="0" err="1" smtClean="0">
+                <a:solidFill>
+                  <a:srgbClr val="FF0000"/>
+                </a:solidFill>
+              </a:rPr>
+              <a:t>it</a:t>
+            </a:r>
+            <a:r>
+              <a:rPr lang="en-US" dirty="0" smtClean="0">
+                <a:solidFill>
+                  <a:srgbClr val="FF0000"/>
+                </a:solidFill>
+              </a:rPr>
+              <a:t> add –A</a:t>
+            </a:r>
+          </a:p>
+          <a:p>
+            <a:pPr lvl="1"/>
+            <a:r>
+              <a:rPr lang="en-US" dirty="0" smtClean="0"/>
+              <a:t>Will add all difference</a:t>
+            </a:r>
+          </a:p>
+          <a:p>
+            <a:pPr marL="0" indent="0">
+              <a:buNone/>
+            </a:pPr>
+            <a:r>
+              <a:rPr lang="en-US" dirty="0" err="1">
+                <a:solidFill>
+                  <a:srgbClr val="FF0000"/>
+                </a:solidFill>
+              </a:rPr>
+              <a:t>g</a:t>
+            </a:r>
+            <a:r>
+              <a:rPr lang="en-US" dirty="0" err="1" smtClean="0">
+                <a:solidFill>
+                  <a:srgbClr val="FF0000"/>
+                </a:solidFill>
+              </a:rPr>
+              <a:t>it</a:t>
+            </a:r>
+            <a:r>
+              <a:rPr lang="en-US" dirty="0" smtClean="0">
+                <a:solidFill>
+                  <a:srgbClr val="FF0000"/>
+                </a:solidFill>
+              </a:rPr>
+              <a:t> add </a:t>
+            </a:r>
+            <a:r>
+              <a:rPr lang="en-US" dirty="0" err="1" smtClean="0">
+                <a:solidFill>
+                  <a:srgbClr val="FF0000"/>
+                </a:solidFill>
+              </a:rPr>
+              <a:t>main.c</a:t>
+            </a:r>
+            <a:endParaRPr lang="en-US" dirty="0" smtClean="0">
+              <a:solidFill>
+                <a:srgbClr val="FF0000"/>
+              </a:solidFill>
+            </a:endParaRPr>
+          </a:p>
+          <a:p>
+            <a:pPr lvl="1"/>
+            <a:r>
+              <a:rPr lang="en-US" dirty="0" smtClean="0"/>
+              <a:t>Just adds </a:t>
+            </a:r>
+            <a:r>
+              <a:rPr lang="en-US" dirty="0" err="1" smtClean="0"/>
+              <a:t>main.c</a:t>
+            </a:r>
+            <a:endParaRPr lang="en-US" dirty="0" smtClean="0"/>
+          </a:p>
+          <a:p>
+            <a:pPr marL="0" indent="0">
+              <a:buNone/>
+            </a:pPr>
+            <a:r>
+              <a:rPr lang="en-US" dirty="0" err="1">
+                <a:solidFill>
+                  <a:srgbClr val="FF0000"/>
+                </a:solidFill>
+              </a:rPr>
+              <a:t>git</a:t>
+            </a:r>
+            <a:r>
+              <a:rPr lang="en-US" dirty="0">
+                <a:solidFill>
+                  <a:srgbClr val="FF0000"/>
+                </a:solidFill>
+              </a:rPr>
+              <a:t> add </a:t>
+            </a:r>
+            <a:r>
+              <a:rPr lang="en-US" dirty="0" err="1" smtClean="0">
+                <a:solidFill>
+                  <a:srgbClr val="FF0000"/>
+                </a:solidFill>
+              </a:rPr>
+              <a:t>myFolder</a:t>
+            </a:r>
+            <a:r>
+              <a:rPr lang="en-US" dirty="0" smtClean="0">
+                <a:solidFill>
+                  <a:srgbClr val="FF0000"/>
+                </a:solidFill>
+              </a:rPr>
+              <a:t>/*</a:t>
+            </a:r>
+            <a:endParaRPr lang="en-US" dirty="0">
+              <a:solidFill>
+                <a:srgbClr val="FF0000"/>
+              </a:solidFill>
+            </a:endParaRPr>
+          </a:p>
+          <a:p>
+            <a:pPr lvl="1"/>
+            <a:r>
+              <a:rPr lang="en-US" dirty="0" smtClean="0"/>
+              <a:t>Adds entire folder</a:t>
+            </a:r>
+            <a:endParaRPr lang="en-US" dirty="0"/>
+          </a:p>
+          <a:p>
+            <a:pPr lvl="1"/>
+            <a:endParaRPr lang="en-US" dirty="0" smtClean="0"/>
+          </a:p>
+          <a:p>
+            <a:pPr marL="457200" lvl="1" indent="0">
+              <a:buNone/>
+            </a:pPr>
+            <a:endParaRPr lang="en-US" dirty="0"/>
+          </a:p>
+          <a:p>
+            <a:endParaRPr lang="en-US" dirty="0" smtClean="0"/>
+          </a:p>
+        </p:txBody>
+      </p:sp>
+    </p:spTree>
+    <p:extLst>
+      <p:ext uri="{BB962C8B-B14F-4D97-AF65-F5344CB8AC3E}">
+        <p14:creationId xmlns:p14="http://schemas.microsoft.com/office/powerpoint/2010/main" val="1391718993"/>
+      </p:ext>
+    </p:extLst>
+  </p:cSld>
+  <p:clrMapOvr>
+    <a:masterClrMapping/>
+  </p:clrMapOvr>
+  <p:timing>
+    <p:tnLst>
+      <p:par>
+        <p:cTn id="1" dur="indefinite" restart="never" nodeType="tmRoot"/>
+      </p:par>
+    </p:tnLst>
+  </p:timing>
+</p:sld>
+</file>
+
+<file path=ppt/slides/slide22.xml><?xml version="1.0" encoding="utf-8"?>
+<p:sld xmlns:a="http://schemas.openxmlformats.org/drawingml/2006/main" xmlns:r="http://schemas.openxmlformats.org/officeDocument/2006/relationships" xmlns:p="http://schemas.openxmlformats.org/presentationml/2006/main">
+  <p:cSld>
+    <p:spTree>
+      <p:nvGrpSpPr>
+        <p:cNvPr id="1" name=""/>
+        <p:cNvGrpSpPr/>
+        <p:nvPr/>
+      </p:nvGrpSpPr>
+      <p:grpSpPr>
+        <a:xfrm>
+          <a:off x="0" y="0"/>
+          <a:ext cx="0" cy="0"/>
+          <a:chOff x="0" y="0"/>
+          <a:chExt cx="0" cy="0"/>
+        </a:xfrm>
+      </p:grpSpPr>
+      <p:sp>
+        <p:nvSpPr>
+          <p:cNvPr id="2" name="Title 1"/>
+          <p:cNvSpPr>
+            <a:spLocks noGrp="1"/>
+          </p:cNvSpPr>
+          <p:nvPr>
+            <p:ph type="title"/>
+          </p:nvPr>
+        </p:nvSpPr>
+        <p:spPr/>
+        <p:txBody>
+          <a:bodyPr>
+            <a:normAutofit/>
+          </a:bodyPr>
+          <a:lstStyle/>
+          <a:p>
+            <a:r>
+              <a:rPr lang="en-US" dirty="0" err="1"/>
+              <a:t>Git</a:t>
+            </a:r>
+            <a:r>
+              <a:rPr lang="en-US" dirty="0"/>
+              <a:t> 101 – </a:t>
+            </a:r>
+            <a:r>
+              <a:rPr lang="en-US" dirty="0" smtClean="0"/>
+              <a:t>Workflow – Commit</a:t>
+            </a:r>
+            <a:endParaRPr lang="en-US" dirty="0"/>
+          </a:p>
+        </p:txBody>
+      </p:sp>
+      <p:sp>
+        <p:nvSpPr>
+          <p:cNvPr id="3" name="Content Placeholder 2"/>
+          <p:cNvSpPr>
+            <a:spLocks noGrp="1"/>
+          </p:cNvSpPr>
+          <p:nvPr>
+            <p:ph idx="1"/>
+          </p:nvPr>
+        </p:nvSpPr>
+        <p:spPr/>
+        <p:txBody>
+          <a:bodyPr>
+            <a:normAutofit/>
+          </a:bodyPr>
+          <a:lstStyle/>
+          <a:p>
+            <a:r>
+              <a:rPr lang="en-US" dirty="0" smtClean="0"/>
+              <a:t>Take the “snapshot” of the repo</a:t>
+            </a:r>
+          </a:p>
+          <a:p>
+            <a:r>
+              <a:rPr lang="en-US" dirty="0" smtClean="0"/>
+              <a:t>Add a commit title</a:t>
+            </a:r>
+          </a:p>
+          <a:p>
+            <a:pPr marL="457200" lvl="1" indent="0">
+              <a:buNone/>
+            </a:pPr>
+            <a:r>
+              <a:rPr lang="en-US" dirty="0" err="1" smtClean="0">
+                <a:solidFill>
+                  <a:srgbClr val="FF0000"/>
+                </a:solidFill>
+              </a:rPr>
+              <a:t>git</a:t>
+            </a:r>
+            <a:r>
+              <a:rPr lang="en-US" dirty="0" smtClean="0">
+                <a:solidFill>
+                  <a:srgbClr val="FF0000"/>
+                </a:solidFill>
+              </a:rPr>
+              <a:t> commit –m “Best commit EVA”</a:t>
+            </a:r>
+          </a:p>
+          <a:p>
+            <a:pPr marL="342900" lvl="1" indent="-342900">
+              <a:buFont typeface="Arial" panose="020B0604020202020204" pitchFamily="34" charset="0"/>
+              <a:buChar char="•"/>
+            </a:pPr>
+            <a:r>
+              <a:rPr lang="en-US" dirty="0" smtClean="0"/>
+              <a:t>Optionally </a:t>
+            </a:r>
+            <a:r>
+              <a:rPr lang="en-US" dirty="0"/>
+              <a:t>add a comment</a:t>
+            </a:r>
+          </a:p>
+          <a:p>
+            <a:pPr marL="457200" lvl="1" indent="0">
+              <a:buNone/>
+            </a:pPr>
+            <a:r>
+              <a:rPr lang="en-US" dirty="0" err="1">
+                <a:solidFill>
+                  <a:srgbClr val="FF0000"/>
+                </a:solidFill>
+              </a:rPr>
+              <a:t>git</a:t>
+            </a:r>
+            <a:r>
+              <a:rPr lang="en-US" dirty="0">
+                <a:solidFill>
+                  <a:srgbClr val="FF0000"/>
+                </a:solidFill>
+              </a:rPr>
+              <a:t> commit –m “Best commit EVA</a:t>
+            </a:r>
+            <a:r>
+              <a:rPr lang="en-US" dirty="0" smtClean="0">
+                <a:solidFill>
+                  <a:srgbClr val="FF0000"/>
+                </a:solidFill>
+              </a:rPr>
+              <a:t>” –m “Here is more details”</a:t>
+            </a:r>
+            <a:endParaRPr lang="en-US" dirty="0">
+              <a:solidFill>
+                <a:srgbClr val="FF0000"/>
+              </a:solidFill>
+            </a:endParaRPr>
+          </a:p>
+          <a:p>
+            <a:pPr lvl="1"/>
+            <a:endParaRPr lang="en-US" dirty="0" smtClean="0"/>
+          </a:p>
+        </p:txBody>
+      </p:sp>
+    </p:spTree>
+    <p:extLst>
+      <p:ext uri="{BB962C8B-B14F-4D97-AF65-F5344CB8AC3E}">
+        <p14:creationId xmlns:p14="http://schemas.microsoft.com/office/powerpoint/2010/main" val="2456030451"/>
+      </p:ext>
+    </p:extLst>
+  </p:cSld>
+  <p:clrMapOvr>
+    <a:masterClrMapping/>
+  </p:clrMapOvr>
+  <p:timing>
+    <p:tnLst>
+      <p:par>
+        <p:cTn id="1" dur="indefinite" restart="never" nodeType="tmRoot"/>
+      </p:par>
+    </p:tnLst>
+  </p:timing>
+</p:sld>
+</file>
+
+<file path=ppt/slides/slide23.xml><?xml version="1.0" encoding="utf-8"?>
+<p:sld xmlns:a="http://schemas.openxmlformats.org/drawingml/2006/main" xmlns:r="http://schemas.openxmlformats.org/officeDocument/2006/relationships" xmlns:p="http://schemas.openxmlformats.org/presentationml/2006/main">
+  <p:cSld>
+    <p:spTree>
+      <p:nvGrpSpPr>
+        <p:cNvPr id="1" name=""/>
+        <p:cNvGrpSpPr/>
+        <p:nvPr/>
+      </p:nvGrpSpPr>
+      <p:grpSpPr>
+        <a:xfrm>
+          <a:off x="0" y="0"/>
+          <a:ext cx="0" cy="0"/>
+          <a:chOff x="0" y="0"/>
+          <a:chExt cx="0" cy="0"/>
+        </a:xfrm>
+      </p:grpSpPr>
+      <p:sp>
+        <p:nvSpPr>
+          <p:cNvPr id="2" name="Title 1"/>
+          <p:cNvSpPr>
+            <a:spLocks noGrp="1"/>
+          </p:cNvSpPr>
+          <p:nvPr>
+            <p:ph type="title"/>
+          </p:nvPr>
+        </p:nvSpPr>
+        <p:spPr/>
+        <p:txBody>
+          <a:bodyPr>
+            <a:normAutofit/>
+          </a:bodyPr>
+          <a:lstStyle/>
+          <a:p>
+            <a:r>
+              <a:rPr lang="en-US" dirty="0" err="1"/>
+              <a:t>Git</a:t>
+            </a:r>
+            <a:r>
+              <a:rPr lang="en-US" dirty="0"/>
+              <a:t> 101 – </a:t>
+            </a:r>
+            <a:r>
+              <a:rPr lang="en-US" dirty="0" smtClean="0"/>
+              <a:t>Workflow - Push</a:t>
+            </a:r>
+            <a:endParaRPr lang="en-US" dirty="0"/>
+          </a:p>
+        </p:txBody>
+      </p:sp>
+      <p:sp>
+        <p:nvSpPr>
+          <p:cNvPr id="3" name="Content Placeholder 2"/>
+          <p:cNvSpPr>
+            <a:spLocks noGrp="1"/>
+          </p:cNvSpPr>
+          <p:nvPr>
+            <p:ph idx="1"/>
+          </p:nvPr>
+        </p:nvSpPr>
+        <p:spPr/>
+        <p:txBody>
+          <a:bodyPr>
+            <a:normAutofit/>
+          </a:bodyPr>
+          <a:lstStyle/>
+          <a:p>
+            <a:r>
+              <a:rPr lang="en-US" dirty="0" smtClean="0"/>
+              <a:t>When ready, push changes to server</a:t>
+            </a:r>
+          </a:p>
+          <a:p>
+            <a:pPr marL="457200" lvl="1" indent="0">
+              <a:buNone/>
+            </a:pPr>
+            <a:r>
+              <a:rPr lang="en-US" dirty="0" err="1" smtClean="0">
+                <a:solidFill>
+                  <a:srgbClr val="FF0000"/>
+                </a:solidFill>
+              </a:rPr>
+              <a:t>git</a:t>
+            </a:r>
+            <a:r>
+              <a:rPr lang="en-US" dirty="0" smtClean="0">
+                <a:solidFill>
+                  <a:srgbClr val="FF0000"/>
+                </a:solidFill>
+              </a:rPr>
+              <a:t> push</a:t>
+            </a:r>
+            <a:endParaRPr lang="en-US" dirty="0">
+              <a:solidFill>
+                <a:srgbClr val="FF0000"/>
+              </a:solidFill>
+            </a:endParaRPr>
+          </a:p>
+          <a:p>
+            <a:endParaRPr lang="en-US" dirty="0" smtClean="0"/>
+          </a:p>
+        </p:txBody>
+      </p:sp>
+    </p:spTree>
+    <p:extLst>
+      <p:ext uri="{BB962C8B-B14F-4D97-AF65-F5344CB8AC3E}">
+        <p14:creationId xmlns:p14="http://schemas.microsoft.com/office/powerpoint/2010/main" val="752703375"/>
+      </p:ext>
+    </p:extLst>
+  </p:cSld>
+  <p:clrMapOvr>
+    <a:masterClrMapping/>
+  </p:clrMapOvr>
+  <p:timing>
+    <p:tnLst>
+      <p:par>
+        <p:cTn id="1" dur="indefinite" restart="never" nodeType="tmRoot"/>
+      </p:par>
+    </p:tnLst>
+  </p:timing>
+</p:sld>
+</file>
+
+<file path=ppt/slides/slide24.xml><?xml version="1.0" encoding="utf-8"?>
+<p:sld xmlns:a="http://schemas.openxmlformats.org/drawingml/2006/main" xmlns:r="http://schemas.openxmlformats.org/officeDocument/2006/relationships" xmlns:p="http://schemas.openxmlformats.org/presentationml/2006/main">
+  <p:cSld>
+    <p:spTree>
+      <p:nvGrpSpPr>
+        <p:cNvPr id="1" name=""/>
+        <p:cNvGrpSpPr/>
+        <p:nvPr/>
+      </p:nvGrpSpPr>
+      <p:grpSpPr>
+        <a:xfrm>
+          <a:off x="0" y="0"/>
+          <a:ext cx="0" cy="0"/>
+          <a:chOff x="0" y="0"/>
+          <a:chExt cx="0" cy="0"/>
+        </a:xfrm>
+      </p:grpSpPr>
+      <p:sp>
+        <p:nvSpPr>
+          <p:cNvPr id="2" name="Title 1"/>
+          <p:cNvSpPr>
+            <a:spLocks noGrp="1"/>
+          </p:cNvSpPr>
+          <p:nvPr>
+            <p:ph type="title"/>
+          </p:nvPr>
+        </p:nvSpPr>
+        <p:spPr/>
+        <p:txBody>
+          <a:bodyPr/>
+          <a:lstStyle/>
+          <a:p>
+            <a:r>
+              <a:rPr lang="en-US" dirty="0"/>
+              <a:t>GitHub Permissions</a:t>
+            </a:r>
+          </a:p>
+        </p:txBody>
+      </p:sp>
+      <p:sp>
+        <p:nvSpPr>
+          <p:cNvPr id="3" name="Content Placeholder 2"/>
+          <p:cNvSpPr>
+            <a:spLocks noGrp="1"/>
+          </p:cNvSpPr>
+          <p:nvPr>
+            <p:ph idx="1"/>
+          </p:nvPr>
+        </p:nvSpPr>
+        <p:spPr/>
+        <p:txBody>
+          <a:bodyPr>
+            <a:normAutofit/>
+          </a:bodyPr>
+          <a:lstStyle/>
+          <a:p>
+            <a:r>
+              <a:rPr lang="en-US" dirty="0"/>
+              <a:t>For a project you can always just download the code and do what you want.</a:t>
+            </a:r>
+          </a:p>
+          <a:p>
+            <a:r>
+              <a:rPr lang="en-US" dirty="0"/>
+              <a:t>If you want to make changes, either </a:t>
+            </a:r>
+            <a:r>
+              <a:rPr lang="en-US" b="1" dirty="0"/>
+              <a:t>Clone </a:t>
+            </a:r>
+            <a:r>
+              <a:rPr lang="en-US" dirty="0"/>
+              <a:t>or </a:t>
+            </a:r>
+            <a:r>
+              <a:rPr lang="en-US" b="1" dirty="0"/>
+              <a:t>Fork</a:t>
+            </a:r>
+            <a:r>
+              <a:rPr lang="en-US" dirty="0"/>
+              <a:t> the Repository</a:t>
+            </a:r>
+          </a:p>
+          <a:p>
+            <a:pPr lvl="1"/>
+            <a:r>
+              <a:rPr lang="en-US" dirty="0"/>
+              <a:t>You can then send a </a:t>
+            </a:r>
+            <a:r>
+              <a:rPr lang="en-US" b="1" dirty="0"/>
+              <a:t>Pull Request</a:t>
+            </a:r>
+            <a:r>
+              <a:rPr lang="en-US" dirty="0"/>
+              <a:t> that will let someone in charge of Repo check your changes and </a:t>
+            </a:r>
+            <a:r>
+              <a:rPr lang="en-US" b="1" dirty="0"/>
+              <a:t>Merge </a:t>
+            </a:r>
+            <a:r>
+              <a:rPr lang="en-US" dirty="0"/>
+              <a:t>it</a:t>
+            </a:r>
+          </a:p>
+          <a:p>
+            <a:r>
+              <a:rPr lang="en-US" sz="2800" dirty="0"/>
+              <a:t>If you set someone as a </a:t>
+            </a:r>
+            <a:r>
+              <a:rPr lang="en-US" sz="2800" b="1" dirty="0"/>
+              <a:t>Collaborator </a:t>
+            </a:r>
+            <a:r>
+              <a:rPr lang="en-US" sz="2800" dirty="0"/>
+              <a:t>they can </a:t>
+            </a:r>
+            <a:r>
+              <a:rPr lang="en-US" sz="2800" b="1" dirty="0"/>
+              <a:t>Push</a:t>
+            </a:r>
+            <a:r>
+              <a:rPr lang="en-US" sz="2800" dirty="0"/>
+              <a:t> code without having to submit a </a:t>
+            </a:r>
+            <a:r>
+              <a:rPr lang="en-US" sz="2800" b="1" dirty="0"/>
+              <a:t>Pull Request</a:t>
+            </a:r>
+            <a:endParaRPr lang="en-US" sz="2800" dirty="0"/>
+          </a:p>
+        </p:txBody>
+      </p:sp>
+    </p:spTree>
+    <p:extLst>
+      <p:ext uri="{BB962C8B-B14F-4D97-AF65-F5344CB8AC3E}">
+        <p14:creationId xmlns:p14="http://schemas.microsoft.com/office/powerpoint/2010/main" val="2017981360"/>
+      </p:ext>
+    </p:extLst>
+  </p:cSld>
+  <p:clrMapOvr>
+    <a:masterClrMapping/>
+  </p:clrMapOvr>
+  <p:timing>
+    <p:tnLst>
+      <p:par>
+        <p:cTn id="1" dur="indefinite" restart="never" nodeType="tmRoot">
+          <p:childTnLst>
+            <p:seq concurrent="1" nextAc="seek">
+              <p:cTn id="2" dur="indefinite" nodeType="mainSeq">
+                <p:childTnLst>
+                  <p:par>
+                    <p:cTn id="3" fill="hold">
+                      <p:stCondLst>
+                        <p:cond delay="indefinite"/>
+                      </p:stCondLst>
+                      <p:childTnLst>
+                        <p:par>
+                          <p:cTn id="4" fill="hold">
+                            <p:stCondLst>
+                              <p:cond delay="0"/>
+                            </p:stCondLst>
+                            <p:childTnLst>
+                              <p:par>
+                                <p:cTn id="5" presetID="1" presetClass="entr" presetSubtype="0" fill="hold" nodeType="clickEffect">
+                                  <p:stCondLst>
+                                    <p:cond delay="0"/>
+                                  </p:stCondLst>
+                                  <p:childTnLst>
+                                    <p:set>
+                                      <p:cBhvr>
+                                        <p:cTn id="6" dur="1" fill="hold">
+                                          <p:stCondLst>
+                                            <p:cond delay="0"/>
+                                          </p:stCondLst>
+                                        </p:cTn>
+                                        <p:tgtEl>
+                                          <p:spTgt spid="3">
+                                            <p:txEl>
+                                              <p:pRg st="1" end="1"/>
+                                            </p:txEl>
+                                          </p:spTgt>
+                                        </p:tgtEl>
+                                        <p:attrNameLst>
+                                          <p:attrName>style.visibility</p:attrName>
+                                        </p:attrNameLst>
+                                      </p:cBhvr>
+                                      <p:to>
+                                        <p:strVal val="visible"/>
+                                      </p:to>
+                                    </p:set>
+                                  </p:childTnLst>
+                                </p:cTn>
+                              </p:par>
+                            </p:childTnLst>
+                          </p:cTn>
+                        </p:par>
+                      </p:childTnLst>
+                    </p:cTn>
+                  </p:par>
+                  <p:par>
+                    <p:cTn id="7" fill="hold">
+                      <p:stCondLst>
+                        <p:cond delay="indefinite"/>
+                      </p:stCondLst>
+                      <p:childTnLst>
+                        <p:par>
+                          <p:cTn id="8" fill="hold">
+                            <p:stCondLst>
+                              <p:cond delay="0"/>
+                            </p:stCondLst>
+                            <p:childTnLst>
+                              <p:par>
+                                <p:cTn id="9" presetID="1" presetClass="entr" presetSubtype="0" fill="hold" nodeType="clickEffect">
+                                  <p:stCondLst>
+                                    <p:cond delay="0"/>
+                                  </p:stCondLst>
+                                  <p:childTnLst>
+                                    <p:set>
+                                      <p:cBhvr>
+                                        <p:cTn id="10" dur="1" fill="hold">
+                                          <p:stCondLst>
+                                            <p:cond delay="0"/>
+                                          </p:stCondLst>
+                                        </p:cTn>
+                                        <p:tgtEl>
+                                          <p:spTgt spid="3">
+                                            <p:txEl>
+                                              <p:pRg st="2" end="2"/>
+                                            </p:txEl>
+                                          </p:spTgt>
+                                        </p:tgtEl>
+                                        <p:attrNameLst>
+                                          <p:attrName>style.visibility</p:attrName>
+                                        </p:attrNameLst>
+                                      </p:cBhvr>
+                                      <p:to>
+                                        <p:strVal val="visible"/>
+                                      </p:to>
+                                    </p:set>
+                                  </p:childTnLst>
+                                </p:cTn>
+                              </p:par>
+                            </p:childTnLst>
+                          </p:cTn>
+                        </p:par>
+                      </p:childTnLst>
+                    </p:cTn>
+                  </p:par>
+                  <p:par>
+                    <p:cTn id="11" fill="hold">
+                      <p:stCondLst>
+                        <p:cond delay="indefinite"/>
+                      </p:stCondLst>
+                      <p:childTnLst>
+                        <p:par>
+                          <p:cTn id="12" fill="hold">
+                            <p:stCondLst>
+                              <p:cond delay="0"/>
+                            </p:stCondLst>
+                            <p:childTnLst>
+                              <p:par>
+                                <p:cTn id="13" presetID="1" presetClass="entr" presetSubtype="0" fill="hold" nodeType="clickEffect">
+                                  <p:stCondLst>
+                                    <p:cond delay="0"/>
+                                  </p:stCondLst>
+                                  <p:childTnLst>
+                                    <p:set>
+                                      <p:cBhvr>
+                                        <p:cTn id="14" dur="1" fill="hold">
+                                          <p:stCondLst>
+                                            <p:cond delay="0"/>
+                                          </p:stCondLst>
+                                        </p:cTn>
+                                        <p:tgtEl>
+                                          <p:spTgt spid="3">
+                                            <p:txEl>
+                                              <p:pRg st="3" end="3"/>
+                                            </p:txEl>
+                                          </p:spTgt>
+                                        </p:tgtEl>
+                                        <p:attrNameLst>
+                                          <p:attrName>style.visibility</p:attrName>
+                                        </p:attrNameLst>
+                                      </p:cBhvr>
+                                      <p:to>
+                                        <p:strVal val="visible"/>
+                                      </p:to>
+                                    </p:set>
+                                  </p:childTnLst>
+                                </p:cTn>
+                              </p:par>
+                            </p:childTnLst>
+                          </p:cTn>
+                        </p:par>
+                      </p:childTnLst>
+                    </p:cTn>
+                  </p:par>
+                </p:childTnLst>
+              </p:cTn>
+              <p:prevCondLst>
+                <p:cond evt="onPrev" delay="0">
+                  <p:tgtEl>
+                    <p:sldTgt/>
+                  </p:tgtEl>
+                </p:cond>
+              </p:prevCondLst>
+              <p:nextCondLst>
+                <p:cond evt="onNext" delay="0">
+                  <p:tgtEl>
+                    <p:sldTgt/>
+                  </p:tgtEl>
+                </p:cond>
+              </p:nextCondLst>
+            </p:seq>
+          </p:childTnLst>
+        </p:cTn>
+      </p:par>
+    </p:tnLst>
+  </p:timing>
+</p:sld>
+</file>
+
+<file path=ppt/slides/slide25.xml><?xml version="1.0" encoding="utf-8"?>
+<p:sld xmlns:a="http://schemas.openxmlformats.org/drawingml/2006/main" xmlns:r="http://schemas.openxmlformats.org/officeDocument/2006/relationships" xmlns:p="http://schemas.openxmlformats.org/presentationml/2006/main">
+  <p:cSld>
+    <p:spTree>
+      <p:nvGrpSpPr>
+        <p:cNvPr id="1" name=""/>
+        <p:cNvGrpSpPr/>
+        <p:nvPr/>
+      </p:nvGrpSpPr>
+      <p:grpSpPr>
+        <a:xfrm>
+          <a:off x="0" y="0"/>
+          <a:ext cx="0" cy="0"/>
+          <a:chOff x="0" y="0"/>
+          <a:chExt cx="0" cy="0"/>
+        </a:xfrm>
+      </p:grpSpPr>
+      <p:sp>
+        <p:nvSpPr>
+          <p:cNvPr id="2" name="Title 1"/>
+          <p:cNvSpPr>
+            <a:spLocks noGrp="1"/>
+          </p:cNvSpPr>
+          <p:nvPr>
+            <p:ph type="title"/>
+          </p:nvPr>
+        </p:nvSpPr>
+        <p:spPr/>
+        <p:txBody>
+          <a:bodyPr/>
+          <a:lstStyle/>
+          <a:p>
+            <a:r>
+              <a:rPr lang="en-US" dirty="0"/>
+              <a:t>Almost Forgot about .</a:t>
+            </a:r>
+            <a:r>
+              <a:rPr lang="en-US" dirty="0" err="1"/>
+              <a:t>gitignore</a:t>
+            </a:r>
+            <a:endParaRPr lang="en-US" dirty="0"/>
+          </a:p>
+        </p:txBody>
+      </p:sp>
+      <p:sp>
+        <p:nvSpPr>
+          <p:cNvPr id="3" name="Content Placeholder 2"/>
+          <p:cNvSpPr>
+            <a:spLocks noGrp="1"/>
+          </p:cNvSpPr>
+          <p:nvPr>
+            <p:ph idx="1"/>
+          </p:nvPr>
+        </p:nvSpPr>
+        <p:spPr/>
+        <p:txBody>
+          <a:bodyPr>
+            <a:normAutofit/>
+          </a:bodyPr>
+          <a:lstStyle/>
+          <a:p>
+            <a:r>
+              <a:rPr lang="en-US" dirty="0" err="1"/>
+              <a:t>Git</a:t>
+            </a:r>
+            <a:r>
+              <a:rPr lang="en-US" dirty="0"/>
+              <a:t> is not the best with Binary files (.mp3, .pdf, .exe, .</a:t>
+            </a:r>
+            <a:r>
+              <a:rPr lang="en-US" dirty="0" err="1"/>
+              <a:t>FileTypeICannotReadInNotepad</a:t>
+            </a:r>
+            <a:r>
+              <a:rPr lang="en-US" dirty="0"/>
+              <a:t>)</a:t>
+            </a:r>
+          </a:p>
+          <a:p>
+            <a:r>
+              <a:rPr lang="en-US" dirty="0" smtClean="0"/>
+              <a:t>List </a:t>
+            </a:r>
+            <a:r>
+              <a:rPr lang="en-US" dirty="0"/>
+              <a:t>all the folders and files that </a:t>
+            </a:r>
+            <a:r>
+              <a:rPr lang="en-US" dirty="0" err="1"/>
+              <a:t>git</a:t>
+            </a:r>
+            <a:r>
+              <a:rPr lang="en-US" dirty="0"/>
+              <a:t> will not </a:t>
+            </a:r>
+            <a:r>
+              <a:rPr lang="en-US" dirty="0" smtClean="0"/>
+              <a:t>recognize</a:t>
+            </a:r>
+            <a:endParaRPr lang="en-US" dirty="0"/>
+          </a:p>
+          <a:p>
+            <a:r>
+              <a:rPr lang="en-US" dirty="0"/>
+              <a:t>Almost all types of projects have a standard .</a:t>
+            </a:r>
+            <a:r>
+              <a:rPr lang="en-US" dirty="0" err="1"/>
+              <a:t>gitignore</a:t>
+            </a:r>
+            <a:r>
+              <a:rPr lang="en-US" dirty="0"/>
+              <a:t> template found on </a:t>
+            </a:r>
+            <a:r>
+              <a:rPr lang="en-US" dirty="0" smtClean="0"/>
+              <a:t>GitHub</a:t>
+            </a:r>
+            <a:endParaRPr lang="en-US" dirty="0"/>
+          </a:p>
+        </p:txBody>
+      </p:sp>
+    </p:spTree>
+    <p:extLst>
+      <p:ext uri="{BB962C8B-B14F-4D97-AF65-F5344CB8AC3E}">
+        <p14:creationId xmlns:p14="http://schemas.microsoft.com/office/powerpoint/2010/main" val="3195608260"/>
+      </p:ext>
+    </p:extLst>
+  </p:cSld>
+  <p:clrMapOvr>
+    <a:masterClrMapping/>
+  </p:clrMapOvr>
+  <p:timing>
+    <p:tnLst>
+      <p:par>
+        <p:cTn id="1" dur="indefinite" restart="never" nodeType="tmRoot">
+          <p:childTnLst>
+            <p:seq concurrent="1" nextAc="seek">
+              <p:cTn id="2" dur="indefinite" nodeType="mainSeq">
+                <p:childTnLst>
+                  <p:par>
+                    <p:cTn id="3" fill="hold">
+                      <p:stCondLst>
+                        <p:cond delay="indefinite"/>
+                      </p:stCondLst>
+                      <p:childTnLst>
+                        <p:par>
+                          <p:cTn id="4" fill="hold">
+                            <p:stCondLst>
+                              <p:cond delay="0"/>
+                            </p:stCondLst>
+                            <p:childTnLst>
+                              <p:par>
+                                <p:cTn id="5" presetID="1" presetClass="entr" presetSubtype="0" fill="hold" nodeType="clickEffect">
+                                  <p:stCondLst>
+                                    <p:cond delay="0"/>
+                                  </p:stCondLst>
+                                  <p:childTnLst>
+                                    <p:set>
+                                      <p:cBhvr>
+                                        <p:cTn id="6" dur="1" fill="hold">
+                                          <p:stCondLst>
+                                            <p:cond delay="0"/>
+                                          </p:stCondLst>
+                                        </p:cTn>
+                                        <p:tgtEl>
+                                          <p:spTgt spid="3">
+                                            <p:txEl>
+                                              <p:pRg st="1" end="1"/>
+                                            </p:txEl>
+                                          </p:spTgt>
+                                        </p:tgtEl>
+                                        <p:attrNameLst>
+                                          <p:attrName>style.visibility</p:attrName>
+                                        </p:attrNameLst>
+                                      </p:cBhvr>
+                                      <p:to>
+                                        <p:strVal val="visible"/>
+                                      </p:to>
+                                    </p:set>
+                                  </p:childTnLst>
+                                </p:cTn>
+                              </p:par>
+                            </p:childTnLst>
+                          </p:cTn>
+                        </p:par>
+                      </p:childTnLst>
+                    </p:cTn>
+                  </p:par>
+                  <p:par>
+                    <p:cTn id="7" fill="hold">
+                      <p:stCondLst>
+                        <p:cond delay="indefinite"/>
+                      </p:stCondLst>
+                      <p:childTnLst>
+                        <p:par>
+                          <p:cTn id="8" fill="hold">
+                            <p:stCondLst>
+                              <p:cond delay="0"/>
+                            </p:stCondLst>
+                            <p:childTnLst>
+                              <p:par>
+                                <p:cTn id="9" presetID="1" presetClass="entr" presetSubtype="0" fill="hold" nodeType="clickEffect">
+                                  <p:stCondLst>
+                                    <p:cond delay="0"/>
+                                  </p:stCondLst>
+                                  <p:childTnLst>
+                                    <p:set>
+                                      <p:cBhvr>
+                                        <p:cTn id="10" dur="1" fill="hold">
+                                          <p:stCondLst>
+                                            <p:cond delay="0"/>
+                                          </p:stCondLst>
+                                        </p:cTn>
+                                        <p:tgtEl>
+                                          <p:spTgt spid="3">
+                                            <p:txEl>
+                                              <p:pRg st="2" end="2"/>
+                                            </p:txEl>
+                                          </p:spTgt>
+                                        </p:tgtEl>
+                                        <p:attrNameLst>
+                                          <p:attrName>style.visibility</p:attrName>
+                                        </p:attrNameLst>
+                                      </p:cBhvr>
+                                      <p:to>
+                                        <p:strVal val="visible"/>
+                                      </p:to>
+                                    </p:set>
+                                  </p:childTnLst>
+                                </p:cTn>
+                              </p:par>
+                            </p:childTnLst>
+                          </p:cTn>
+                        </p:par>
+                      </p:childTnLst>
+                    </p:cTn>
+                  </p:par>
+                </p:childTnLst>
+              </p:cTn>
+              <p:prevCondLst>
+                <p:cond evt="onPrev" delay="0">
+                  <p:tgtEl>
+                    <p:sldTgt/>
+                  </p:tgtEl>
+                </p:cond>
+              </p:prevCondLst>
+              <p:nextCondLst>
+                <p:cond evt="onNext" delay="0">
+                  <p:tgtEl>
+                    <p:sldTgt/>
+                  </p:tgtEl>
+                </p:cond>
+              </p:nextCondLst>
+            </p:seq>
+          </p:childTnLst>
+        </p:cTn>
+      </p:par>
+    </p:tnLst>
+  </p:timing>
+</p:sld>
+</file>
+
+<file path=ppt/slides/slide26.xml><?xml version="1.0" encoding="utf-8"?>
+<p:sld xmlns:a="http://schemas.openxmlformats.org/drawingml/2006/main" xmlns:r="http://schemas.openxmlformats.org/officeDocument/2006/relationships" xmlns:p="http://schemas.openxmlformats.org/presentationml/2006/main">
+  <p:cSld>
+    <p:spTree>
+      <p:nvGrpSpPr>
+        <p:cNvPr id="1" name=""/>
+        <p:cNvGrpSpPr/>
+        <p:nvPr/>
+      </p:nvGrpSpPr>
+      <p:grpSpPr>
+        <a:xfrm>
+          <a:off x="0" y="0"/>
+          <a:ext cx="0" cy="0"/>
+          <a:chOff x="0" y="0"/>
+          <a:chExt cx="0" cy="0"/>
+        </a:xfrm>
+      </p:grpSpPr>
+      <p:sp>
+        <p:nvSpPr>
+          <p:cNvPr id="2" name="Title 1"/>
+          <p:cNvSpPr>
+            <a:spLocks noGrp="1"/>
+          </p:cNvSpPr>
+          <p:nvPr>
+            <p:ph type="title"/>
+          </p:nvPr>
+        </p:nvSpPr>
+        <p:spPr/>
+        <p:txBody>
+          <a:bodyPr/>
+          <a:lstStyle/>
+          <a:p>
+            <a:r>
+              <a:rPr lang="en-US" dirty="0" smtClean="0"/>
+              <a:t>.</a:t>
+            </a:r>
+            <a:r>
+              <a:rPr lang="en-US" dirty="0" err="1" smtClean="0"/>
+              <a:t>gitignore</a:t>
+            </a:r>
+            <a:r>
+              <a:rPr lang="en-US" dirty="0" smtClean="0"/>
+              <a:t> example</a:t>
+            </a:r>
+            <a:endParaRPr lang="en-US" dirty="0"/>
+          </a:p>
+        </p:txBody>
+      </p:sp>
+      <p:pic>
+        <p:nvPicPr>
+          <p:cNvPr id="1026" name="Picture 2"/>
+          <p:cNvPicPr>
+            <a:picLocks noGrp="1" noChangeAspect="1" noChangeArrowheads="1"/>
+          </p:cNvPicPr>
+          <p:nvPr>
+            <p:ph idx="1"/>
+          </p:nvPr>
+        </p:nvPicPr>
+        <p:blipFill rotWithShape="1">
+          <a:blip r:embed="rId2">
+            <a:extLst>
+              <a:ext uri="{28A0092B-C50C-407E-A947-70E740481C1C}">
+                <a14:useLocalDpi xmlns:a14="http://schemas.microsoft.com/office/drawing/2010/main" val="0"/>
+              </a:ext>
+            </a:extLst>
+          </a:blip>
+          <a:srcRect l="13656" t="28255" r="75654" b="44941"/>
+          <a:stretch/>
+        </p:blipFill>
+        <p:spPr bwMode="auto">
+          <a:xfrm>
+            <a:off x="5791200" y="3048000"/>
+            <a:ext cx="1857470" cy="2620010"/>
+          </a:xfrm>
+          <a:prstGeom prst="rect">
+            <a:avLst/>
+          </a:prstGeom>
+          <a:noFill/>
+          <a:ln>
+            <a:noFill/>
+          </a:ln>
+          <a:extLst>
+            <a:ext uri="{909E8E84-426E-40DD-AFC4-6F175D3DCCD1}">
+              <a14:hiddenFill xmlns:a14="http://schemas.microsoft.com/office/drawing/2010/main">
+                <a:solidFill>
+                  <a:schemeClr val="accent1"/>
+                </a:solidFill>
+              </a14:hiddenFill>
+            </a:ext>
+            <a:ext uri="{91240B29-F687-4F45-9708-019B960494DF}">
+              <a14:hiddenLine xmlns:a14="http://schemas.microsoft.com/office/drawing/2010/main" w="9525">
+                <a:solidFill>
+                  <a:schemeClr val="tx1"/>
+                </a:solidFill>
+                <a:miter lim="800000"/>
+                <a:headEnd/>
+                <a:tailEnd/>
+              </a14:hiddenLine>
+            </a:ext>
+          </a:extLst>
+        </p:spPr>
+      </p:pic>
+      <p:sp>
+        <p:nvSpPr>
+          <p:cNvPr id="5" name="Content Placeholder 2"/>
+          <p:cNvSpPr txBox="1">
+            <a:spLocks/>
+          </p:cNvSpPr>
+          <p:nvPr/>
+        </p:nvSpPr>
+        <p:spPr>
+          <a:xfrm>
+            <a:off x="457200" y="1600200"/>
+            <a:ext cx="8229600" cy="4525963"/>
+          </a:xfrm>
+          <a:prstGeom prst="rect">
+            <a:avLst/>
+          </a:prstGeom>
+        </p:spPr>
+        <p:txBody>
+          <a:bodyPr vert="horz" lIns="91440" tIns="45720" rIns="91440" bIns="45720" rtlCol="0">
+            <a:normAutofit/>
+          </a:bodyPr>
+          <a:lstStyle>
+            <a:lvl1pPr marL="342900" indent="-342900" algn="l" defTabSz="914400" rtl="0" eaLnBrk="1" latinLnBrk="0" hangingPunct="1">
+              <a:spcBef>
+                <a:spcPct val="20000"/>
+              </a:spcBef>
+              <a:buFont typeface="Arial" panose="020B0604020202020204" pitchFamily="34" charset="0"/>
+              <a:buChar char="•"/>
+              <a:defRPr sz="3200" kern="1200">
+                <a:solidFill>
+                  <a:schemeClr val="tx1"/>
+                </a:solidFill>
+                <a:latin typeface="+mn-lt"/>
+                <a:ea typeface="+mn-ea"/>
+                <a:cs typeface="+mn-cs"/>
+              </a:defRPr>
+            </a:lvl1pPr>
+            <a:lvl2pPr marL="742950" indent="-285750" algn="l" defTabSz="914400" rtl="0" eaLnBrk="1" latinLnBrk="0" hangingPunct="1">
+              <a:spcBef>
+                <a:spcPct val="20000"/>
+              </a:spcBef>
+              <a:buFont typeface="Arial" panose="020B0604020202020204" pitchFamily="34" charset="0"/>
+              <a:buChar char="–"/>
+              <a:defRPr sz="2800" kern="1200">
+                <a:solidFill>
+                  <a:schemeClr val="tx1"/>
+                </a:solidFill>
+                <a:latin typeface="+mn-lt"/>
+                <a:ea typeface="+mn-ea"/>
+                <a:cs typeface="+mn-cs"/>
+              </a:defRPr>
+            </a:lvl2pPr>
+            <a:lvl3pPr marL="1143000" indent="-228600" algn="l" defTabSz="914400" rtl="0" eaLnBrk="1" latinLnBrk="0" hangingPunct="1">
+              <a:spcBef>
+                <a:spcPct val="20000"/>
+              </a:spcBef>
+              <a:buFont typeface="Arial" panose="020B0604020202020204" pitchFamily="34" charset="0"/>
+              <a:buChar char="•"/>
+              <a:defRPr sz="2400" kern="1200">
+                <a:solidFill>
+                  <a:schemeClr val="tx1"/>
+                </a:solidFill>
+                <a:latin typeface="+mn-lt"/>
+                <a:ea typeface="+mn-ea"/>
+                <a:cs typeface="+mn-cs"/>
+              </a:defRPr>
+            </a:lvl3pPr>
+            <a:lvl4pPr marL="1600200" indent="-228600" algn="l" defTabSz="914400" rtl="0" eaLnBrk="1" latinLnBrk="0" hangingPunct="1">
+              <a:spcBef>
+                <a:spcPct val="20000"/>
+              </a:spcBef>
+              <a:buFont typeface="Arial" panose="020B0604020202020204" pitchFamily="34" charset="0"/>
+              <a:buChar char="–"/>
+              <a:defRPr sz="2000" kern="1200">
+                <a:solidFill>
+                  <a:schemeClr val="tx1"/>
+                </a:solidFill>
+                <a:latin typeface="+mn-lt"/>
+                <a:ea typeface="+mn-ea"/>
+                <a:cs typeface="+mn-cs"/>
+              </a:defRPr>
+            </a:lvl4pPr>
+            <a:lvl5pPr marL="2057400" indent="-228600" algn="l" defTabSz="914400" rtl="0" eaLnBrk="1" latinLnBrk="0" hangingPunct="1">
+              <a:spcBef>
+                <a:spcPct val="20000"/>
+              </a:spcBef>
+              <a:buFont typeface="Arial" panose="020B0604020202020204" pitchFamily="34" charset="0"/>
+              <a:buChar char="»"/>
+              <a:defRPr sz="2000" kern="1200">
+                <a:solidFill>
+                  <a:schemeClr val="tx1"/>
+                </a:solidFill>
+                <a:latin typeface="+mn-lt"/>
+                <a:ea typeface="+mn-ea"/>
+                <a:cs typeface="+mn-cs"/>
+              </a:defRPr>
+            </a:lvl5pPr>
+            <a:lvl6pPr marL="2514600" indent="-228600" algn="l" defTabSz="914400" rtl="0" eaLnBrk="1" latinLnBrk="0" hangingPunct="1">
+              <a:spcBef>
+                <a:spcPct val="20000"/>
+              </a:spcBef>
+              <a:buFont typeface="Arial" panose="020B0604020202020204" pitchFamily="34" charset="0"/>
+              <a:buChar char="•"/>
+              <a:defRPr sz="2000" kern="1200">
+                <a:solidFill>
+                  <a:schemeClr val="tx1"/>
+                </a:solidFill>
+                <a:latin typeface="+mn-lt"/>
+                <a:ea typeface="+mn-ea"/>
+                <a:cs typeface="+mn-cs"/>
+              </a:defRPr>
+            </a:lvl6pPr>
+            <a:lvl7pPr marL="2971800" indent="-228600" algn="l" defTabSz="914400" rtl="0" eaLnBrk="1" latinLnBrk="0" hangingPunct="1">
+              <a:spcBef>
+                <a:spcPct val="20000"/>
+              </a:spcBef>
+              <a:buFont typeface="Arial" panose="020B0604020202020204" pitchFamily="34" charset="0"/>
+              <a:buChar char="•"/>
+              <a:defRPr sz="2000" kern="1200">
+                <a:solidFill>
+                  <a:schemeClr val="tx1"/>
+                </a:solidFill>
+                <a:latin typeface="+mn-lt"/>
+                <a:ea typeface="+mn-ea"/>
+                <a:cs typeface="+mn-cs"/>
+              </a:defRPr>
+            </a:lvl7pPr>
+            <a:lvl8pPr marL="3429000" indent="-228600" algn="l" defTabSz="914400" rtl="0" eaLnBrk="1" latinLnBrk="0" hangingPunct="1">
+              <a:spcBef>
+                <a:spcPct val="20000"/>
+              </a:spcBef>
+              <a:buFont typeface="Arial" panose="020B0604020202020204" pitchFamily="34" charset="0"/>
+              <a:buChar char="•"/>
+              <a:defRPr sz="2000" kern="1200">
+                <a:solidFill>
+                  <a:schemeClr val="tx1"/>
+                </a:solidFill>
+                <a:latin typeface="+mn-lt"/>
+                <a:ea typeface="+mn-ea"/>
+                <a:cs typeface="+mn-cs"/>
+              </a:defRPr>
+            </a:lvl8pPr>
+            <a:lvl9pPr marL="3886200" indent="-228600" algn="l" defTabSz="914400" rtl="0" eaLnBrk="1" latinLnBrk="0" hangingPunct="1">
+              <a:spcBef>
+                <a:spcPct val="20000"/>
+              </a:spcBef>
+              <a:buFont typeface="Arial" panose="020B0604020202020204" pitchFamily="34" charset="0"/>
+              <a:buChar char="•"/>
+              <a:defRPr sz="2000" kern="1200">
+                <a:solidFill>
+                  <a:schemeClr val="tx1"/>
+                </a:solidFill>
+                <a:latin typeface="+mn-lt"/>
+                <a:ea typeface="+mn-ea"/>
+                <a:cs typeface="+mn-cs"/>
+              </a:defRPr>
+            </a:lvl9pPr>
+          </a:lstStyle>
+          <a:p>
+            <a:r>
+              <a:rPr lang="en-US" dirty="0" smtClean="0"/>
+              <a:t>We don’t want the </a:t>
+            </a:r>
+            <a:r>
+              <a:rPr lang="en-US" dirty="0" err="1" smtClean="0"/>
+              <a:t>node_modules</a:t>
+            </a:r>
+            <a:r>
+              <a:rPr lang="en-US" dirty="0" smtClean="0"/>
+              <a:t> folder </a:t>
+            </a:r>
+            <a:r>
+              <a:rPr lang="en-US" dirty="0" err="1" smtClean="0"/>
+              <a:t>commited</a:t>
+            </a:r>
+            <a:endParaRPr lang="en-US" dirty="0" smtClean="0"/>
+          </a:p>
+          <a:p>
+            <a:r>
+              <a:rPr lang="en-US" dirty="0" smtClean="0"/>
+              <a:t>Add it to .</a:t>
+            </a:r>
+            <a:r>
+              <a:rPr lang="en-US" dirty="0" err="1" smtClean="0"/>
+              <a:t>gitignore</a:t>
+            </a:r>
+            <a:endParaRPr lang="en-US" dirty="0" smtClean="0"/>
+          </a:p>
+          <a:p>
+            <a:pPr marL="0" indent="0">
+              <a:buNone/>
+            </a:pPr>
+            <a:endParaRPr lang="en-US" dirty="0"/>
+          </a:p>
+        </p:txBody>
+      </p:sp>
+      <p:pic>
+        <p:nvPicPr>
+          <p:cNvPr id="1027" name="Picture 3"/>
+          <p:cNvPicPr>
+            <a:picLocks noChangeAspect="1" noChangeArrowheads="1"/>
+          </p:cNvPicPr>
+          <p:nvPr/>
+        </p:nvPicPr>
+        <p:blipFill rotWithShape="1">
+          <a:blip r:embed="rId3">
+            <a:extLst>
+              <a:ext uri="{28A0092B-C50C-407E-A947-70E740481C1C}">
+                <a14:useLocalDpi xmlns:a14="http://schemas.microsoft.com/office/drawing/2010/main" val="0"/>
+              </a:ext>
+            </a:extLst>
+          </a:blip>
+          <a:srcRect l="10234" t="15000" r="70938" b="72639"/>
+          <a:stretch/>
+        </p:blipFill>
+        <p:spPr bwMode="auto">
+          <a:xfrm>
+            <a:off x="838200" y="3962400"/>
+            <a:ext cx="3920447" cy="1447800"/>
+          </a:xfrm>
+          <a:prstGeom prst="rect">
+            <a:avLst/>
+          </a:prstGeom>
+          <a:noFill/>
+          <a:ln>
+            <a:noFill/>
+          </a:ln>
+          <a:extLst>
+            <a:ext uri="{909E8E84-426E-40DD-AFC4-6F175D3DCCD1}">
+              <a14:hiddenFill xmlns:a14="http://schemas.microsoft.com/office/drawing/2010/main">
+                <a:solidFill>
+                  <a:schemeClr val="accent1"/>
+                </a:solidFill>
+              </a14:hiddenFill>
+            </a:ext>
+            <a:ext uri="{91240B29-F687-4F45-9708-019B960494DF}">
+              <a14:hiddenLine xmlns:a14="http://schemas.microsoft.com/office/drawing/2010/main" w="9525">
+                <a:solidFill>
+                  <a:schemeClr val="tx1"/>
+                </a:solidFill>
+                <a:miter lim="800000"/>
+                <a:headEnd/>
+                <a:tailEnd/>
+              </a14:hiddenLine>
+            </a:ext>
+          </a:extLst>
+        </p:spPr>
+      </p:pic>
+    </p:spTree>
+    <p:extLst>
+      <p:ext uri="{BB962C8B-B14F-4D97-AF65-F5344CB8AC3E}">
+        <p14:creationId xmlns:p14="http://schemas.microsoft.com/office/powerpoint/2010/main" val="415226879"/>
+      </p:ext>
+    </p:extLst>
+  </p:cSld>
+  <p:clrMapOvr>
+    <a:masterClrMapping/>
+  </p:clrMapOvr>
+  <p:timing>
+    <p:tnLst>
+      <p:par>
+        <p:cTn id="1" dur="indefinite" restart="never" nodeType="tmRoot"/>
+      </p:par>
+    </p:tnLst>
+  </p:timing>
+</p:sld>
+</file>
+
+<file path=ppt/slides/slide27.xml><?xml version="1.0" encoding="utf-8"?>
+<p:sld xmlns:a="http://schemas.openxmlformats.org/drawingml/2006/main" xmlns:r="http://schemas.openxmlformats.org/officeDocument/2006/relationships" xmlns:p="http://schemas.openxmlformats.org/presentationml/2006/main">
+  <p:cSld>
+    <p:spTree>
+      <p:nvGrpSpPr>
+        <p:cNvPr id="1" name=""/>
+        <p:cNvGrpSpPr/>
+        <p:nvPr/>
+      </p:nvGrpSpPr>
+      <p:grpSpPr>
+        <a:xfrm>
+          <a:off x="0" y="0"/>
+          <a:ext cx="0" cy="0"/>
+          <a:chOff x="0" y="0"/>
+          <a:chExt cx="0" cy="0"/>
+        </a:xfrm>
+      </p:grpSpPr>
+      <p:sp>
+        <p:nvSpPr>
+          <p:cNvPr id="2" name="Title 1"/>
+          <p:cNvSpPr>
+            <a:spLocks noGrp="1"/>
+          </p:cNvSpPr>
+          <p:nvPr>
+            <p:ph type="title"/>
+          </p:nvPr>
+        </p:nvSpPr>
+        <p:spPr/>
+        <p:txBody>
+          <a:bodyPr/>
+          <a:lstStyle/>
+          <a:p>
+            <a:r>
+              <a:rPr lang="en-US" dirty="0" smtClean="0"/>
+              <a:t>Merge Conflicts</a:t>
+            </a:r>
+            <a:endParaRPr lang="en-US" dirty="0"/>
+          </a:p>
+        </p:txBody>
+      </p:sp>
+      <p:sp>
+        <p:nvSpPr>
+          <p:cNvPr id="3" name="Content Placeholder 2"/>
+          <p:cNvSpPr>
+            <a:spLocks noGrp="1"/>
+          </p:cNvSpPr>
+          <p:nvPr>
+            <p:ph idx="1"/>
+          </p:nvPr>
+        </p:nvSpPr>
+        <p:spPr/>
+        <p:txBody>
+          <a:bodyPr>
+            <a:normAutofit/>
+          </a:bodyPr>
+          <a:lstStyle/>
+          <a:p>
+            <a:r>
+              <a:rPr lang="en-US" sz="4000" dirty="0" smtClean="0"/>
+              <a:t>Not that scary</a:t>
+            </a:r>
+          </a:p>
+          <a:p>
+            <a:r>
+              <a:rPr lang="en-US" sz="4000" dirty="0" smtClean="0"/>
+              <a:t>Happens when same lines are altered in two different commits</a:t>
+            </a:r>
+          </a:p>
+          <a:p>
+            <a:r>
+              <a:rPr lang="en-US" sz="4000" dirty="0"/>
+              <a:t>D</a:t>
+            </a:r>
+            <a:r>
+              <a:rPr lang="en-US" sz="4000" dirty="0" smtClean="0"/>
+              <a:t>ebunking </a:t>
+            </a:r>
+            <a:r>
+              <a:rPr lang="en-US" sz="4000" dirty="0"/>
+              <a:t>the </a:t>
+            </a:r>
+            <a:r>
+              <a:rPr lang="en-US" sz="4000" dirty="0" smtClean="0"/>
+              <a:t>myth that merge conflicts are hard</a:t>
+            </a:r>
+            <a:endParaRPr lang="en-US" sz="4000" dirty="0"/>
+          </a:p>
+        </p:txBody>
+      </p:sp>
+    </p:spTree>
+    <p:extLst>
+      <p:ext uri="{BB962C8B-B14F-4D97-AF65-F5344CB8AC3E}">
+        <p14:creationId xmlns:p14="http://schemas.microsoft.com/office/powerpoint/2010/main" val="1770238503"/>
+      </p:ext>
+    </p:extLst>
+  </p:cSld>
+  <p:clrMapOvr>
+    <a:masterClrMapping/>
+  </p:clrMapOvr>
+  <p:timing>
+    <p:tnLst>
+      <p:par>
+        <p:cTn id="1" dur="indefinite" restart="never" nodeType="tmRoot"/>
+      </p:par>
+    </p:tnLst>
+  </p:timing>
+</p:sld>
+</file>
+
+<file path=ppt/slides/slide28.xml><?xml version="1.0" encoding="utf-8"?>
+<p:sld xmlns:a="http://schemas.openxmlformats.org/drawingml/2006/main" xmlns:r="http://schemas.openxmlformats.org/officeDocument/2006/relationships" xmlns:p="http://schemas.openxmlformats.org/presentationml/2006/main">
+  <p:cSld>
+    <p:spTree>
+      <p:nvGrpSpPr>
+        <p:cNvPr id="1" name=""/>
+        <p:cNvGrpSpPr/>
+        <p:nvPr/>
+      </p:nvGrpSpPr>
+      <p:grpSpPr>
+        <a:xfrm>
+          <a:off x="0" y="0"/>
+          <a:ext cx="0" cy="0"/>
+          <a:chOff x="0" y="0"/>
+          <a:chExt cx="0" cy="0"/>
+        </a:xfrm>
+      </p:grpSpPr>
+      <p:pic>
+        <p:nvPicPr>
+          <p:cNvPr id="6" name="Picture 5"/>
+          <p:cNvPicPr>
+            <a:picLocks noChangeAspect="1"/>
+          </p:cNvPicPr>
+          <p:nvPr/>
+        </p:nvPicPr>
+        <p:blipFill>
+          <a:blip r:embed="rId2"/>
+          <a:stretch>
+            <a:fillRect/>
+          </a:stretch>
+        </p:blipFill>
+        <p:spPr>
+          <a:xfrm>
+            <a:off x="381000" y="990600"/>
+            <a:ext cx="3105150" cy="2428875"/>
+          </a:xfrm>
+          <a:prstGeom prst="rect">
+            <a:avLst/>
+          </a:prstGeom>
+        </p:spPr>
+      </p:pic>
+      <p:pic>
+        <p:nvPicPr>
+          <p:cNvPr id="7" name="Picture 6"/>
+          <p:cNvPicPr>
+            <a:picLocks noChangeAspect="1"/>
+          </p:cNvPicPr>
+          <p:nvPr/>
+        </p:nvPicPr>
+        <p:blipFill>
+          <a:blip r:embed="rId3"/>
+          <a:stretch>
+            <a:fillRect/>
+          </a:stretch>
+        </p:blipFill>
+        <p:spPr>
+          <a:xfrm>
+            <a:off x="4876800" y="990600"/>
+            <a:ext cx="3105150" cy="2438400"/>
+          </a:xfrm>
+          <a:prstGeom prst="rect">
+            <a:avLst/>
+          </a:prstGeom>
+        </p:spPr>
+      </p:pic>
+      <p:sp>
+        <p:nvSpPr>
+          <p:cNvPr id="8" name="TextBox 7"/>
+          <p:cNvSpPr txBox="1"/>
+          <p:nvPr/>
+        </p:nvSpPr>
+        <p:spPr>
+          <a:xfrm>
+            <a:off x="990600" y="457200"/>
+            <a:ext cx="2090124" cy="369332"/>
+          </a:xfrm>
+          <a:prstGeom prst="rect">
+            <a:avLst/>
+          </a:prstGeom>
+          <a:noFill/>
+        </p:spPr>
+        <p:txBody>
+          <a:bodyPr wrap="none" rtlCol="0">
+            <a:spAutoFit/>
+          </a:bodyPr>
+          <a:lstStyle/>
+          <a:p>
+            <a:r>
+              <a:rPr lang="en-US" dirty="0" smtClean="0"/>
+              <a:t>Commit from User 1</a:t>
+            </a:r>
+            <a:endParaRPr lang="en-US" dirty="0"/>
+          </a:p>
+        </p:txBody>
+      </p:sp>
+      <p:sp>
+        <p:nvSpPr>
+          <p:cNvPr id="9" name="TextBox 8"/>
+          <p:cNvSpPr txBox="1"/>
+          <p:nvPr/>
+        </p:nvSpPr>
+        <p:spPr>
+          <a:xfrm>
+            <a:off x="5334000" y="457200"/>
+            <a:ext cx="2090124" cy="369332"/>
+          </a:xfrm>
+          <a:prstGeom prst="rect">
+            <a:avLst/>
+          </a:prstGeom>
+          <a:noFill/>
+        </p:spPr>
+        <p:txBody>
+          <a:bodyPr wrap="none" rtlCol="0">
+            <a:spAutoFit/>
+          </a:bodyPr>
+          <a:lstStyle/>
+          <a:p>
+            <a:r>
+              <a:rPr lang="en-US" dirty="0" smtClean="0"/>
+              <a:t>Commit from User 2</a:t>
+            </a:r>
+            <a:endParaRPr lang="en-US" dirty="0"/>
+          </a:p>
+        </p:txBody>
+      </p:sp>
+      <p:sp>
+        <p:nvSpPr>
+          <p:cNvPr id="10" name="TextBox 9"/>
+          <p:cNvSpPr txBox="1"/>
+          <p:nvPr/>
+        </p:nvSpPr>
+        <p:spPr>
+          <a:xfrm>
+            <a:off x="1676400" y="4648200"/>
+            <a:ext cx="5882636" cy="923330"/>
+          </a:xfrm>
+          <a:prstGeom prst="rect">
+            <a:avLst/>
+          </a:prstGeom>
+          <a:noFill/>
+        </p:spPr>
+        <p:txBody>
+          <a:bodyPr wrap="none" rtlCol="0">
+            <a:spAutoFit/>
+          </a:bodyPr>
+          <a:lstStyle/>
+          <a:p>
+            <a:pPr algn="ctr"/>
+            <a:r>
+              <a:rPr lang="en-US" dirty="0" smtClean="0"/>
+              <a:t>Merge Conflict will need to be resolved before able to merge</a:t>
+            </a:r>
+          </a:p>
+          <a:p>
+            <a:pPr algn="ctr"/>
+            <a:endParaRPr lang="en-US" dirty="0"/>
+          </a:p>
+          <a:p>
+            <a:pPr algn="ctr"/>
+            <a:r>
+              <a:rPr lang="en-US" dirty="0" smtClean="0"/>
+              <a:t>Just open the file in text editor</a:t>
+            </a:r>
+            <a:endParaRPr lang="en-US" dirty="0"/>
+          </a:p>
+        </p:txBody>
+      </p:sp>
+    </p:spTree>
+    <p:extLst>
+      <p:ext uri="{BB962C8B-B14F-4D97-AF65-F5344CB8AC3E}">
+        <p14:creationId xmlns:p14="http://schemas.microsoft.com/office/powerpoint/2010/main" val="641120538"/>
+      </p:ext>
+    </p:extLst>
+  </p:cSld>
+  <p:clrMapOvr>
+    <a:masterClrMapping/>
+  </p:clrMapOvr>
+  <p:timing>
+    <p:tnLst>
+      <p:par>
+        <p:cTn id="1" dur="indefinite" restart="never" nodeType="tmRoot"/>
+      </p:par>
+    </p:tnLst>
+  </p:timing>
+</p:sld>
+</file>
+
+<file path=ppt/slides/slide29.xml><?xml version="1.0" encoding="utf-8"?>
+<p:sld xmlns:a="http://schemas.openxmlformats.org/drawingml/2006/main" xmlns:r="http://schemas.openxmlformats.org/officeDocument/2006/relationships" xmlns:p="http://schemas.openxmlformats.org/presentationml/2006/main">
+  <p:cSld>
+    <p:spTree>
+      <p:nvGrpSpPr>
+        <p:cNvPr id="1" name=""/>
+        <p:cNvGrpSpPr/>
+        <p:nvPr/>
+      </p:nvGrpSpPr>
+      <p:grpSpPr>
+        <a:xfrm>
+          <a:off x="0" y="0"/>
+          <a:ext cx="0" cy="0"/>
+          <a:chOff x="0" y="0"/>
+          <a:chExt cx="0" cy="0"/>
+        </a:xfrm>
+      </p:grpSpPr>
+      <p:sp>
+        <p:nvSpPr>
+          <p:cNvPr id="8" name="TextBox 7"/>
+          <p:cNvSpPr txBox="1"/>
+          <p:nvPr/>
+        </p:nvSpPr>
+        <p:spPr>
+          <a:xfrm>
+            <a:off x="3443358" y="304800"/>
+            <a:ext cx="2348720" cy="369332"/>
+          </a:xfrm>
+          <a:prstGeom prst="rect">
+            <a:avLst/>
+          </a:prstGeom>
+          <a:noFill/>
+        </p:spPr>
+        <p:txBody>
+          <a:bodyPr wrap="none" rtlCol="0">
+            <a:spAutoFit/>
+          </a:bodyPr>
+          <a:lstStyle/>
+          <a:p>
+            <a:r>
+              <a:rPr lang="en-US" dirty="0" smtClean="0"/>
+              <a:t>The Merge Conflict File</a:t>
+            </a:r>
+            <a:endParaRPr lang="en-US" dirty="0"/>
+          </a:p>
+        </p:txBody>
+      </p:sp>
+      <p:sp>
+        <p:nvSpPr>
+          <p:cNvPr id="10" name="TextBox 9"/>
+          <p:cNvSpPr txBox="1"/>
+          <p:nvPr/>
+        </p:nvSpPr>
+        <p:spPr>
+          <a:xfrm>
+            <a:off x="2357554" y="4648200"/>
+            <a:ext cx="4520340" cy="923330"/>
+          </a:xfrm>
+          <a:prstGeom prst="rect">
+            <a:avLst/>
+          </a:prstGeom>
+          <a:noFill/>
+        </p:spPr>
+        <p:txBody>
+          <a:bodyPr wrap="none" rtlCol="0">
+            <a:spAutoFit/>
+          </a:bodyPr>
+          <a:lstStyle/>
+          <a:p>
+            <a:pPr algn="ctr"/>
+            <a:r>
+              <a:rPr lang="en-US" dirty="0" smtClean="0"/>
+              <a:t>Change file to look the way you want and save</a:t>
+            </a:r>
+          </a:p>
+          <a:p>
+            <a:pPr algn="ctr"/>
+            <a:endParaRPr lang="en-US" dirty="0"/>
+          </a:p>
+          <a:p>
+            <a:pPr algn="ctr"/>
+            <a:r>
+              <a:rPr lang="en-US" smtClean="0"/>
+              <a:t>…simple, I know</a:t>
+            </a:r>
+            <a:endParaRPr lang="en-US" dirty="0"/>
+          </a:p>
+        </p:txBody>
+      </p:sp>
+      <p:pic>
+        <p:nvPicPr>
+          <p:cNvPr id="2" name="Picture 1"/>
+          <p:cNvPicPr>
+            <a:picLocks noChangeAspect="1"/>
+          </p:cNvPicPr>
+          <p:nvPr/>
+        </p:nvPicPr>
+        <p:blipFill>
+          <a:blip r:embed="rId2"/>
+          <a:stretch>
+            <a:fillRect/>
+          </a:stretch>
+        </p:blipFill>
+        <p:spPr>
+          <a:xfrm>
+            <a:off x="3074668" y="914400"/>
+            <a:ext cx="3086100" cy="3209925"/>
+          </a:xfrm>
+          <a:prstGeom prst="rect">
+            <a:avLst/>
+          </a:prstGeom>
+        </p:spPr>
+      </p:pic>
+    </p:spTree>
+    <p:extLst>
+      <p:ext uri="{BB962C8B-B14F-4D97-AF65-F5344CB8AC3E}">
+        <p14:creationId xmlns:p14="http://schemas.microsoft.com/office/powerpoint/2010/main" val="4122019069"/>
+      </p:ext>
+    </p:extLst>
+  </p:cSld>
+  <p:clrMapOvr>
+    <a:masterClrMapping/>
+  </p:clrMapOvr>
+  <p:timing>
+    <p:tnLst>
+      <p:par>
+        <p:cTn id="1" dur="indefinite" restart="never" nodeType="tmRoot"/>
+      </p:par>
+    </p:tnLst>
+  </p:timing>
+</p:sld>
+</file>
+
+<file path=ppt/slides/slide3.xml><?xml version="1.0" encoding="utf-8"?>
+<p:sld xmlns:a="http://schemas.openxmlformats.org/drawingml/2006/main" xmlns:r="http://schemas.openxmlformats.org/officeDocument/2006/relationships" xmlns:p="http://schemas.openxmlformats.org/presentationml/2006/main">
+  <p:cSld>
+    <p:spTree>
+      <p:nvGrpSpPr>
+        <p:cNvPr id="1" name=""/>
+        <p:cNvGrpSpPr/>
+        <p:nvPr/>
+      </p:nvGrpSpPr>
+      <p:grpSpPr>
+        <a:xfrm>
+          <a:off x="0" y="0"/>
+          <a:ext cx="0" cy="0"/>
+          <a:chOff x="0" y="0"/>
+          <a:chExt cx="0" cy="0"/>
+        </a:xfrm>
+      </p:grpSpPr>
+      <p:sp>
+        <p:nvSpPr>
+          <p:cNvPr id="2" name="Title 1"/>
+          <p:cNvSpPr>
+            <a:spLocks noGrp="1"/>
+          </p:cNvSpPr>
+          <p:nvPr>
+            <p:ph type="title"/>
+          </p:nvPr>
+        </p:nvSpPr>
+        <p:spPr/>
+        <p:txBody>
+          <a:bodyPr/>
+          <a:lstStyle/>
+          <a:p>
             <a:r>
               <a:rPr lang="en-US" dirty="0"/>
               <a:t>FIRST THING’S FIRST!</a:t>
@@ -13362,17 +16352,21 @@
           </a:bodyPr>
           <a:lstStyle/>
           <a:p>
-            <a:r>
-              <a:rPr lang="en-US" dirty="0" err="1"/>
+            <a:endParaRPr lang="en-US"/>
+          </a:p>
+          <a:p>
+            <a:r>
+              <a:rPr lang="en-US" smtClean="0"/>
               <a:t>Git</a:t>
             </a:r>
             <a:r>
+              <a:rPr lang="en-US" dirty="0" smtClean="0"/>
+              <a:t> </a:t>
+            </a:r>
+            <a:r>
               <a:rPr lang="en-US" dirty="0"/>
-              <a:t> ≠ GitHub</a:t>
-            </a:r>
-          </a:p>
-          <a:p>
-            <a:endParaRPr lang="en-US" dirty="0"/>
+              <a:t>≠ GitHub</a:t>
+            </a:r>
           </a:p>
           <a:p>
             <a:pPr marL="0" indent="0">
@@ -13455,7 +16449,7 @@
           </p:cNvPicPr>
           <p:nvPr/>
         </p:nvPicPr>
-        <p:blipFill>
+        <p:blipFill rotWithShape="1">
           <a:blip r:embed="rId2">
             <a:extLst>
               <a:ext uri="{28A0092B-C50C-407E-A947-70E740481C1C}">
@@ -13463,15 +16457,13 @@
               </a:ext>
             </a:extLst>
           </a:blip>
-          <a:srcRect/>
-          <a:stretch>
-            <a:fillRect/>
-          </a:stretch>
+          <a:srcRect l="7461" t="18182" b="14633"/>
+          <a:stretch/>
         </p:blipFill>
         <p:spPr bwMode="auto">
           <a:xfrm>
-            <a:off x="4800600" y="1143000"/>
-            <a:ext cx="3263900" cy="1958340"/>
+            <a:off x="3759480" y="1143000"/>
+            <a:ext cx="4317720" cy="1880857"/>
           </a:xfrm>
           <a:prstGeom prst="rect">
             <a:avLst/>
@@ -13745,479 +16737,7 @@
 </p:sld>
 </file>
 
-<file path=ppt/slides/slide20.xml><?xml version="1.0" encoding="utf-8"?>
-<p:sld xmlns:a="http://schemas.openxmlformats.org/drawingml/2006/main" xmlns:r="http://schemas.openxmlformats.org/officeDocument/2006/relationships" xmlns:p="http://schemas.openxmlformats.org/presentationml/2006/main">
-  <p:cSld>
-    <p:spTree>
-      <p:nvGrpSpPr>
-        <p:cNvPr id="1" name=""/>
-        <p:cNvGrpSpPr/>
-        <p:nvPr/>
-      </p:nvGrpSpPr>
-      <p:grpSpPr>
-        <a:xfrm>
-          <a:off x="0" y="0"/>
-          <a:ext cx="0" cy="0"/>
-          <a:chOff x="0" y="0"/>
-          <a:chExt cx="0" cy="0"/>
-        </a:xfrm>
-      </p:grpSpPr>
-      <p:sp>
-        <p:nvSpPr>
-          <p:cNvPr id="2" name="Title 1"/>
-          <p:cNvSpPr>
-            <a:spLocks noGrp="1"/>
-          </p:cNvSpPr>
-          <p:nvPr>
-            <p:ph type="title"/>
-          </p:nvPr>
-        </p:nvSpPr>
-        <p:spPr/>
-        <p:txBody>
-          <a:bodyPr>
-            <a:normAutofit/>
-          </a:bodyPr>
-          <a:lstStyle/>
-          <a:p>
-            <a:r>
-              <a:rPr lang="en-US" dirty="0" err="1"/>
-              <a:t>Git</a:t>
-            </a:r>
-            <a:r>
-              <a:rPr lang="en-US" dirty="0"/>
-              <a:t> 101 – </a:t>
-            </a:r>
-            <a:r>
-              <a:rPr lang="en-US" dirty="0" smtClean="0"/>
-              <a:t>Workflow - Stage</a:t>
-            </a:r>
-            <a:endParaRPr lang="en-US" dirty="0"/>
-          </a:p>
-        </p:txBody>
-      </p:sp>
-      <p:sp>
-        <p:nvSpPr>
-          <p:cNvPr id="3" name="Content Placeholder 2"/>
-          <p:cNvSpPr>
-            <a:spLocks noGrp="1"/>
-          </p:cNvSpPr>
-          <p:nvPr>
-            <p:ph idx="1"/>
-          </p:nvPr>
-        </p:nvSpPr>
-        <p:spPr/>
-        <p:txBody>
-          <a:bodyPr>
-            <a:normAutofit/>
-          </a:bodyPr>
-          <a:lstStyle/>
-          <a:p>
-            <a:r>
-              <a:rPr lang="en-US" dirty="0" smtClean="0"/>
-              <a:t>Add the files you want to commit</a:t>
-            </a:r>
-          </a:p>
-          <a:p>
-            <a:r>
-              <a:rPr lang="en-US" dirty="0" smtClean="0"/>
-              <a:t>This allows you to choice </a:t>
-            </a:r>
-            <a:r>
-              <a:rPr lang="en-US" b="1" dirty="0" smtClean="0"/>
-              <a:t>what</a:t>
-            </a:r>
-            <a:r>
-              <a:rPr lang="en-US" dirty="0" smtClean="0"/>
-              <a:t> to commit</a:t>
-            </a:r>
-          </a:p>
-          <a:p>
-            <a:r>
-              <a:rPr lang="en-US" dirty="0" err="1">
-                <a:solidFill>
-                  <a:srgbClr val="FF0000"/>
-                </a:solidFill>
-              </a:rPr>
-              <a:t>g</a:t>
-            </a:r>
-            <a:r>
-              <a:rPr lang="en-US" dirty="0" err="1" smtClean="0">
-                <a:solidFill>
-                  <a:srgbClr val="FF0000"/>
-                </a:solidFill>
-              </a:rPr>
-              <a:t>it</a:t>
-            </a:r>
-            <a:r>
-              <a:rPr lang="en-US" dirty="0" smtClean="0">
-                <a:solidFill>
-                  <a:srgbClr val="FF0000"/>
-                </a:solidFill>
-              </a:rPr>
-              <a:t> add –A</a:t>
-            </a:r>
-          </a:p>
-          <a:p>
-            <a:pPr lvl="1"/>
-            <a:r>
-              <a:rPr lang="en-US" dirty="0" smtClean="0">
-                <a:solidFill>
-                  <a:srgbClr val="FF0000"/>
-                </a:solidFill>
-              </a:rPr>
-              <a:t>Will add all difference</a:t>
-            </a:r>
-          </a:p>
-          <a:p>
-            <a:r>
-              <a:rPr lang="en-US" dirty="0" err="1">
-                <a:solidFill>
-                  <a:srgbClr val="FF0000"/>
-                </a:solidFill>
-              </a:rPr>
-              <a:t>g</a:t>
-            </a:r>
-            <a:r>
-              <a:rPr lang="en-US" dirty="0" err="1" smtClean="0">
-                <a:solidFill>
-                  <a:srgbClr val="FF0000"/>
-                </a:solidFill>
-              </a:rPr>
-              <a:t>it</a:t>
-            </a:r>
-            <a:r>
-              <a:rPr lang="en-US" dirty="0" smtClean="0">
-                <a:solidFill>
-                  <a:srgbClr val="FF0000"/>
-                </a:solidFill>
-              </a:rPr>
-              <a:t> add </a:t>
-            </a:r>
-            <a:r>
-              <a:rPr lang="en-US" dirty="0" err="1" smtClean="0">
-                <a:solidFill>
-                  <a:srgbClr val="FF0000"/>
-                </a:solidFill>
-              </a:rPr>
-              <a:t>main.c</a:t>
-            </a:r>
-            <a:endParaRPr lang="en-US" dirty="0" smtClean="0">
-              <a:solidFill>
-                <a:srgbClr val="FF0000"/>
-              </a:solidFill>
-            </a:endParaRPr>
-          </a:p>
-          <a:p>
-            <a:pPr lvl="1"/>
-            <a:r>
-              <a:rPr lang="en-US" dirty="0" smtClean="0">
-                <a:solidFill>
-                  <a:srgbClr val="FF0000"/>
-                </a:solidFill>
-              </a:rPr>
-              <a:t>Just adds </a:t>
-            </a:r>
-            <a:r>
-              <a:rPr lang="en-US" dirty="0" err="1" smtClean="0">
-                <a:solidFill>
-                  <a:srgbClr val="FF0000"/>
-                </a:solidFill>
-              </a:rPr>
-              <a:t>main.c</a:t>
-            </a:r>
-            <a:endParaRPr lang="en-US" dirty="0">
-              <a:solidFill>
-                <a:srgbClr val="FF0000"/>
-              </a:solidFill>
-            </a:endParaRPr>
-          </a:p>
-          <a:p>
-            <a:endParaRPr lang="en-US" dirty="0" smtClean="0"/>
-          </a:p>
-        </p:txBody>
-      </p:sp>
-    </p:spTree>
-    <p:extLst>
-      <p:ext uri="{BB962C8B-B14F-4D97-AF65-F5344CB8AC3E}">
-        <p14:creationId xmlns:p14="http://schemas.microsoft.com/office/powerpoint/2010/main" val="1391718993"/>
-      </p:ext>
-    </p:extLst>
-  </p:cSld>
-  <p:clrMapOvr>
-    <a:masterClrMapping/>
-  </p:clrMapOvr>
-  <p:timing>
-    <p:tnLst>
-      <p:par>
-        <p:cTn id="1" dur="indefinite" restart="never" nodeType="tmRoot"/>
-      </p:par>
-    </p:tnLst>
-  </p:timing>
-</p:sld>
-</file>
-
-<file path=ppt/slides/slide21.xml><?xml version="1.0" encoding="utf-8"?>
-<p:sld xmlns:a="http://schemas.openxmlformats.org/drawingml/2006/main" xmlns:r="http://schemas.openxmlformats.org/officeDocument/2006/relationships" xmlns:p="http://schemas.openxmlformats.org/presentationml/2006/main">
-  <p:cSld>
-    <p:spTree>
-      <p:nvGrpSpPr>
-        <p:cNvPr id="1" name=""/>
-        <p:cNvGrpSpPr/>
-        <p:nvPr/>
-      </p:nvGrpSpPr>
-      <p:grpSpPr>
-        <a:xfrm>
-          <a:off x="0" y="0"/>
-          <a:ext cx="0" cy="0"/>
-          <a:chOff x="0" y="0"/>
-          <a:chExt cx="0" cy="0"/>
-        </a:xfrm>
-      </p:grpSpPr>
-      <p:sp>
-        <p:nvSpPr>
-          <p:cNvPr id="2" name="Title 1"/>
-          <p:cNvSpPr>
-            <a:spLocks noGrp="1"/>
-          </p:cNvSpPr>
-          <p:nvPr>
-            <p:ph type="title"/>
-          </p:nvPr>
-        </p:nvSpPr>
-        <p:spPr/>
-        <p:txBody>
-          <a:bodyPr>
-            <a:normAutofit/>
-          </a:bodyPr>
-          <a:lstStyle/>
-          <a:p>
-            <a:r>
-              <a:rPr lang="en-US" dirty="0" err="1"/>
-              <a:t>Git</a:t>
-            </a:r>
-            <a:r>
-              <a:rPr lang="en-US" dirty="0"/>
-              <a:t> 101 – </a:t>
-            </a:r>
-            <a:r>
-              <a:rPr lang="en-US" dirty="0" smtClean="0"/>
-              <a:t>Workflow – Commit</a:t>
-            </a:r>
-            <a:endParaRPr lang="en-US" dirty="0"/>
-          </a:p>
-        </p:txBody>
-      </p:sp>
-      <p:sp>
-        <p:nvSpPr>
-          <p:cNvPr id="3" name="Content Placeholder 2"/>
-          <p:cNvSpPr>
-            <a:spLocks noGrp="1"/>
-          </p:cNvSpPr>
-          <p:nvPr>
-            <p:ph idx="1"/>
-          </p:nvPr>
-        </p:nvSpPr>
-        <p:spPr/>
-        <p:txBody>
-          <a:bodyPr>
-            <a:normAutofit/>
-          </a:bodyPr>
-          <a:lstStyle/>
-          <a:p>
-            <a:r>
-              <a:rPr lang="en-US" dirty="0" smtClean="0"/>
-              <a:t>Take the “snapshot” of the folder</a:t>
-            </a:r>
-          </a:p>
-          <a:p>
-            <a:r>
-              <a:rPr lang="en-US" dirty="0" smtClean="0"/>
-              <a:t>Add a commit title</a:t>
-            </a:r>
-          </a:p>
-          <a:p>
-            <a:pPr lvl="1"/>
-            <a:r>
-              <a:rPr lang="en-US" dirty="0" smtClean="0"/>
-              <a:t>Optionally add a comment</a:t>
-            </a:r>
-          </a:p>
-          <a:p>
-            <a:r>
-              <a:rPr lang="en-US" dirty="0" err="1">
-                <a:solidFill>
-                  <a:srgbClr val="FF0000"/>
-                </a:solidFill>
-              </a:rPr>
-              <a:t>g</a:t>
-            </a:r>
-            <a:r>
-              <a:rPr lang="en-US" dirty="0" err="1" smtClean="0">
-                <a:solidFill>
-                  <a:srgbClr val="FF0000"/>
-                </a:solidFill>
-              </a:rPr>
-              <a:t>it</a:t>
-            </a:r>
-            <a:r>
-              <a:rPr lang="en-US" dirty="0" smtClean="0">
-                <a:solidFill>
-                  <a:srgbClr val="FF0000"/>
-                </a:solidFill>
-              </a:rPr>
-              <a:t> commit –m “Best commit EVA”</a:t>
-            </a:r>
-            <a:endParaRPr lang="en-US" dirty="0">
-              <a:solidFill>
-                <a:srgbClr val="FF0000"/>
-              </a:solidFill>
-            </a:endParaRPr>
-          </a:p>
-          <a:p>
-            <a:endParaRPr lang="en-US" dirty="0" smtClean="0"/>
-          </a:p>
-        </p:txBody>
-      </p:sp>
-    </p:spTree>
-    <p:extLst>
-      <p:ext uri="{BB962C8B-B14F-4D97-AF65-F5344CB8AC3E}">
-        <p14:creationId xmlns:p14="http://schemas.microsoft.com/office/powerpoint/2010/main" val="2456030451"/>
-      </p:ext>
-    </p:extLst>
-  </p:cSld>
-  <p:clrMapOvr>
-    <a:masterClrMapping/>
-  </p:clrMapOvr>
-  <p:timing>
-    <p:tnLst>
-      <p:par>
-        <p:cTn id="1" dur="indefinite" restart="never" nodeType="tmRoot"/>
-      </p:par>
-    </p:tnLst>
-  </p:timing>
-</p:sld>
-</file>
-
-<file path=ppt/slides/slide22.xml><?xml version="1.0" encoding="utf-8"?>
-<p:sld xmlns:a="http://schemas.openxmlformats.org/drawingml/2006/main" xmlns:r="http://schemas.openxmlformats.org/officeDocument/2006/relationships" xmlns:p="http://schemas.openxmlformats.org/presentationml/2006/main">
-  <p:cSld>
-    <p:spTree>
-      <p:nvGrpSpPr>
-        <p:cNvPr id="1" name=""/>
-        <p:cNvGrpSpPr/>
-        <p:nvPr/>
-      </p:nvGrpSpPr>
-      <p:grpSpPr>
-        <a:xfrm>
-          <a:off x="0" y="0"/>
-          <a:ext cx="0" cy="0"/>
-          <a:chOff x="0" y="0"/>
-          <a:chExt cx="0" cy="0"/>
-        </a:xfrm>
-      </p:grpSpPr>
-      <p:sp>
-        <p:nvSpPr>
-          <p:cNvPr id="2" name="Title 1"/>
-          <p:cNvSpPr>
-            <a:spLocks noGrp="1"/>
-          </p:cNvSpPr>
-          <p:nvPr>
-            <p:ph type="title"/>
-          </p:nvPr>
-        </p:nvSpPr>
-        <p:spPr/>
-        <p:txBody>
-          <a:bodyPr>
-            <a:normAutofit/>
-          </a:bodyPr>
-          <a:lstStyle/>
-          <a:p>
-            <a:r>
-              <a:rPr lang="en-US" dirty="0" err="1"/>
-              <a:t>Git</a:t>
-            </a:r>
-            <a:r>
-              <a:rPr lang="en-US" dirty="0"/>
-              <a:t> 101 – </a:t>
-            </a:r>
-            <a:r>
-              <a:rPr lang="en-US" dirty="0" smtClean="0"/>
-              <a:t>Workflow - Push</a:t>
-            </a:r>
-            <a:endParaRPr lang="en-US" dirty="0"/>
-          </a:p>
-        </p:txBody>
-      </p:sp>
-      <p:sp>
-        <p:nvSpPr>
-          <p:cNvPr id="3" name="Content Placeholder 2"/>
-          <p:cNvSpPr>
-            <a:spLocks noGrp="1"/>
-          </p:cNvSpPr>
-          <p:nvPr>
-            <p:ph idx="1"/>
-          </p:nvPr>
-        </p:nvSpPr>
-        <p:spPr/>
-        <p:txBody>
-          <a:bodyPr>
-            <a:normAutofit/>
-          </a:bodyPr>
-          <a:lstStyle/>
-          <a:p>
-            <a:r>
-              <a:rPr lang="en-US" dirty="0" smtClean="0"/>
-              <a:t>When ready, push changes to server</a:t>
-            </a:r>
-          </a:p>
-          <a:p>
-            <a:r>
-              <a:rPr lang="en-US" dirty="0" err="1" smtClean="0">
-                <a:solidFill>
-                  <a:srgbClr val="FF0000"/>
-                </a:solidFill>
-              </a:rPr>
-              <a:t>git</a:t>
-            </a:r>
-            <a:r>
-              <a:rPr lang="en-US" dirty="0" smtClean="0">
-                <a:solidFill>
-                  <a:srgbClr val="FF0000"/>
-                </a:solidFill>
-              </a:rPr>
-              <a:t> push</a:t>
-            </a:r>
-            <a:endParaRPr lang="en-US" dirty="0">
-              <a:solidFill>
-                <a:srgbClr val="FF0000"/>
-              </a:solidFill>
-            </a:endParaRPr>
-          </a:p>
-          <a:p>
-            <a:endParaRPr lang="en-US" dirty="0" smtClean="0"/>
-          </a:p>
-        </p:txBody>
-      </p:sp>
-    </p:spTree>
-    <p:extLst>
-      <p:ext uri="{BB962C8B-B14F-4D97-AF65-F5344CB8AC3E}">
-        <p14:creationId xmlns:p14="http://schemas.microsoft.com/office/powerpoint/2010/main" val="752703375"/>
-      </p:ext>
-    </p:extLst>
-  </p:cSld>
-  <p:clrMapOvr>
-    <a:masterClrMapping/>
-  </p:clrMapOvr>
-  <p:timing>
-    <p:tnLst>
-      <p:par>
-        <p:cTn id="1" dur="indefinite" restart="never" nodeType="tmRoot"/>
-      </p:par>
-    </p:tnLst>
-  </p:timing>
-</p:sld>
-</file>
-
-<file path=ppt/slides/slide23.xml><?xml version="1.0" encoding="utf-8"?>
+<file path=ppt/slides/slide30.xml><?xml version="1.0" encoding="utf-8"?>
 <p:sld xmlns:a="http://schemas.openxmlformats.org/drawingml/2006/main" xmlns:r="http://schemas.openxmlformats.org/officeDocument/2006/relationships" xmlns:p="http://schemas.openxmlformats.org/presentationml/2006/main">
   <p:cSld>
     <p:spTree>
@@ -14251,7 +16771,7 @@
           <a:p>
             <a:r>
               <a:rPr lang="en-US" dirty="0"/>
-              <a:t>GitHub Permissions</a:t>
+              <a:t>GitHub GUI – Make new repo</a:t>
             </a:r>
           </a:p>
         </p:txBody>
@@ -14275,87 +16795,710 @@
           <a:p>
             <a:r>
               <a:rPr lang="en-US" dirty="0"/>
-              <a:t>For a project you can always just download the code and do what you want.</a:t>
-            </a:r>
+              <a:t>Can either create online or bring it to local </a:t>
+            </a:r>
+            <a:r>
+              <a:rPr lang="en-US" dirty="0" smtClean="0"/>
+              <a:t>computer.</a:t>
+            </a:r>
+            <a:endParaRPr lang="en-US" dirty="0"/>
           </a:p>
           <a:p>
             <a:r>
               <a:rPr lang="en-US" dirty="0"/>
-              <a:t>If you want to make changes, either </a:t>
-            </a:r>
-            <a:r>
-              <a:rPr lang="en-US" b="1" dirty="0"/>
-              <a:t>Clone </a:t>
+              <a:t>Start new repository and push to GitHub when </a:t>
+            </a:r>
+            <a:r>
+              <a:rPr lang="en-US" dirty="0" smtClean="0"/>
+              <a:t>ready.</a:t>
+            </a:r>
+          </a:p>
+          <a:p>
+            <a:r>
+              <a:rPr lang="en-US" dirty="0" smtClean="0"/>
+              <a:t> Can </a:t>
             </a:r>
             <a:r>
               <a:rPr lang="en-US" dirty="0"/>
-              <a:t>or </a:t>
-            </a:r>
-            <a:r>
-              <a:rPr lang="en-US" b="1" dirty="0"/>
-              <a:t>Fork</a:t>
+              <a:t>take a current set of code and make it into a </a:t>
+            </a:r>
+            <a:r>
+              <a:rPr lang="en-US" dirty="0" err="1"/>
+              <a:t>Git</a:t>
             </a:r>
             <a:r>
               <a:rPr lang="en-US" dirty="0"/>
-              <a:t> the Repository</a:t>
-            </a:r>
+              <a:t> </a:t>
+            </a:r>
+            <a:r>
+              <a:rPr lang="en-US" dirty="0" smtClean="0"/>
+              <a:t>repo.</a:t>
+            </a:r>
+            <a:endParaRPr lang="en-US" dirty="0"/>
           </a:p>
           <a:p>
             <a:pPr lvl="1"/>
             <a:r>
               <a:rPr lang="en-US" dirty="0"/>
-              <a:t>You can then send a </a:t>
-            </a:r>
-            <a:r>
-              <a:rPr lang="en-US" b="1" dirty="0"/>
-              <a:t>Pull Request</a:t>
-            </a:r>
-            <a:r>
-              <a:rPr lang="en-US" dirty="0"/>
-              <a:t> that will let someone in charge of Repo check your changes and </a:t>
-            </a:r>
-            <a:r>
-              <a:rPr lang="en-US" b="1" dirty="0"/>
-              <a:t>Merge </a:t>
-            </a:r>
-            <a:r>
-              <a:rPr lang="en-US" dirty="0"/>
-              <a:t>it</a:t>
-            </a:r>
-          </a:p>
-          <a:p>
-            <a:r>
-              <a:rPr lang="en-US" sz="2800" dirty="0"/>
-              <a:t>If you set someone as a </a:t>
-            </a:r>
-            <a:r>
-              <a:rPr lang="en-US" sz="2800" b="1" dirty="0"/>
-              <a:t>Collaborator </a:t>
-            </a:r>
-            <a:r>
-              <a:rPr lang="en-US" sz="2800" dirty="0"/>
-              <a:t>they can </a:t>
-            </a:r>
-            <a:r>
-              <a:rPr lang="en-US" sz="2800" b="1" dirty="0"/>
-              <a:t>Push</a:t>
-            </a:r>
-            <a:r>
-              <a:rPr lang="en-US" sz="2800" dirty="0"/>
-              <a:t> code without having to submit a </a:t>
-            </a:r>
-            <a:r>
-              <a:rPr lang="en-US" sz="2800" b="1" dirty="0"/>
-              <a:t>Pull Request</a:t>
-            </a:r>
-            <a:endParaRPr lang="en-US" sz="2800" dirty="0"/>
+              <a:t>Will have no history prior to initialization of </a:t>
+            </a:r>
+            <a:r>
+              <a:rPr lang="en-US" dirty="0" err="1"/>
+              <a:t>git</a:t>
+            </a:r>
+            <a:endParaRPr lang="en-US" dirty="0"/>
           </a:p>
         </p:txBody>
       </p:sp>
     </p:spTree>
     <p:extLst>
       <p:ext uri="{BB962C8B-B14F-4D97-AF65-F5344CB8AC3E}">
-        <p14:creationId xmlns:p14="http://schemas.microsoft.com/office/powerpoint/2010/main" val="2017981360"/>
+        <p14:creationId xmlns:p14="http://schemas.microsoft.com/office/powerpoint/2010/main" val="3309361143"/>
+      </p:ext>
+    </p:extLst>
+  </p:cSld>
+  <p:clrMapOvr>
+    <a:masterClrMapping/>
+  </p:clrMapOvr>
+  <p:timing>
+    <p:tnLst>
+      <p:par>
+        <p:cTn id="1" dur="indefinite" restart="never" nodeType="tmRoot">
+          <p:childTnLst>
+            <p:seq concurrent="1" nextAc="seek">
+              <p:cTn id="2" dur="indefinite" nodeType="mainSeq">
+                <p:childTnLst>
+                  <p:par>
+                    <p:cTn id="3" fill="hold">
+                      <p:stCondLst>
+                        <p:cond delay="indefinite"/>
+                      </p:stCondLst>
+                      <p:childTnLst>
+                        <p:par>
+                          <p:cTn id="4" fill="hold">
+                            <p:stCondLst>
+                              <p:cond delay="0"/>
+                            </p:stCondLst>
+                            <p:childTnLst>
+                              <p:par>
+                                <p:cTn id="5" presetID="1" presetClass="entr" presetSubtype="0" fill="hold" nodeType="clickEffect">
+                                  <p:stCondLst>
+                                    <p:cond delay="0"/>
+                                  </p:stCondLst>
+                                  <p:childTnLst>
+                                    <p:set>
+                                      <p:cBhvr>
+                                        <p:cTn id="6" dur="1" fill="hold">
+                                          <p:stCondLst>
+                                            <p:cond delay="0"/>
+                                          </p:stCondLst>
+                                        </p:cTn>
+                                        <p:tgtEl>
+                                          <p:spTgt spid="3">
+                                            <p:txEl>
+                                              <p:pRg st="1" end="1"/>
+                                            </p:txEl>
+                                          </p:spTgt>
+                                        </p:tgtEl>
+                                        <p:attrNameLst>
+                                          <p:attrName>style.visibility</p:attrName>
+                                        </p:attrNameLst>
+                                      </p:cBhvr>
+                                      <p:to>
+                                        <p:strVal val="visible"/>
+                                      </p:to>
+                                    </p:set>
+                                  </p:childTnLst>
+                                </p:cTn>
+                              </p:par>
+                            </p:childTnLst>
+                          </p:cTn>
+                        </p:par>
+                      </p:childTnLst>
+                    </p:cTn>
+                  </p:par>
+                  <p:par>
+                    <p:cTn id="7" fill="hold">
+                      <p:stCondLst>
+                        <p:cond delay="indefinite"/>
+                      </p:stCondLst>
+                      <p:childTnLst>
+                        <p:par>
+                          <p:cTn id="8" fill="hold">
+                            <p:stCondLst>
+                              <p:cond delay="0"/>
+                            </p:stCondLst>
+                            <p:childTnLst>
+                              <p:par>
+                                <p:cTn id="9" presetID="1" presetClass="entr" presetSubtype="0" fill="hold" nodeType="clickEffect">
+                                  <p:stCondLst>
+                                    <p:cond delay="0"/>
+                                  </p:stCondLst>
+                                  <p:childTnLst>
+                                    <p:set>
+                                      <p:cBhvr>
+                                        <p:cTn id="10" dur="1" fill="hold">
+                                          <p:stCondLst>
+                                            <p:cond delay="0"/>
+                                          </p:stCondLst>
+                                        </p:cTn>
+                                        <p:tgtEl>
+                                          <p:spTgt spid="3">
+                                            <p:txEl>
+                                              <p:pRg st="2" end="2"/>
+                                            </p:txEl>
+                                          </p:spTgt>
+                                        </p:tgtEl>
+                                        <p:attrNameLst>
+                                          <p:attrName>style.visibility</p:attrName>
+                                        </p:attrNameLst>
+                                      </p:cBhvr>
+                                      <p:to>
+                                        <p:strVal val="visible"/>
+                                      </p:to>
+                                    </p:set>
+                                  </p:childTnLst>
+                                </p:cTn>
+                              </p:par>
+                              <p:par>
+                                <p:cTn id="11" presetID="1" presetClass="entr" presetSubtype="0" fill="hold" nodeType="withEffect">
+                                  <p:stCondLst>
+                                    <p:cond delay="0"/>
+                                  </p:stCondLst>
+                                  <p:childTnLst>
+                                    <p:set>
+                                      <p:cBhvr>
+                                        <p:cTn id="12" dur="1" fill="hold">
+                                          <p:stCondLst>
+                                            <p:cond delay="0"/>
+                                          </p:stCondLst>
+                                        </p:cTn>
+                                        <p:tgtEl>
+                                          <p:spTgt spid="3">
+                                            <p:txEl>
+                                              <p:pRg st="3" end="3"/>
+                                            </p:txEl>
+                                          </p:spTgt>
+                                        </p:tgtEl>
+                                        <p:attrNameLst>
+                                          <p:attrName>style.visibility</p:attrName>
+                                        </p:attrNameLst>
+                                      </p:cBhvr>
+                                      <p:to>
+                                        <p:strVal val="visible"/>
+                                      </p:to>
+                                    </p:set>
+                                  </p:childTnLst>
+                                </p:cTn>
+                              </p:par>
+                            </p:childTnLst>
+                          </p:cTn>
+                        </p:par>
+                      </p:childTnLst>
+                    </p:cTn>
+                  </p:par>
+                </p:childTnLst>
+              </p:cTn>
+              <p:prevCondLst>
+                <p:cond evt="onPrev" delay="0">
+                  <p:tgtEl>
+                    <p:sldTgt/>
+                  </p:tgtEl>
+                </p:cond>
+              </p:prevCondLst>
+              <p:nextCondLst>
+                <p:cond evt="onNext" delay="0">
+                  <p:tgtEl>
+                    <p:sldTgt/>
+                  </p:tgtEl>
+                </p:cond>
+              </p:nextCondLst>
+            </p:seq>
+          </p:childTnLst>
+        </p:cTn>
+      </p:par>
+    </p:tnLst>
+  </p:timing>
+</p:sld>
+</file>
+
+<file path=ppt/slides/slide31.xml><?xml version="1.0" encoding="utf-8"?>
+<p:sld xmlns:a="http://schemas.openxmlformats.org/drawingml/2006/main" xmlns:r="http://schemas.openxmlformats.org/officeDocument/2006/relationships" xmlns:p="http://schemas.openxmlformats.org/presentationml/2006/main">
+  <p:cSld>
+    <p:spTree>
+      <p:nvGrpSpPr>
+        <p:cNvPr id="1" name=""/>
+        <p:cNvGrpSpPr/>
+        <p:nvPr/>
+      </p:nvGrpSpPr>
+      <p:grpSpPr>
+        <a:xfrm>
+          <a:off x="0" y="0"/>
+          <a:ext cx="0" cy="0"/>
+          <a:chOff x="0" y="0"/>
+          <a:chExt cx="0" cy="0"/>
+        </a:xfrm>
+      </p:grpSpPr>
+      <p:sp>
+        <p:nvSpPr>
+          <p:cNvPr id="2" name="Title 1"/>
+          <p:cNvSpPr>
+            <a:spLocks noGrp="1"/>
+          </p:cNvSpPr>
+          <p:nvPr>
+            <p:ph type="title"/>
+          </p:nvPr>
+        </p:nvSpPr>
+        <p:spPr/>
+        <p:txBody>
+          <a:bodyPr/>
+          <a:lstStyle/>
+          <a:p>
+            <a:r>
+              <a:rPr lang="en-US" dirty="0"/>
+              <a:t>Recap</a:t>
+            </a:r>
+          </a:p>
+        </p:txBody>
+      </p:sp>
+      <p:sp>
+        <p:nvSpPr>
+          <p:cNvPr id="3" name="Content Placeholder 2"/>
+          <p:cNvSpPr>
+            <a:spLocks noGrp="1"/>
+          </p:cNvSpPr>
+          <p:nvPr>
+            <p:ph idx="1"/>
+          </p:nvPr>
+        </p:nvSpPr>
+        <p:spPr/>
+        <p:txBody>
+          <a:bodyPr>
+            <a:normAutofit/>
+          </a:bodyPr>
+          <a:lstStyle/>
+          <a:p>
+            <a:r>
+              <a:rPr lang="en-US" dirty="0"/>
+              <a:t>Get Repository (</a:t>
+            </a:r>
+            <a:r>
+              <a:rPr lang="en-US" b="1" dirty="0"/>
+              <a:t>Clone</a:t>
+            </a:r>
+            <a:r>
+              <a:rPr lang="en-US" dirty="0"/>
+              <a:t>)</a:t>
+            </a:r>
+            <a:r>
+              <a:rPr lang="en-US" b="1" dirty="0"/>
+              <a:t> </a:t>
+            </a:r>
+            <a:r>
+              <a:rPr lang="en-US" dirty="0"/>
+              <a:t>or Sync it </a:t>
+            </a:r>
+            <a:r>
+              <a:rPr lang="en-US" b="1" dirty="0"/>
+              <a:t>(Fetch)</a:t>
+            </a:r>
+          </a:p>
+          <a:p>
+            <a:r>
+              <a:rPr lang="en-US" dirty="0"/>
+              <a:t>Know which </a:t>
+            </a:r>
+            <a:r>
+              <a:rPr lang="en-US" b="1" dirty="0"/>
+              <a:t>Branch</a:t>
+            </a:r>
+            <a:r>
+              <a:rPr lang="en-US" dirty="0"/>
+              <a:t> you are in</a:t>
+            </a:r>
+          </a:p>
+          <a:p>
+            <a:r>
+              <a:rPr lang="en-US" dirty="0"/>
+              <a:t>Make your changes</a:t>
+            </a:r>
+          </a:p>
+          <a:p>
+            <a:r>
+              <a:rPr lang="en-US" dirty="0"/>
+              <a:t>Set which changes you are </a:t>
+            </a:r>
+            <a:r>
+              <a:rPr lang="en-US" b="1" dirty="0"/>
+              <a:t>Staging</a:t>
+            </a:r>
+          </a:p>
+          <a:p>
+            <a:r>
+              <a:rPr lang="en-US" b="1" dirty="0"/>
+              <a:t>Commit </a:t>
+            </a:r>
+            <a:r>
+              <a:rPr lang="en-US" dirty="0"/>
+              <a:t>the changes</a:t>
+            </a:r>
+          </a:p>
+          <a:p>
+            <a:r>
+              <a:rPr lang="en-US" dirty="0"/>
+              <a:t>When ready, Sync or send a Pull Request</a:t>
+            </a:r>
+          </a:p>
+          <a:p>
+            <a:endParaRPr lang="en-US" b="1" dirty="0"/>
+          </a:p>
+        </p:txBody>
+      </p:sp>
+    </p:spTree>
+    <p:extLst>
+      <p:ext uri="{BB962C8B-B14F-4D97-AF65-F5344CB8AC3E}">
+        <p14:creationId xmlns:p14="http://schemas.microsoft.com/office/powerpoint/2010/main" val="1450128929"/>
+      </p:ext>
+    </p:extLst>
+  </p:cSld>
+  <p:clrMapOvr>
+    <a:masterClrMapping/>
+  </p:clrMapOvr>
+  <p:timing>
+    <p:tnLst>
+      <p:par>
+        <p:cTn id="1" dur="indefinite" restart="never" nodeType="tmRoot"/>
+      </p:par>
+    </p:tnLst>
+  </p:timing>
+</p:sld>
+</file>
+
+<file path=ppt/slides/slide32.xml><?xml version="1.0" encoding="utf-8"?>
+<p:sld xmlns:a="http://schemas.openxmlformats.org/drawingml/2006/main" xmlns:r="http://schemas.openxmlformats.org/officeDocument/2006/relationships" xmlns:p="http://schemas.openxmlformats.org/presentationml/2006/main">
+  <p:cSld>
+    <p:spTree>
+      <p:nvGrpSpPr>
+        <p:cNvPr id="1" name=""/>
+        <p:cNvGrpSpPr/>
+        <p:nvPr/>
+      </p:nvGrpSpPr>
+      <p:grpSpPr>
+        <a:xfrm>
+          <a:off x="0" y="0"/>
+          <a:ext cx="0" cy="0"/>
+          <a:chOff x="0" y="0"/>
+          <a:chExt cx="0" cy="0"/>
+        </a:xfrm>
+      </p:grpSpPr>
+      <p:sp>
+        <p:nvSpPr>
+          <p:cNvPr id="2" name="Title 1"/>
+          <p:cNvSpPr>
+            <a:spLocks noGrp="1"/>
+          </p:cNvSpPr>
+          <p:nvPr>
+            <p:ph type="title"/>
+          </p:nvPr>
+        </p:nvSpPr>
+        <p:spPr/>
+        <p:txBody>
+          <a:bodyPr/>
+          <a:lstStyle/>
+          <a:p>
+            <a:r>
+              <a:rPr lang="en-US" dirty="0" smtClean="0"/>
+              <a:t>Time to get some practice!</a:t>
+            </a:r>
+            <a:endParaRPr lang="en-US" dirty="0"/>
+          </a:p>
+        </p:txBody>
+      </p:sp>
+      <p:sp>
+        <p:nvSpPr>
+          <p:cNvPr id="3" name="Content Placeholder 2"/>
+          <p:cNvSpPr>
+            <a:spLocks noGrp="1"/>
+          </p:cNvSpPr>
+          <p:nvPr>
+            <p:ph idx="1"/>
+          </p:nvPr>
+        </p:nvSpPr>
+        <p:spPr>
+          <a:xfrm>
+            <a:off x="228600" y="1600200"/>
+            <a:ext cx="8686800" cy="4525963"/>
+          </a:xfrm>
+        </p:spPr>
+        <p:txBody>
+          <a:bodyPr>
+            <a:normAutofit/>
+          </a:bodyPr>
+          <a:lstStyle/>
+          <a:p>
+            <a:pPr marL="457200" lvl="1" indent="0" algn="ctr">
+              <a:buNone/>
+            </a:pPr>
+            <a:r>
+              <a:rPr lang="en-US" sz="5100" b="1" dirty="0"/>
+              <a:t>tinyurl.com/</a:t>
+            </a:r>
+            <a:r>
+              <a:rPr lang="en-US" sz="5100" b="1" dirty="0" err="1"/>
+              <a:t>GitWorkshopIEEE</a:t>
+            </a:r>
+            <a:endParaRPr lang="en-US" sz="5100" b="1" dirty="0"/>
+          </a:p>
+        </p:txBody>
+      </p:sp>
+    </p:spTree>
+    <p:extLst>
+      <p:ext uri="{BB962C8B-B14F-4D97-AF65-F5344CB8AC3E}">
+        <p14:creationId xmlns:p14="http://schemas.microsoft.com/office/powerpoint/2010/main" val="3156236277"/>
+      </p:ext>
+    </p:extLst>
+  </p:cSld>
+  <p:clrMapOvr>
+    <a:masterClrMapping/>
+  </p:clrMapOvr>
+  <p:timing>
+    <p:tnLst>
+      <p:par>
+        <p:cTn id="1" dur="indefinite" restart="never" nodeType="tmRoot"/>
+      </p:par>
+    </p:tnLst>
+  </p:timing>
+</p:sld>
+</file>
+
+<file path=ppt/slides/slide4.xml><?xml version="1.0" encoding="utf-8"?>
+<p:sld xmlns:a="http://schemas.openxmlformats.org/drawingml/2006/main" xmlns:r="http://schemas.openxmlformats.org/officeDocument/2006/relationships" xmlns:p="http://schemas.openxmlformats.org/presentationml/2006/main">
+  <p:cSld>
+    <p:spTree>
+      <p:nvGrpSpPr>
+        <p:cNvPr id="1" name=""/>
+        <p:cNvGrpSpPr/>
+        <p:nvPr/>
+      </p:nvGrpSpPr>
+      <p:grpSpPr>
+        <a:xfrm>
+          <a:off x="0" y="0"/>
+          <a:ext cx="0" cy="0"/>
+          <a:chOff x="0" y="0"/>
+          <a:chExt cx="0" cy="0"/>
+        </a:xfrm>
+      </p:grpSpPr>
+      <p:sp>
+        <p:nvSpPr>
+          <p:cNvPr id="2" name="Title 1"/>
+          <p:cNvSpPr>
+            <a:spLocks noGrp="1"/>
+          </p:cNvSpPr>
+          <p:nvPr>
+            <p:ph type="title"/>
+          </p:nvPr>
+        </p:nvSpPr>
+        <p:spPr/>
+        <p:txBody>
+          <a:bodyPr/>
+          <a:lstStyle/>
+          <a:p>
+            <a:r>
+              <a:rPr lang="en-US" dirty="0"/>
+              <a:t>Ways to use </a:t>
+            </a:r>
+            <a:r>
+              <a:rPr lang="en-US" dirty="0" err="1"/>
+              <a:t>Git</a:t>
+            </a:r>
+            <a:endParaRPr lang="en-US" dirty="0"/>
+          </a:p>
+        </p:txBody>
+      </p:sp>
+      <p:sp>
+        <p:nvSpPr>
+          <p:cNvPr id="3" name="Content Placeholder 2"/>
+          <p:cNvSpPr>
+            <a:spLocks noGrp="1"/>
+          </p:cNvSpPr>
+          <p:nvPr>
+            <p:ph idx="1"/>
+          </p:nvPr>
+        </p:nvSpPr>
+        <p:spPr>
+          <a:xfrm>
+            <a:off x="457200" y="1600200"/>
+            <a:ext cx="8229600" cy="4953000"/>
+          </a:xfrm>
+        </p:spPr>
+        <p:txBody>
+          <a:bodyPr/>
+          <a:lstStyle/>
+          <a:p>
+            <a:r>
+              <a:rPr lang="en-US" sz="2800" dirty="0"/>
+              <a:t>There are pretty much two main ways to use </a:t>
+            </a:r>
+            <a:r>
+              <a:rPr lang="en-US" sz="2800" dirty="0" err="1"/>
+              <a:t>Git</a:t>
+            </a:r>
+            <a:endParaRPr lang="en-US" sz="2800" dirty="0"/>
+          </a:p>
+          <a:p>
+            <a:pPr lvl="1"/>
+            <a:r>
+              <a:rPr lang="en-US" dirty="0"/>
+              <a:t>Command Lines</a:t>
+            </a:r>
+          </a:p>
+          <a:p>
+            <a:pPr lvl="2"/>
+            <a:r>
+              <a:rPr lang="en-US" b="1" dirty="0"/>
+              <a:t>Pros</a:t>
+            </a:r>
+            <a:r>
+              <a:rPr lang="en-US" dirty="0"/>
+              <a:t>: You are really forced to understand </a:t>
+            </a:r>
+            <a:r>
+              <a:rPr lang="en-US" dirty="0" err="1"/>
+              <a:t>Git</a:t>
+            </a:r>
+            <a:endParaRPr lang="en-US" dirty="0"/>
+          </a:p>
+          <a:p>
+            <a:pPr lvl="2"/>
+            <a:r>
+              <a:rPr lang="en-US" b="1" dirty="0"/>
+              <a:t>Cons</a:t>
+            </a:r>
+            <a:r>
+              <a:rPr lang="en-US" dirty="0"/>
+              <a:t>: You are really forced to understand </a:t>
+            </a:r>
+            <a:r>
+              <a:rPr lang="en-US" dirty="0" err="1"/>
+              <a:t>Git</a:t>
+            </a:r>
+            <a:endParaRPr lang="en-US" dirty="0"/>
+          </a:p>
+          <a:p>
+            <a:pPr lvl="1"/>
+            <a:r>
+              <a:rPr lang="en-US" dirty="0"/>
+              <a:t>GUI Tools (GitHub Desktop, </a:t>
+            </a:r>
+            <a:r>
+              <a:rPr lang="en-US" dirty="0" err="1"/>
+              <a:t>Git</a:t>
+            </a:r>
+            <a:r>
+              <a:rPr lang="en-US" dirty="0"/>
+              <a:t> Extensions, </a:t>
+            </a:r>
+            <a:r>
+              <a:rPr lang="en-US" dirty="0" err="1"/>
+              <a:t>etc</a:t>
+            </a:r>
+            <a:r>
+              <a:rPr lang="en-US" dirty="0"/>
+              <a:t>)</a:t>
+            </a:r>
+          </a:p>
+          <a:p>
+            <a:pPr lvl="2"/>
+            <a:r>
+              <a:rPr lang="en-US" b="1" dirty="0"/>
+              <a:t>Pros</a:t>
+            </a:r>
+            <a:r>
+              <a:rPr lang="en-US" dirty="0"/>
+              <a:t>: Way easier to use and manage code</a:t>
+            </a:r>
+          </a:p>
+          <a:p>
+            <a:pPr lvl="2"/>
+            <a:r>
+              <a:rPr lang="en-US" b="1" dirty="0"/>
+              <a:t>Cons</a:t>
+            </a:r>
+            <a:r>
+              <a:rPr lang="en-US" dirty="0"/>
+              <a:t>: This is how you look to some people</a:t>
+            </a:r>
+          </a:p>
+        </p:txBody>
+      </p:sp>
+      <p:pic>
+        <p:nvPicPr>
+          <p:cNvPr id="2050" name="Picture 2"/>
+          <p:cNvPicPr>
+            <a:picLocks noChangeAspect="1" noChangeArrowheads="1"/>
+          </p:cNvPicPr>
+          <p:nvPr/>
+        </p:nvPicPr>
+        <p:blipFill>
+          <a:blip r:embed="rId2" cstate="print">
+            <a:extLst>
+              <a:ext uri="{28A0092B-C50C-407E-A947-70E740481C1C}">
+                <a14:useLocalDpi xmlns:a14="http://schemas.microsoft.com/office/drawing/2010/main" val="0"/>
+              </a:ext>
+            </a:extLst>
+          </a:blip>
+          <a:srcRect/>
+          <a:stretch>
+            <a:fillRect/>
+          </a:stretch>
+        </p:blipFill>
+        <p:spPr bwMode="auto">
+          <a:xfrm>
+            <a:off x="3276600" y="4842508"/>
+            <a:ext cx="2514600" cy="1873377"/>
+          </a:xfrm>
+          <a:prstGeom prst="rect">
+            <a:avLst/>
+          </a:prstGeom>
+          <a:noFill/>
+          <a:ln>
+            <a:noFill/>
+          </a:ln>
+          <a:effectLst/>
+          <a:extLst>
+            <a:ext uri="{909E8E84-426E-40DD-AFC4-6F175D3DCCD1}">
+              <a14:hiddenFill xmlns:a14="http://schemas.microsoft.com/office/drawing/2010/main">
+                <a:solidFill>
+                  <a:schemeClr val="accent1"/>
+                </a:solidFill>
+              </a14:hiddenFill>
+            </a:ext>
+            <a:ext uri="{91240B29-F687-4F45-9708-019B960494DF}">
+              <a14:hiddenLine xmlns:a14="http://schemas.microsoft.com/office/drawing/2010/main" w="9525">
+                <a:solidFill>
+                  <a:schemeClr val="tx1"/>
+                </a:solidFill>
+                <a:miter lim="800000"/>
+                <a:headEnd/>
+                <a:tailEnd/>
+              </a14:hiddenLine>
+            </a:ext>
+            <a:ext uri="{AF507438-7753-43E0-B8FC-AC1667EBCBE1}">
+              <a14:hiddenEffects xmlns:a14="http://schemas.microsoft.com/office/drawing/2010/main">
+                <a:effectLst>
+                  <a:outerShdw dist="35921" dir="2700000" algn="ctr" rotWithShape="0">
+                    <a:schemeClr val="bg2"/>
+                  </a:outerShdw>
+                </a:effectLst>
+              </a14:hiddenEffects>
+            </a:ext>
+          </a:extLst>
+        </p:spPr>
+      </p:pic>
+    </p:spTree>
+    <p:extLst>
+      <p:ext uri="{BB962C8B-B14F-4D97-AF65-F5344CB8AC3E}">
+        <p14:creationId xmlns:p14="http://schemas.microsoft.com/office/powerpoint/2010/main" val="2439877676"/>
       </p:ext>
     </p:extLst>
   </p:cSld>
@@ -14517,1342 +17660,27 @@
                       </p:childTnLst>
                     </p:cTn>
                   </p:par>
-                </p:childTnLst>
-              </p:cTn>
-              <p:prevCondLst>
-                <p:cond evt="onPrev" delay="0">
-                  <p:tgtEl>
-                    <p:sldTgt/>
-                  </p:tgtEl>
-                </p:cond>
-              </p:prevCondLst>
-              <p:nextCondLst>
-                <p:cond evt="onNext" delay="0">
-                  <p:tgtEl>
-                    <p:sldTgt/>
-                  </p:tgtEl>
-                </p:cond>
-              </p:nextCondLst>
-            </p:seq>
-          </p:childTnLst>
-        </p:cTn>
-      </p:par>
-    </p:tnLst>
-  </p:timing>
-</p:sld>
-</file>
-
-<file path=ppt/slides/slide24.xml><?xml version="1.0" encoding="utf-8"?>
-<p:sld xmlns:a="http://schemas.openxmlformats.org/drawingml/2006/main" xmlns:r="http://schemas.openxmlformats.org/officeDocument/2006/relationships" xmlns:p="http://schemas.openxmlformats.org/presentationml/2006/main">
-  <p:cSld>
-    <p:spTree>
-      <p:nvGrpSpPr>
-        <p:cNvPr id="1" name=""/>
-        <p:cNvGrpSpPr/>
-        <p:nvPr/>
-      </p:nvGrpSpPr>
-      <p:grpSpPr>
-        <a:xfrm>
-          <a:off x="0" y="0"/>
-          <a:ext cx="0" cy="0"/>
-          <a:chOff x="0" y="0"/>
-          <a:chExt cx="0" cy="0"/>
-        </a:xfrm>
-      </p:grpSpPr>
-      <p:sp>
-        <p:nvSpPr>
-          <p:cNvPr id="2" name="Title 1"/>
-          <p:cNvSpPr>
-            <a:spLocks noGrp="1"/>
-          </p:cNvSpPr>
-          <p:nvPr>
-            <p:ph type="title"/>
-          </p:nvPr>
-        </p:nvSpPr>
-        <p:spPr/>
-        <p:txBody>
-          <a:bodyPr/>
-          <a:lstStyle/>
-          <a:p>
-            <a:r>
-              <a:rPr lang="en-US" dirty="0"/>
-              <a:t>Almost Forgot about .</a:t>
-            </a:r>
-            <a:r>
-              <a:rPr lang="en-US" dirty="0" err="1"/>
-              <a:t>gitignore</a:t>
-            </a:r>
-            <a:endParaRPr lang="en-US" dirty="0"/>
-          </a:p>
-        </p:txBody>
-      </p:sp>
-      <p:sp>
-        <p:nvSpPr>
-          <p:cNvPr id="3" name="Content Placeholder 2"/>
-          <p:cNvSpPr>
-            <a:spLocks noGrp="1"/>
-          </p:cNvSpPr>
-          <p:nvPr>
-            <p:ph idx="1"/>
-          </p:nvPr>
-        </p:nvSpPr>
-        <p:spPr/>
-        <p:txBody>
-          <a:bodyPr>
-            <a:normAutofit/>
-          </a:bodyPr>
-          <a:lstStyle/>
-          <a:p>
-            <a:r>
-              <a:rPr lang="en-US" dirty="0" err="1"/>
-              <a:t>Git</a:t>
-            </a:r>
-            <a:r>
-              <a:rPr lang="en-US" dirty="0"/>
-              <a:t> is not the best with Binary files (.mp3, .pdf, .exe, .</a:t>
-            </a:r>
-            <a:r>
-              <a:rPr lang="en-US" dirty="0" err="1"/>
-              <a:t>FileTypeICannotReadInNotepad</a:t>
-            </a:r>
-            <a:r>
-              <a:rPr lang="en-US" dirty="0"/>
-              <a:t>)</a:t>
-            </a:r>
-          </a:p>
-          <a:p>
-            <a:r>
-              <a:rPr lang="en-US" dirty="0" smtClean="0"/>
-              <a:t>List </a:t>
-            </a:r>
-            <a:r>
-              <a:rPr lang="en-US" dirty="0"/>
-              <a:t>all the folders and files that </a:t>
-            </a:r>
-            <a:r>
-              <a:rPr lang="en-US" dirty="0" err="1"/>
-              <a:t>git</a:t>
-            </a:r>
-            <a:r>
-              <a:rPr lang="en-US" dirty="0"/>
-              <a:t> will not </a:t>
-            </a:r>
-            <a:r>
-              <a:rPr lang="en-US" dirty="0" smtClean="0"/>
-              <a:t>recognize</a:t>
-            </a:r>
-            <a:endParaRPr lang="en-US" dirty="0"/>
-          </a:p>
-          <a:p>
-            <a:r>
-              <a:rPr lang="en-US" dirty="0"/>
-              <a:t>Almost all types of projects have a standard .</a:t>
-            </a:r>
-            <a:r>
-              <a:rPr lang="en-US" dirty="0" err="1"/>
-              <a:t>gitignore</a:t>
-            </a:r>
-            <a:r>
-              <a:rPr lang="en-US" dirty="0"/>
-              <a:t> template found on </a:t>
-            </a:r>
-            <a:r>
-              <a:rPr lang="en-US" dirty="0" smtClean="0"/>
-              <a:t>GitHub</a:t>
-            </a:r>
-            <a:endParaRPr lang="en-US" dirty="0"/>
-          </a:p>
-        </p:txBody>
-      </p:sp>
-    </p:spTree>
-    <p:extLst>
-      <p:ext uri="{BB962C8B-B14F-4D97-AF65-F5344CB8AC3E}">
-        <p14:creationId xmlns:p14="http://schemas.microsoft.com/office/powerpoint/2010/main" val="3195608260"/>
-      </p:ext>
-    </p:extLst>
-  </p:cSld>
-  <p:clrMapOvr>
-    <a:masterClrMapping/>
-  </p:clrMapOvr>
-  <p:timing>
-    <p:tnLst>
-      <p:par>
-        <p:cTn id="1" dur="indefinite" restart="never" nodeType="tmRoot">
-          <p:childTnLst>
-            <p:seq concurrent="1" nextAc="seek">
-              <p:cTn id="2" dur="indefinite" nodeType="mainSeq">
-                <p:childTnLst>
                   <p:par>
-                    <p:cTn id="3" fill="hold">
+                    <p:cTn id="15" fill="hold">
                       <p:stCondLst>
                         <p:cond delay="indefinite"/>
                       </p:stCondLst>
                       <p:childTnLst>
                         <p:par>
-                          <p:cTn id="4" fill="hold">
+                          <p:cTn id="16" fill="hold">
                             <p:stCondLst>
                               <p:cond delay="0"/>
                             </p:stCondLst>
                             <p:childTnLst>
                               <p:par>
-                                <p:cTn id="5" presetID="1" presetClass="entr" presetSubtype="0" fill="hold" nodeType="clickEffect">
+                                <p:cTn id="17" presetID="1" presetClass="entr" presetSubtype="0" fill="hold" nodeType="clickEffect">
                                   <p:stCondLst>
                                     <p:cond delay="0"/>
                                   </p:stCondLst>
                                   <p:childTnLst>
                                     <p:set>
                                       <p:cBhvr>
-                                        <p:cTn id="6" dur="1" fill="hold">
-                                          <p:stCondLst>
-                                            <p:cond delay="0"/>
-                                          </p:stCondLst>
-                                        </p:cTn>
-                                        <p:tgtEl>
-                                          <p:spTgt spid="3">
-                                            <p:txEl>
-                                              <p:pRg st="1" end="1"/>
-                                            </p:txEl>
-                                          </p:spTgt>
-                                        </p:tgtEl>
-                                        <p:attrNameLst>
-                                          <p:attrName>style.visibility</p:attrName>
-                                        </p:attrNameLst>
-                                      </p:cBhvr>
-                                      <p:to>
-                                        <p:strVal val="visible"/>
-                                      </p:to>
-                                    </p:set>
-                                  </p:childTnLst>
-                                </p:cTn>
-                              </p:par>
-                            </p:childTnLst>
-                          </p:cTn>
-                        </p:par>
-                      </p:childTnLst>
-                    </p:cTn>
-                  </p:par>
-                  <p:par>
-                    <p:cTn id="7" fill="hold">
-                      <p:stCondLst>
-                        <p:cond delay="indefinite"/>
-                      </p:stCondLst>
-                      <p:childTnLst>
-                        <p:par>
-                          <p:cTn id="8" fill="hold">
-                            <p:stCondLst>
-                              <p:cond delay="0"/>
-                            </p:stCondLst>
-                            <p:childTnLst>
-                              <p:par>
-                                <p:cTn id="9" presetID="1" presetClass="entr" presetSubtype="0" fill="hold" nodeType="clickEffect">
-                                  <p:stCondLst>
-                                    <p:cond delay="0"/>
-                                  </p:stCondLst>
-                                  <p:childTnLst>
-                                    <p:set>
-                                      <p:cBhvr>
-                                        <p:cTn id="10" dur="1" fill="hold">
-                                          <p:stCondLst>
-                                            <p:cond delay="0"/>
-                                          </p:stCondLst>
-                                        </p:cTn>
-                                        <p:tgtEl>
-                                          <p:spTgt spid="3">
-                                            <p:txEl>
-                                              <p:pRg st="2" end="2"/>
-                                            </p:txEl>
-                                          </p:spTgt>
-                                        </p:tgtEl>
-                                        <p:attrNameLst>
-                                          <p:attrName>style.visibility</p:attrName>
-                                        </p:attrNameLst>
-                                      </p:cBhvr>
-                                      <p:to>
-                                        <p:strVal val="visible"/>
-                                      </p:to>
-                                    </p:set>
-                                  </p:childTnLst>
-                                </p:cTn>
-                              </p:par>
-                            </p:childTnLst>
-                          </p:cTn>
-                        </p:par>
-                      </p:childTnLst>
-                    </p:cTn>
-                  </p:par>
-                </p:childTnLst>
-              </p:cTn>
-              <p:prevCondLst>
-                <p:cond evt="onPrev" delay="0">
-                  <p:tgtEl>
-                    <p:sldTgt/>
-                  </p:tgtEl>
-                </p:cond>
-              </p:prevCondLst>
-              <p:nextCondLst>
-                <p:cond evt="onNext" delay="0">
-                  <p:tgtEl>
-                    <p:sldTgt/>
-                  </p:tgtEl>
-                </p:cond>
-              </p:nextCondLst>
-            </p:seq>
-          </p:childTnLst>
-        </p:cTn>
-      </p:par>
-    </p:tnLst>
-  </p:timing>
-</p:sld>
-</file>
-
-<file path=ppt/slides/slide25.xml><?xml version="1.0" encoding="utf-8"?>
-<p:sld xmlns:a="http://schemas.openxmlformats.org/drawingml/2006/main" xmlns:r="http://schemas.openxmlformats.org/officeDocument/2006/relationships" xmlns:p="http://schemas.openxmlformats.org/presentationml/2006/main">
-  <p:cSld>
-    <p:spTree>
-      <p:nvGrpSpPr>
-        <p:cNvPr id="1" name=""/>
-        <p:cNvGrpSpPr/>
-        <p:nvPr/>
-      </p:nvGrpSpPr>
-      <p:grpSpPr>
-        <a:xfrm>
-          <a:off x="0" y="0"/>
-          <a:ext cx="0" cy="0"/>
-          <a:chOff x="0" y="0"/>
-          <a:chExt cx="0" cy="0"/>
-        </a:xfrm>
-      </p:grpSpPr>
-      <p:sp>
-        <p:nvSpPr>
-          <p:cNvPr id="2" name="Title 1"/>
-          <p:cNvSpPr>
-            <a:spLocks noGrp="1"/>
-          </p:cNvSpPr>
-          <p:nvPr>
-            <p:ph type="title"/>
-          </p:nvPr>
-        </p:nvSpPr>
-        <p:spPr/>
-        <p:txBody>
-          <a:bodyPr/>
-          <a:lstStyle/>
-          <a:p>
-            <a:r>
-              <a:rPr lang="en-US" dirty="0" smtClean="0"/>
-              <a:t>Merge Conflicts</a:t>
-            </a:r>
-            <a:endParaRPr lang="en-US" dirty="0"/>
-          </a:p>
-        </p:txBody>
-      </p:sp>
-      <p:sp>
-        <p:nvSpPr>
-          <p:cNvPr id="3" name="Content Placeholder 2"/>
-          <p:cNvSpPr>
-            <a:spLocks noGrp="1"/>
-          </p:cNvSpPr>
-          <p:nvPr>
-            <p:ph idx="1"/>
-          </p:nvPr>
-        </p:nvSpPr>
-        <p:spPr/>
-        <p:txBody>
-          <a:bodyPr>
-            <a:normAutofit/>
-          </a:bodyPr>
-          <a:lstStyle/>
-          <a:p>
-            <a:r>
-              <a:rPr lang="en-US" sz="4000" dirty="0" smtClean="0"/>
-              <a:t>Not that scary</a:t>
-            </a:r>
-          </a:p>
-          <a:p>
-            <a:r>
-              <a:rPr lang="en-US" sz="4000" dirty="0" smtClean="0"/>
-              <a:t>Happens when same lines are altered in two different commits</a:t>
-            </a:r>
-          </a:p>
-          <a:p>
-            <a:r>
-              <a:rPr lang="en-US" sz="4000" dirty="0"/>
-              <a:t>D</a:t>
-            </a:r>
-            <a:r>
-              <a:rPr lang="en-US" sz="4000" dirty="0" smtClean="0"/>
-              <a:t>ebunking </a:t>
-            </a:r>
-            <a:r>
-              <a:rPr lang="en-US" sz="4000" dirty="0"/>
-              <a:t>the </a:t>
-            </a:r>
-            <a:r>
-              <a:rPr lang="en-US" sz="4000" dirty="0" smtClean="0"/>
-              <a:t>myth that merge conflicts are hard</a:t>
-            </a:r>
-            <a:endParaRPr lang="en-US" sz="4000" dirty="0"/>
-          </a:p>
-        </p:txBody>
-      </p:sp>
-    </p:spTree>
-    <p:extLst>
-      <p:ext uri="{BB962C8B-B14F-4D97-AF65-F5344CB8AC3E}">
-        <p14:creationId xmlns:p14="http://schemas.microsoft.com/office/powerpoint/2010/main" val="1770238503"/>
-      </p:ext>
-    </p:extLst>
-  </p:cSld>
-  <p:clrMapOvr>
-    <a:masterClrMapping/>
-  </p:clrMapOvr>
-  <p:timing>
-    <p:tnLst>
-      <p:par>
-        <p:cTn id="1" dur="indefinite" restart="never" nodeType="tmRoot"/>
-      </p:par>
-    </p:tnLst>
-  </p:timing>
-</p:sld>
-</file>
-
-<file path=ppt/slides/slide26.xml><?xml version="1.0" encoding="utf-8"?>
-<p:sld xmlns:a="http://schemas.openxmlformats.org/drawingml/2006/main" xmlns:r="http://schemas.openxmlformats.org/officeDocument/2006/relationships" xmlns:p="http://schemas.openxmlformats.org/presentationml/2006/main">
-  <p:cSld>
-    <p:spTree>
-      <p:nvGrpSpPr>
-        <p:cNvPr id="1" name=""/>
-        <p:cNvGrpSpPr/>
-        <p:nvPr/>
-      </p:nvGrpSpPr>
-      <p:grpSpPr>
-        <a:xfrm>
-          <a:off x="0" y="0"/>
-          <a:ext cx="0" cy="0"/>
-          <a:chOff x="0" y="0"/>
-          <a:chExt cx="0" cy="0"/>
-        </a:xfrm>
-      </p:grpSpPr>
-      <p:pic>
-        <p:nvPicPr>
-          <p:cNvPr id="6" name="Picture 5"/>
-          <p:cNvPicPr>
-            <a:picLocks noChangeAspect="1"/>
-          </p:cNvPicPr>
-          <p:nvPr/>
-        </p:nvPicPr>
-        <p:blipFill>
-          <a:blip r:embed="rId2"/>
-          <a:stretch>
-            <a:fillRect/>
-          </a:stretch>
-        </p:blipFill>
-        <p:spPr>
-          <a:xfrm>
-            <a:off x="381000" y="990600"/>
-            <a:ext cx="3105150" cy="2428875"/>
-          </a:xfrm>
-          <a:prstGeom prst="rect">
-            <a:avLst/>
-          </a:prstGeom>
-        </p:spPr>
-      </p:pic>
-      <p:pic>
-        <p:nvPicPr>
-          <p:cNvPr id="7" name="Picture 6"/>
-          <p:cNvPicPr>
-            <a:picLocks noChangeAspect="1"/>
-          </p:cNvPicPr>
-          <p:nvPr/>
-        </p:nvPicPr>
-        <p:blipFill>
-          <a:blip r:embed="rId3"/>
-          <a:stretch>
-            <a:fillRect/>
-          </a:stretch>
-        </p:blipFill>
-        <p:spPr>
-          <a:xfrm>
-            <a:off x="4876800" y="990600"/>
-            <a:ext cx="3105150" cy="2438400"/>
-          </a:xfrm>
-          <a:prstGeom prst="rect">
-            <a:avLst/>
-          </a:prstGeom>
-        </p:spPr>
-      </p:pic>
-      <p:sp>
-        <p:nvSpPr>
-          <p:cNvPr id="8" name="TextBox 7"/>
-          <p:cNvSpPr txBox="1"/>
-          <p:nvPr/>
-        </p:nvSpPr>
-        <p:spPr>
-          <a:xfrm>
-            <a:off x="990600" y="457200"/>
-            <a:ext cx="2090124" cy="369332"/>
-          </a:xfrm>
-          <a:prstGeom prst="rect">
-            <a:avLst/>
-          </a:prstGeom>
-          <a:noFill/>
-        </p:spPr>
-        <p:txBody>
-          <a:bodyPr wrap="none" rtlCol="0">
-            <a:spAutoFit/>
-          </a:bodyPr>
-          <a:lstStyle/>
-          <a:p>
-            <a:r>
-              <a:rPr lang="en-US" dirty="0" smtClean="0"/>
-              <a:t>Commit from User 1</a:t>
-            </a:r>
-            <a:endParaRPr lang="en-US" dirty="0"/>
-          </a:p>
-        </p:txBody>
-      </p:sp>
-      <p:sp>
-        <p:nvSpPr>
-          <p:cNvPr id="9" name="TextBox 8"/>
-          <p:cNvSpPr txBox="1"/>
-          <p:nvPr/>
-        </p:nvSpPr>
-        <p:spPr>
-          <a:xfrm>
-            <a:off x="5334000" y="457200"/>
-            <a:ext cx="2090124" cy="369332"/>
-          </a:xfrm>
-          <a:prstGeom prst="rect">
-            <a:avLst/>
-          </a:prstGeom>
-          <a:noFill/>
-        </p:spPr>
-        <p:txBody>
-          <a:bodyPr wrap="none" rtlCol="0">
-            <a:spAutoFit/>
-          </a:bodyPr>
-          <a:lstStyle/>
-          <a:p>
-            <a:r>
-              <a:rPr lang="en-US" dirty="0" smtClean="0"/>
-              <a:t>Commit from User 2</a:t>
-            </a:r>
-            <a:endParaRPr lang="en-US" dirty="0"/>
-          </a:p>
-        </p:txBody>
-      </p:sp>
-      <p:sp>
-        <p:nvSpPr>
-          <p:cNvPr id="10" name="TextBox 9"/>
-          <p:cNvSpPr txBox="1"/>
-          <p:nvPr/>
-        </p:nvSpPr>
-        <p:spPr>
-          <a:xfrm>
-            <a:off x="1676400" y="4648200"/>
-            <a:ext cx="5882636" cy="923330"/>
-          </a:xfrm>
-          <a:prstGeom prst="rect">
-            <a:avLst/>
-          </a:prstGeom>
-          <a:noFill/>
-        </p:spPr>
-        <p:txBody>
-          <a:bodyPr wrap="none" rtlCol="0">
-            <a:spAutoFit/>
-          </a:bodyPr>
-          <a:lstStyle/>
-          <a:p>
-            <a:pPr algn="ctr"/>
-            <a:r>
-              <a:rPr lang="en-US" dirty="0" smtClean="0"/>
-              <a:t>Merge Conflict will need to be resolved before able to merge</a:t>
-            </a:r>
-          </a:p>
-          <a:p>
-            <a:pPr algn="ctr"/>
-            <a:endParaRPr lang="en-US" dirty="0"/>
-          </a:p>
-          <a:p>
-            <a:pPr algn="ctr"/>
-            <a:r>
-              <a:rPr lang="en-US" dirty="0" smtClean="0"/>
-              <a:t>Just open the file in text editor</a:t>
-            </a:r>
-            <a:endParaRPr lang="en-US" dirty="0"/>
-          </a:p>
-        </p:txBody>
-      </p:sp>
-    </p:spTree>
-    <p:extLst>
-      <p:ext uri="{BB962C8B-B14F-4D97-AF65-F5344CB8AC3E}">
-        <p14:creationId xmlns:p14="http://schemas.microsoft.com/office/powerpoint/2010/main" val="641120538"/>
-      </p:ext>
-    </p:extLst>
-  </p:cSld>
-  <p:clrMapOvr>
-    <a:masterClrMapping/>
-  </p:clrMapOvr>
-  <p:timing>
-    <p:tnLst>
-      <p:par>
-        <p:cTn id="1" dur="indefinite" restart="never" nodeType="tmRoot"/>
-      </p:par>
-    </p:tnLst>
-  </p:timing>
-</p:sld>
-</file>
-
-<file path=ppt/slides/slide27.xml><?xml version="1.0" encoding="utf-8"?>
-<p:sld xmlns:a="http://schemas.openxmlformats.org/drawingml/2006/main" xmlns:r="http://schemas.openxmlformats.org/officeDocument/2006/relationships" xmlns:p="http://schemas.openxmlformats.org/presentationml/2006/main">
-  <p:cSld>
-    <p:spTree>
-      <p:nvGrpSpPr>
-        <p:cNvPr id="1" name=""/>
-        <p:cNvGrpSpPr/>
-        <p:nvPr/>
-      </p:nvGrpSpPr>
-      <p:grpSpPr>
-        <a:xfrm>
-          <a:off x="0" y="0"/>
-          <a:ext cx="0" cy="0"/>
-          <a:chOff x="0" y="0"/>
-          <a:chExt cx="0" cy="0"/>
-        </a:xfrm>
-      </p:grpSpPr>
-      <p:sp>
-        <p:nvSpPr>
-          <p:cNvPr id="8" name="TextBox 7"/>
-          <p:cNvSpPr txBox="1"/>
-          <p:nvPr/>
-        </p:nvSpPr>
-        <p:spPr>
-          <a:xfrm>
-            <a:off x="3443358" y="304800"/>
-            <a:ext cx="2348720" cy="369332"/>
-          </a:xfrm>
-          <a:prstGeom prst="rect">
-            <a:avLst/>
-          </a:prstGeom>
-          <a:noFill/>
-        </p:spPr>
-        <p:txBody>
-          <a:bodyPr wrap="none" rtlCol="0">
-            <a:spAutoFit/>
-          </a:bodyPr>
-          <a:lstStyle/>
-          <a:p>
-            <a:r>
-              <a:rPr lang="en-US" dirty="0" smtClean="0"/>
-              <a:t>The Merge Conflict File</a:t>
-            </a:r>
-            <a:endParaRPr lang="en-US" dirty="0"/>
-          </a:p>
-        </p:txBody>
-      </p:sp>
-      <p:sp>
-        <p:nvSpPr>
-          <p:cNvPr id="10" name="TextBox 9"/>
-          <p:cNvSpPr txBox="1"/>
-          <p:nvPr/>
-        </p:nvSpPr>
-        <p:spPr>
-          <a:xfrm>
-            <a:off x="2357554" y="4648200"/>
-            <a:ext cx="4520340" cy="923330"/>
-          </a:xfrm>
-          <a:prstGeom prst="rect">
-            <a:avLst/>
-          </a:prstGeom>
-          <a:noFill/>
-        </p:spPr>
-        <p:txBody>
-          <a:bodyPr wrap="none" rtlCol="0">
-            <a:spAutoFit/>
-          </a:bodyPr>
-          <a:lstStyle/>
-          <a:p>
-            <a:pPr algn="ctr"/>
-            <a:r>
-              <a:rPr lang="en-US" dirty="0" smtClean="0"/>
-              <a:t>Change file to look the way you want and save</a:t>
-            </a:r>
-          </a:p>
-          <a:p>
-            <a:pPr algn="ctr"/>
-            <a:endParaRPr lang="en-US" dirty="0"/>
-          </a:p>
-          <a:p>
-            <a:pPr algn="ctr"/>
-            <a:r>
-              <a:rPr lang="en-US" smtClean="0"/>
-              <a:t>…simple, I know</a:t>
-            </a:r>
-            <a:endParaRPr lang="en-US" dirty="0"/>
-          </a:p>
-        </p:txBody>
-      </p:sp>
-      <p:pic>
-        <p:nvPicPr>
-          <p:cNvPr id="2" name="Picture 1"/>
-          <p:cNvPicPr>
-            <a:picLocks noChangeAspect="1"/>
-          </p:cNvPicPr>
-          <p:nvPr/>
-        </p:nvPicPr>
-        <p:blipFill>
-          <a:blip r:embed="rId2"/>
-          <a:stretch>
-            <a:fillRect/>
-          </a:stretch>
-        </p:blipFill>
-        <p:spPr>
-          <a:xfrm>
-            <a:off x="3074668" y="914400"/>
-            <a:ext cx="3086100" cy="3209925"/>
-          </a:xfrm>
-          <a:prstGeom prst="rect">
-            <a:avLst/>
-          </a:prstGeom>
-        </p:spPr>
-      </p:pic>
-    </p:spTree>
-    <p:extLst>
-      <p:ext uri="{BB962C8B-B14F-4D97-AF65-F5344CB8AC3E}">
-        <p14:creationId xmlns:p14="http://schemas.microsoft.com/office/powerpoint/2010/main" val="4122019069"/>
-      </p:ext>
-    </p:extLst>
-  </p:cSld>
-  <p:clrMapOvr>
-    <a:masterClrMapping/>
-  </p:clrMapOvr>
-  <p:timing>
-    <p:tnLst>
-      <p:par>
-        <p:cTn id="1" dur="indefinite" restart="never" nodeType="tmRoot"/>
-      </p:par>
-    </p:tnLst>
-  </p:timing>
-</p:sld>
-</file>
-
-<file path=ppt/slides/slide28.xml><?xml version="1.0" encoding="utf-8"?>
-<p:sld xmlns:a="http://schemas.openxmlformats.org/drawingml/2006/main" xmlns:r="http://schemas.openxmlformats.org/officeDocument/2006/relationships" xmlns:p="http://schemas.openxmlformats.org/presentationml/2006/main">
-  <p:cSld>
-    <p:spTree>
-      <p:nvGrpSpPr>
-        <p:cNvPr id="1" name=""/>
-        <p:cNvGrpSpPr/>
-        <p:nvPr/>
-      </p:nvGrpSpPr>
-      <p:grpSpPr>
-        <a:xfrm>
-          <a:off x="0" y="0"/>
-          <a:ext cx="0" cy="0"/>
-          <a:chOff x="0" y="0"/>
-          <a:chExt cx="0" cy="0"/>
-        </a:xfrm>
-      </p:grpSpPr>
-      <p:sp>
-        <p:nvSpPr>
-          <p:cNvPr id="2" name="Title 1"/>
-          <p:cNvSpPr>
-            <a:spLocks noGrp="1"/>
-          </p:cNvSpPr>
-          <p:nvPr>
-            <p:ph type="title"/>
-          </p:nvPr>
-        </p:nvSpPr>
-        <p:spPr/>
-        <p:txBody>
-          <a:bodyPr/>
-          <a:lstStyle/>
-          <a:p>
-            <a:r>
-              <a:rPr lang="en-US" dirty="0"/>
-              <a:t>GitHub GUI – Make new repo</a:t>
-            </a:r>
-          </a:p>
-        </p:txBody>
-      </p:sp>
-      <p:sp>
-        <p:nvSpPr>
-          <p:cNvPr id="3" name="Content Placeholder 2"/>
-          <p:cNvSpPr>
-            <a:spLocks noGrp="1"/>
-          </p:cNvSpPr>
-          <p:nvPr>
-            <p:ph idx="1"/>
-          </p:nvPr>
-        </p:nvSpPr>
-        <p:spPr/>
-        <p:txBody>
-          <a:bodyPr>
-            <a:normAutofit fontScale="92500" lnSpcReduction="10000"/>
-          </a:bodyPr>
-          <a:lstStyle/>
-          <a:p>
-            <a:r>
-              <a:rPr lang="en-US" dirty="0"/>
-              <a:t>Can either create online or bring it to local computer</a:t>
-            </a:r>
-          </a:p>
-          <a:p>
-            <a:r>
-              <a:rPr lang="en-US" dirty="0"/>
-              <a:t>Start new repository and push to GitHub when ready (If using a private repo, why wait)</a:t>
-            </a:r>
-          </a:p>
-          <a:p>
-            <a:pPr lvl="1"/>
-            <a:r>
-              <a:rPr lang="en-US" dirty="0"/>
-              <a:t>HUGE SIDE NOTE: Go here if you haven’t before </a:t>
-            </a:r>
-            <a:r>
-              <a:rPr lang="en-US" dirty="0">
-                <a:hlinkClick r:id="rId2"/>
-              </a:rPr>
-              <a:t>https://education.github.com/pack/offers</a:t>
-            </a:r>
-            <a:r>
-              <a:rPr lang="en-US" dirty="0"/>
-              <a:t> and get your free private repositories</a:t>
-            </a:r>
-          </a:p>
-          <a:p>
-            <a:r>
-              <a:rPr lang="en-US" dirty="0"/>
-              <a:t>Can take a current set of code and make it into a </a:t>
-            </a:r>
-            <a:r>
-              <a:rPr lang="en-US" dirty="0" err="1"/>
-              <a:t>Git</a:t>
-            </a:r>
-            <a:r>
-              <a:rPr lang="en-US" dirty="0"/>
-              <a:t> repo </a:t>
-            </a:r>
-          </a:p>
-          <a:p>
-            <a:pPr lvl="1"/>
-            <a:r>
-              <a:rPr lang="en-US" dirty="0"/>
-              <a:t>Will have no history prior to initialization of </a:t>
-            </a:r>
-            <a:r>
-              <a:rPr lang="en-US" dirty="0" err="1"/>
-              <a:t>git</a:t>
-            </a:r>
-            <a:endParaRPr lang="en-US" dirty="0"/>
-          </a:p>
-        </p:txBody>
-      </p:sp>
-    </p:spTree>
-    <p:extLst>
-      <p:ext uri="{BB962C8B-B14F-4D97-AF65-F5344CB8AC3E}">
-        <p14:creationId xmlns:p14="http://schemas.microsoft.com/office/powerpoint/2010/main" val="3309361143"/>
-      </p:ext>
-    </p:extLst>
-  </p:cSld>
-  <p:clrMapOvr>
-    <a:masterClrMapping/>
-  </p:clrMapOvr>
-  <p:timing>
-    <p:tnLst>
-      <p:par>
-        <p:cTn id="1" dur="indefinite" restart="never" nodeType="tmRoot"/>
-      </p:par>
-    </p:tnLst>
-  </p:timing>
-</p:sld>
-</file>
-
-<file path=ppt/slides/slide29.xml><?xml version="1.0" encoding="utf-8"?>
-<p:sld xmlns:a="http://schemas.openxmlformats.org/drawingml/2006/main" xmlns:r="http://schemas.openxmlformats.org/officeDocument/2006/relationships" xmlns:p="http://schemas.openxmlformats.org/presentationml/2006/main">
-  <p:cSld>
-    <p:spTree>
-      <p:nvGrpSpPr>
-        <p:cNvPr id="1" name=""/>
-        <p:cNvGrpSpPr/>
-        <p:nvPr/>
-      </p:nvGrpSpPr>
-      <p:grpSpPr>
-        <a:xfrm>
-          <a:off x="0" y="0"/>
-          <a:ext cx="0" cy="0"/>
-          <a:chOff x="0" y="0"/>
-          <a:chExt cx="0" cy="0"/>
-        </a:xfrm>
-      </p:grpSpPr>
-      <p:sp>
-        <p:nvSpPr>
-          <p:cNvPr id="2" name="Title 1"/>
-          <p:cNvSpPr>
-            <a:spLocks noGrp="1"/>
-          </p:cNvSpPr>
-          <p:nvPr>
-            <p:ph type="title"/>
-          </p:nvPr>
-        </p:nvSpPr>
-        <p:spPr/>
-        <p:txBody>
-          <a:bodyPr/>
-          <a:lstStyle/>
-          <a:p>
-            <a:r>
-              <a:rPr lang="en-US" dirty="0"/>
-              <a:t>How to use GUI</a:t>
-            </a:r>
-          </a:p>
-        </p:txBody>
-      </p:sp>
-      <p:sp>
-        <p:nvSpPr>
-          <p:cNvPr id="3" name="Content Placeholder 2"/>
-          <p:cNvSpPr>
-            <a:spLocks noGrp="1"/>
-          </p:cNvSpPr>
-          <p:nvPr>
-            <p:ph idx="1"/>
-          </p:nvPr>
-        </p:nvSpPr>
-        <p:spPr/>
-        <p:txBody>
-          <a:bodyPr>
-            <a:normAutofit lnSpcReduction="10000"/>
-          </a:bodyPr>
-          <a:lstStyle/>
-          <a:p>
-            <a:r>
-              <a:rPr lang="en-US" dirty="0"/>
-              <a:t>If you want to learn more go here: </a:t>
-            </a:r>
-            <a:r>
-              <a:rPr lang="en-US" dirty="0">
-                <a:hlinkClick r:id="rId2"/>
-              </a:rPr>
-              <a:t>https://guides.github.com/</a:t>
-            </a:r>
-            <a:endParaRPr lang="en-US" dirty="0"/>
-          </a:p>
-          <a:p>
-            <a:endParaRPr lang="en-US" dirty="0"/>
-          </a:p>
-          <a:p>
-            <a:r>
-              <a:rPr lang="en-US" dirty="0"/>
-              <a:t>If you want to get this repo go here</a:t>
-            </a:r>
-          </a:p>
-          <a:p>
-            <a:r>
-              <a:rPr lang="en-US" sz="2200" dirty="0">
-                <a:hlinkClick r:id="rId3"/>
-              </a:rPr>
-              <a:t>https://github.com/sjfricke/IEEE_RaspberryPi_Socket_Pokemon</a:t>
-            </a:r>
-            <a:endParaRPr lang="en-US" sz="2200" dirty="0"/>
-          </a:p>
-          <a:p>
-            <a:endParaRPr lang="en-US" dirty="0"/>
-          </a:p>
-          <a:p>
-            <a:r>
-              <a:rPr lang="en-US" dirty="0"/>
-              <a:t>Click the “Clone or Download” button and Clone it to your desktop (will open Desktop GUI for you)</a:t>
-            </a:r>
-          </a:p>
-          <a:p>
-            <a:endParaRPr lang="en-US" dirty="0"/>
-          </a:p>
-        </p:txBody>
-      </p:sp>
-    </p:spTree>
-    <p:extLst>
-      <p:ext uri="{BB962C8B-B14F-4D97-AF65-F5344CB8AC3E}">
-        <p14:creationId xmlns:p14="http://schemas.microsoft.com/office/powerpoint/2010/main" val="3337959253"/>
-      </p:ext>
-    </p:extLst>
-  </p:cSld>
-  <p:clrMapOvr>
-    <a:masterClrMapping/>
-  </p:clrMapOvr>
-</p:sld>
-</file>
-
-<file path=ppt/slides/slide3.xml><?xml version="1.0" encoding="utf-8"?>
-<p:sld xmlns:a="http://schemas.openxmlformats.org/drawingml/2006/main" xmlns:r="http://schemas.openxmlformats.org/officeDocument/2006/relationships" xmlns:p="http://schemas.openxmlformats.org/presentationml/2006/main">
-  <p:cSld>
-    <p:spTree>
-      <p:nvGrpSpPr>
-        <p:cNvPr id="1" name=""/>
-        <p:cNvGrpSpPr/>
-        <p:nvPr/>
-      </p:nvGrpSpPr>
-      <p:grpSpPr>
-        <a:xfrm>
-          <a:off x="0" y="0"/>
-          <a:ext cx="0" cy="0"/>
-          <a:chOff x="0" y="0"/>
-          <a:chExt cx="0" cy="0"/>
-        </a:xfrm>
-      </p:grpSpPr>
-      <p:sp>
-        <p:nvSpPr>
-          <p:cNvPr id="2" name="Title 1"/>
-          <p:cNvSpPr>
-            <a:spLocks noGrp="1"/>
-          </p:cNvSpPr>
-          <p:nvPr>
-            <p:ph type="title"/>
-          </p:nvPr>
-        </p:nvSpPr>
-        <p:spPr/>
-        <p:txBody>
-          <a:bodyPr/>
-          <a:lstStyle/>
-          <a:p>
-            <a:r>
-              <a:rPr lang="en-US" dirty="0"/>
-              <a:t>Ways to use </a:t>
-            </a:r>
-            <a:r>
-              <a:rPr lang="en-US" dirty="0" err="1"/>
-              <a:t>Git</a:t>
-            </a:r>
-            <a:endParaRPr lang="en-US" dirty="0"/>
-          </a:p>
-        </p:txBody>
-      </p:sp>
-      <p:sp>
-        <p:nvSpPr>
-          <p:cNvPr id="3" name="Content Placeholder 2"/>
-          <p:cNvSpPr>
-            <a:spLocks noGrp="1"/>
-          </p:cNvSpPr>
-          <p:nvPr>
-            <p:ph idx="1"/>
-          </p:nvPr>
-        </p:nvSpPr>
-        <p:spPr>
-          <a:xfrm>
-            <a:off x="457200" y="1600200"/>
-            <a:ext cx="8229600" cy="4953000"/>
-          </a:xfrm>
-        </p:spPr>
-        <p:txBody>
-          <a:bodyPr/>
-          <a:lstStyle/>
-          <a:p>
-            <a:r>
-              <a:rPr lang="en-US" sz="2800" dirty="0"/>
-              <a:t>There are pretty much two main ways to use </a:t>
-            </a:r>
-            <a:r>
-              <a:rPr lang="en-US" sz="2800" dirty="0" err="1"/>
-              <a:t>Git</a:t>
-            </a:r>
-            <a:endParaRPr lang="en-US" sz="2800" dirty="0"/>
-          </a:p>
-          <a:p>
-            <a:pPr lvl="1"/>
-            <a:r>
-              <a:rPr lang="en-US" dirty="0"/>
-              <a:t>Command Lines</a:t>
-            </a:r>
-          </a:p>
-          <a:p>
-            <a:pPr lvl="2"/>
-            <a:r>
-              <a:rPr lang="en-US" b="1" dirty="0"/>
-              <a:t>Pros</a:t>
-            </a:r>
-            <a:r>
-              <a:rPr lang="en-US" dirty="0"/>
-              <a:t>: You are really forced to understand </a:t>
-            </a:r>
-            <a:r>
-              <a:rPr lang="en-US" dirty="0" err="1"/>
-              <a:t>Git</a:t>
-            </a:r>
-            <a:endParaRPr lang="en-US" dirty="0"/>
-          </a:p>
-          <a:p>
-            <a:pPr lvl="2"/>
-            <a:r>
-              <a:rPr lang="en-US" b="1" dirty="0"/>
-              <a:t>Cons</a:t>
-            </a:r>
-            <a:r>
-              <a:rPr lang="en-US" dirty="0"/>
-              <a:t>: You are really forced to understand </a:t>
-            </a:r>
-            <a:r>
-              <a:rPr lang="en-US" dirty="0" err="1"/>
-              <a:t>Git</a:t>
-            </a:r>
-            <a:endParaRPr lang="en-US" dirty="0"/>
-          </a:p>
-          <a:p>
-            <a:pPr lvl="1"/>
-            <a:r>
-              <a:rPr lang="en-US" dirty="0"/>
-              <a:t>GUI Tools (GitHub Desktop, </a:t>
-            </a:r>
-            <a:r>
-              <a:rPr lang="en-US" dirty="0" err="1"/>
-              <a:t>Git</a:t>
-            </a:r>
-            <a:r>
-              <a:rPr lang="en-US" dirty="0"/>
-              <a:t> Extensions, </a:t>
-            </a:r>
-            <a:r>
-              <a:rPr lang="en-US" dirty="0" err="1"/>
-              <a:t>etc</a:t>
-            </a:r>
-            <a:r>
-              <a:rPr lang="en-US" dirty="0"/>
-              <a:t>)</a:t>
-            </a:r>
-          </a:p>
-          <a:p>
-            <a:pPr lvl="2"/>
-            <a:r>
-              <a:rPr lang="en-US" b="1" dirty="0"/>
-              <a:t>Pros</a:t>
-            </a:r>
-            <a:r>
-              <a:rPr lang="en-US" dirty="0"/>
-              <a:t>: Way easier to use and manage code</a:t>
-            </a:r>
-          </a:p>
-          <a:p>
-            <a:pPr lvl="2"/>
-            <a:r>
-              <a:rPr lang="en-US" b="1" dirty="0"/>
-              <a:t>Cons</a:t>
-            </a:r>
-            <a:r>
-              <a:rPr lang="en-US" dirty="0"/>
-              <a:t>: This is how you look to some people</a:t>
-            </a:r>
-          </a:p>
-        </p:txBody>
-      </p:sp>
-      <p:pic>
-        <p:nvPicPr>
-          <p:cNvPr id="2050" name="Picture 2"/>
-          <p:cNvPicPr>
-            <a:picLocks noChangeAspect="1" noChangeArrowheads="1"/>
-          </p:cNvPicPr>
-          <p:nvPr/>
-        </p:nvPicPr>
-        <p:blipFill>
-          <a:blip r:embed="rId2" cstate="print">
-            <a:extLst>
-              <a:ext uri="{28A0092B-C50C-407E-A947-70E740481C1C}">
-                <a14:useLocalDpi xmlns:a14="http://schemas.microsoft.com/office/drawing/2010/main" val="0"/>
-              </a:ext>
-            </a:extLst>
-          </a:blip>
-          <a:srcRect/>
-          <a:stretch>
-            <a:fillRect/>
-          </a:stretch>
-        </p:blipFill>
-        <p:spPr bwMode="auto">
-          <a:xfrm>
-            <a:off x="3276600" y="4842508"/>
-            <a:ext cx="2514600" cy="1873377"/>
-          </a:xfrm>
-          <a:prstGeom prst="rect">
-            <a:avLst/>
-          </a:prstGeom>
-          <a:noFill/>
-          <a:ln>
-            <a:noFill/>
-          </a:ln>
-          <a:effectLst/>
-          <a:extLst>
-            <a:ext uri="{909E8E84-426E-40DD-AFC4-6F175D3DCCD1}">
-              <a14:hiddenFill xmlns:a14="http://schemas.microsoft.com/office/drawing/2010/main">
-                <a:solidFill>
-                  <a:schemeClr val="accent1"/>
-                </a:solidFill>
-              </a14:hiddenFill>
-            </a:ext>
-            <a:ext uri="{91240B29-F687-4F45-9708-019B960494DF}">
-              <a14:hiddenLine xmlns:a14="http://schemas.microsoft.com/office/drawing/2010/main" w="9525">
-                <a:solidFill>
-                  <a:schemeClr val="tx1"/>
-                </a:solidFill>
-                <a:miter lim="800000"/>
-                <a:headEnd/>
-                <a:tailEnd/>
-              </a14:hiddenLine>
-            </a:ext>
-            <a:ext uri="{AF507438-7753-43E0-B8FC-AC1667EBCBE1}">
-              <a14:hiddenEffects xmlns:a14="http://schemas.microsoft.com/office/drawing/2010/main">
-                <a:effectLst>
-                  <a:outerShdw dist="35921" dir="2700000" algn="ctr" rotWithShape="0">
-                    <a:schemeClr val="bg2"/>
-                  </a:outerShdw>
-                </a:effectLst>
-              </a14:hiddenEffects>
-            </a:ext>
-          </a:extLst>
-        </p:spPr>
-      </p:pic>
-    </p:spTree>
-    <p:extLst>
-      <p:ext uri="{BB962C8B-B14F-4D97-AF65-F5344CB8AC3E}">
-        <p14:creationId xmlns:p14="http://schemas.microsoft.com/office/powerpoint/2010/main" val="2439877676"/>
-      </p:ext>
-    </p:extLst>
-  </p:cSld>
-  <p:clrMapOvr>
-    <a:masterClrMapping/>
-  </p:clrMapOvr>
-  <p:timing>
-    <p:tnLst>
-      <p:par>
-        <p:cTn id="1" dur="indefinite" restart="never" nodeType="tmRoot">
-          <p:childTnLst>
-            <p:seq concurrent="1" nextAc="seek">
-              <p:cTn id="2" dur="indefinite" nodeType="mainSeq">
-                <p:childTnLst>
-                  <p:par>
-                    <p:cTn id="3" fill="hold">
-                      <p:stCondLst>
-                        <p:cond delay="indefinite"/>
-                      </p:stCondLst>
-                      <p:childTnLst>
-                        <p:par>
-                          <p:cTn id="4" fill="hold">
-                            <p:stCondLst>
-                              <p:cond delay="0"/>
-                            </p:stCondLst>
-                            <p:childTnLst>
-                              <p:par>
-                                <p:cTn id="5" presetID="1" presetClass="entr" presetSubtype="0" fill="hold" nodeType="clickEffect">
-                                  <p:stCondLst>
-                                    <p:cond delay="0"/>
-                                  </p:stCondLst>
-                                  <p:childTnLst>
-                                    <p:set>
-                                      <p:cBhvr>
-                                        <p:cTn id="6" dur="1" fill="hold">
-                                          <p:stCondLst>
-                                            <p:cond delay="0"/>
-                                          </p:stCondLst>
-                                        </p:cTn>
-                                        <p:tgtEl>
-                                          <p:spTgt spid="3">
-                                            <p:txEl>
-                                              <p:pRg st="1" end="1"/>
-                                            </p:txEl>
-                                          </p:spTgt>
-                                        </p:tgtEl>
-                                        <p:attrNameLst>
-                                          <p:attrName>style.visibility</p:attrName>
-                                        </p:attrNameLst>
-                                      </p:cBhvr>
-                                      <p:to>
-                                        <p:strVal val="visible"/>
-                                      </p:to>
-                                    </p:set>
-                                  </p:childTnLst>
-                                </p:cTn>
-                              </p:par>
-                              <p:par>
-                                <p:cTn id="7" presetID="1" presetClass="entr" presetSubtype="0" fill="hold" nodeType="withEffect">
-                                  <p:stCondLst>
-                                    <p:cond delay="0"/>
-                                  </p:stCondLst>
-                                  <p:childTnLst>
-                                    <p:set>
-                                      <p:cBhvr>
-                                        <p:cTn id="8" dur="1" fill="hold">
-                                          <p:stCondLst>
-                                            <p:cond delay="0"/>
-                                          </p:stCondLst>
-                                        </p:cTn>
-                                        <p:tgtEl>
-                                          <p:spTgt spid="3">
-                                            <p:txEl>
-                                              <p:pRg st="2" end="2"/>
-                                            </p:txEl>
-                                          </p:spTgt>
-                                        </p:tgtEl>
-                                        <p:attrNameLst>
-                                          <p:attrName>style.visibility</p:attrName>
-                                        </p:attrNameLst>
-                                      </p:cBhvr>
-                                      <p:to>
-                                        <p:strVal val="visible"/>
-                                      </p:to>
-                                    </p:set>
-                                  </p:childTnLst>
-                                </p:cTn>
-                              </p:par>
-                              <p:par>
-                                <p:cTn id="9" presetID="1" presetClass="entr" presetSubtype="0" fill="hold" nodeType="withEffect">
-                                  <p:stCondLst>
-                                    <p:cond delay="0"/>
-                                  </p:stCondLst>
-                                  <p:childTnLst>
-                                    <p:set>
-                                      <p:cBhvr>
-                                        <p:cTn id="10" dur="1" fill="hold">
-                                          <p:stCondLst>
-                                            <p:cond delay="0"/>
-                                          </p:stCondLst>
-                                        </p:cTn>
-                                        <p:tgtEl>
-                                          <p:spTgt spid="3">
-                                            <p:txEl>
-                                              <p:pRg st="3" end="3"/>
-                                            </p:txEl>
-                                          </p:spTgt>
-                                        </p:tgtEl>
-                                        <p:attrNameLst>
-                                          <p:attrName>style.visibility</p:attrName>
-                                        </p:attrNameLst>
-                                      </p:cBhvr>
-                                      <p:to>
-                                        <p:strVal val="visible"/>
-                                      </p:to>
-                                    </p:set>
-                                  </p:childTnLst>
-                                </p:cTn>
-                              </p:par>
-                            </p:childTnLst>
-                          </p:cTn>
-                        </p:par>
-                      </p:childTnLst>
-                    </p:cTn>
-                  </p:par>
-                  <p:par>
-                    <p:cTn id="11" fill="hold">
-                      <p:stCondLst>
-                        <p:cond delay="indefinite"/>
-                      </p:stCondLst>
-                      <p:childTnLst>
-                        <p:par>
-                          <p:cTn id="12" fill="hold">
-                            <p:stCondLst>
-                              <p:cond delay="0"/>
-                            </p:stCondLst>
-                            <p:childTnLst>
-                              <p:par>
-                                <p:cTn id="13" presetID="1" presetClass="entr" presetSubtype="0" fill="hold" nodeType="clickEffect">
-                                  <p:stCondLst>
-                                    <p:cond delay="0"/>
-                                  </p:stCondLst>
-                                  <p:childTnLst>
-                                    <p:set>
-                                      <p:cBhvr>
-                                        <p:cTn id="14" dur="1" fill="hold">
+                                        <p:cTn id="18" dur="1" fill="hold">
                                           <p:stCondLst>
                                             <p:cond delay="0"/>
                                           </p:stCondLst>
@@ -15875,15 +17703,33 @@
                                   </p:childTnLst>
                                 </p:cTn>
                               </p:par>
+                            </p:childTnLst>
+                          </p:cTn>
+                        </p:par>
+                      </p:childTnLst>
+                    </p:cTn>
+                  </p:par>
+                  <p:par>
+                    <p:cTn id="19" fill="hold">
+                      <p:stCondLst>
+                        <p:cond delay="indefinite"/>
+                      </p:stCondLst>
+                      <p:childTnLst>
+                        <p:par>
+                          <p:cTn id="20" fill="hold">
+                            <p:stCondLst>
+                              <p:cond delay="0"/>
+                            </p:stCondLst>
+                            <p:childTnLst>
                               <p:par>
-                                <p:cTn id="15" presetID="1" presetClass="entr" presetSubtype="0" fill="hold" nodeType="withEffect">
+                                <p:cTn id="21" presetID="1" presetClass="entr" presetSubtype="0" fill="hold" nodeType="clickEffect">
                                   <p:stCondLst>
                                     <p:cond delay="0"/>
                                   </p:stCondLst>
                                   <p:childTnLst>
                                     <p:set>
                                       <p:cBhvr>
-                                        <p:cTn id="16" dur="1" fill="hold">
+                                        <p:cTn id="22" dur="1" fill="hold">
                                           <p:stCondLst>
                                             <p:cond delay="0"/>
                                           </p:stCondLst>
@@ -15906,15 +17752,33 @@
                                   </p:childTnLst>
                                 </p:cTn>
                               </p:par>
+                            </p:childTnLst>
+                          </p:cTn>
+                        </p:par>
+                      </p:childTnLst>
+                    </p:cTn>
+                  </p:par>
+                  <p:par>
+                    <p:cTn id="23" fill="hold">
+                      <p:stCondLst>
+                        <p:cond delay="indefinite"/>
+                      </p:stCondLst>
+                      <p:childTnLst>
+                        <p:par>
+                          <p:cTn id="24" fill="hold">
+                            <p:stCondLst>
+                              <p:cond delay="0"/>
+                            </p:stCondLst>
+                            <p:childTnLst>
                               <p:par>
-                                <p:cTn id="17" presetID="1" presetClass="entr" presetSubtype="0" fill="hold" nodeType="withEffect">
+                                <p:cTn id="25" presetID="1" presetClass="entr" presetSubtype="0" fill="hold" nodeType="clickEffect">
                                   <p:stCondLst>
                                     <p:cond delay="0"/>
                                   </p:stCondLst>
                                   <p:childTnLst>
                                     <p:set>
                                       <p:cBhvr>
-                                        <p:cTn id="18" dur="1" fill="hold">
+                                        <p:cTn id="26" dur="1" fill="hold">
                                           <p:stCondLst>
                                             <p:cond delay="0"/>
                                           </p:stCondLst>
@@ -15938,14 +17802,14 @@
                                 </p:cTn>
                               </p:par>
                               <p:par>
-                                <p:cTn id="19" presetID="1" presetClass="entr" presetSubtype="0" fill="hold" nodeType="withEffect">
+                                <p:cTn id="27" presetID="1" presetClass="entr" presetSubtype="0" fill="hold" nodeType="withEffect">
                                   <p:stCondLst>
                                     <p:cond delay="0"/>
                                   </p:stCondLst>
                                   <p:childTnLst>
                                     <p:set>
                                       <p:cBhvr>
-                                        <p:cTn id="20" dur="1" fill="hold">
+                                        <p:cTn id="28" dur="1" fill="hold">
                                           <p:stCondLst>
                                             <p:cond delay="0"/>
                                           </p:stCondLst>
@@ -15995,1620 +17859,6 @@
 </p:sld>
 </file>
 
-<file path=ppt/slides/slide30.xml><?xml version="1.0" encoding="utf-8"?>
-<p:sld xmlns:a="http://schemas.openxmlformats.org/drawingml/2006/main" xmlns:r="http://schemas.openxmlformats.org/officeDocument/2006/relationships" xmlns:p="http://schemas.openxmlformats.org/presentationml/2006/main">
-  <p:cSld>
-    <p:spTree>
-      <p:nvGrpSpPr>
-        <p:cNvPr id="1" name=""/>
-        <p:cNvGrpSpPr/>
-        <p:nvPr/>
-      </p:nvGrpSpPr>
-      <p:grpSpPr>
-        <a:xfrm>
-          <a:off x="0" y="0"/>
-          <a:ext cx="0" cy="0"/>
-          <a:chOff x="0" y="0"/>
-          <a:chExt cx="0" cy="0"/>
-        </a:xfrm>
-      </p:grpSpPr>
-      <p:sp>
-        <p:nvSpPr>
-          <p:cNvPr id="2" name="Title 1"/>
-          <p:cNvSpPr>
-            <a:spLocks noGrp="1"/>
-          </p:cNvSpPr>
-          <p:nvPr>
-            <p:ph type="title"/>
-          </p:nvPr>
-        </p:nvSpPr>
-        <p:spPr/>
-        <p:txBody>
-          <a:bodyPr/>
-          <a:lstStyle/>
-          <a:p>
-            <a:endParaRPr lang="en-US"/>
-          </a:p>
-        </p:txBody>
-      </p:sp>
-      <p:sp>
-        <p:nvSpPr>
-          <p:cNvPr id="3" name="Content Placeholder 2"/>
-          <p:cNvSpPr>
-            <a:spLocks noGrp="1"/>
-          </p:cNvSpPr>
-          <p:nvPr>
-            <p:ph idx="1"/>
-          </p:nvPr>
-        </p:nvSpPr>
-        <p:spPr>
-          <a:xfrm>
-            <a:off x="457200" y="5334000"/>
-            <a:ext cx="8229600" cy="1447800"/>
-          </a:xfrm>
-        </p:spPr>
-        <p:txBody>
-          <a:bodyPr/>
-          <a:lstStyle/>
-          <a:p>
-            <a:r>
-              <a:rPr lang="en-US" dirty="0"/>
-              <a:t>Click here to add the Repo</a:t>
-            </a:r>
-          </a:p>
-        </p:txBody>
-      </p:sp>
-      <p:pic>
-        <p:nvPicPr>
-          <p:cNvPr id="6146" name="Picture 2"/>
-          <p:cNvPicPr>
-            <a:picLocks noChangeAspect="1" noChangeArrowheads="1"/>
-          </p:cNvPicPr>
-          <p:nvPr/>
-        </p:nvPicPr>
-        <p:blipFill>
-          <a:blip r:embed="rId2">
-            <a:extLst>
-              <a:ext uri="{28A0092B-C50C-407E-A947-70E740481C1C}">
-                <a14:useLocalDpi xmlns:a14="http://schemas.microsoft.com/office/drawing/2010/main" val="0"/>
-              </a:ext>
-            </a:extLst>
-          </a:blip>
-          <a:srcRect/>
-          <a:stretch>
-            <a:fillRect/>
-          </a:stretch>
-        </p:blipFill>
-        <p:spPr bwMode="auto">
-          <a:xfrm>
-            <a:off x="53975" y="76200"/>
-            <a:ext cx="9090025" cy="5094565"/>
-          </a:xfrm>
-          <a:prstGeom prst="rect">
-            <a:avLst/>
-          </a:prstGeom>
-          <a:noFill/>
-          <a:ln>
-            <a:noFill/>
-          </a:ln>
-          <a:effectLst/>
-          <a:extLst>
-            <a:ext uri="{909E8E84-426E-40DD-AFC4-6F175D3DCCD1}">
-              <a14:hiddenFill xmlns:a14="http://schemas.microsoft.com/office/drawing/2010/main">
-                <a:solidFill>
-                  <a:schemeClr val="accent1"/>
-                </a:solidFill>
-              </a14:hiddenFill>
-            </a:ext>
-            <a:ext uri="{91240B29-F687-4F45-9708-019B960494DF}">
-              <a14:hiddenLine xmlns:a14="http://schemas.microsoft.com/office/drawing/2010/main" w="9525">
-                <a:solidFill>
-                  <a:schemeClr val="tx1"/>
-                </a:solidFill>
-                <a:miter lim="800000"/>
-                <a:headEnd/>
-                <a:tailEnd/>
-              </a14:hiddenLine>
-            </a:ext>
-            <a:ext uri="{AF507438-7753-43E0-B8FC-AC1667EBCBE1}">
-              <a14:hiddenEffects xmlns:a14="http://schemas.microsoft.com/office/drawing/2010/main">
-                <a:effectLst>
-                  <a:outerShdw dist="35921" dir="2700000" algn="ctr" rotWithShape="0">
-                    <a:schemeClr val="bg2"/>
-                  </a:outerShdw>
-                </a:effectLst>
-              </a14:hiddenEffects>
-            </a:ext>
-          </a:extLst>
-        </p:spPr>
-      </p:pic>
-    </p:spTree>
-    <p:extLst>
-      <p:ext uri="{BB962C8B-B14F-4D97-AF65-F5344CB8AC3E}">
-        <p14:creationId xmlns:p14="http://schemas.microsoft.com/office/powerpoint/2010/main" val="638538434"/>
-      </p:ext>
-    </p:extLst>
-  </p:cSld>
-  <p:clrMapOvr>
-    <a:masterClrMapping/>
-  </p:clrMapOvr>
-</p:sld>
-</file>
-
-<file path=ppt/slides/slide31.xml><?xml version="1.0" encoding="utf-8"?>
-<p:sld xmlns:a="http://schemas.openxmlformats.org/drawingml/2006/main" xmlns:r="http://schemas.openxmlformats.org/officeDocument/2006/relationships" xmlns:p="http://schemas.openxmlformats.org/presentationml/2006/main">
-  <p:cSld>
-    <p:spTree>
-      <p:nvGrpSpPr>
-        <p:cNvPr id="1" name=""/>
-        <p:cNvGrpSpPr/>
-        <p:nvPr/>
-      </p:nvGrpSpPr>
-      <p:grpSpPr>
-        <a:xfrm>
-          <a:off x="0" y="0"/>
-          <a:ext cx="0" cy="0"/>
-          <a:chOff x="0" y="0"/>
-          <a:chExt cx="0" cy="0"/>
-        </a:xfrm>
-      </p:grpSpPr>
-      <p:sp>
-        <p:nvSpPr>
-          <p:cNvPr id="2" name="Title 1"/>
-          <p:cNvSpPr>
-            <a:spLocks noGrp="1"/>
-          </p:cNvSpPr>
-          <p:nvPr>
-            <p:ph type="title"/>
-          </p:nvPr>
-        </p:nvSpPr>
-        <p:spPr/>
-        <p:txBody>
-          <a:bodyPr/>
-          <a:lstStyle/>
-          <a:p>
-            <a:endParaRPr lang="en-US"/>
-          </a:p>
-        </p:txBody>
-      </p:sp>
-      <p:sp>
-        <p:nvSpPr>
-          <p:cNvPr id="3" name="Content Placeholder 2"/>
-          <p:cNvSpPr>
-            <a:spLocks noGrp="1"/>
-          </p:cNvSpPr>
-          <p:nvPr>
-            <p:ph idx="1"/>
-          </p:nvPr>
-        </p:nvSpPr>
-        <p:spPr>
-          <a:xfrm>
-            <a:off x="457200" y="5334000"/>
-            <a:ext cx="8229600" cy="1447800"/>
-          </a:xfrm>
-        </p:spPr>
-        <p:txBody>
-          <a:bodyPr>
-            <a:normAutofit fontScale="85000" lnSpcReduction="20000"/>
-          </a:bodyPr>
-          <a:lstStyle/>
-          <a:p>
-            <a:r>
-              <a:rPr lang="en-US" dirty="0"/>
-              <a:t>Click here to sync with Repo </a:t>
-            </a:r>
-          </a:p>
-          <a:p>
-            <a:pPr lvl="1"/>
-            <a:r>
-              <a:rPr lang="en-US" dirty="0"/>
-              <a:t>Use to get the latest version (ALWAYS Do this before you start!)</a:t>
-            </a:r>
-          </a:p>
-          <a:p>
-            <a:pPr lvl="1"/>
-            <a:r>
-              <a:rPr lang="en-US" dirty="0"/>
-              <a:t>If you are a Collaborator you can use this to push to Server</a:t>
-            </a:r>
-          </a:p>
-        </p:txBody>
-      </p:sp>
-      <p:pic>
-        <p:nvPicPr>
-          <p:cNvPr id="7172" name="Picture 4"/>
-          <p:cNvPicPr>
-            <a:picLocks noChangeAspect="1" noChangeArrowheads="1"/>
-          </p:cNvPicPr>
-          <p:nvPr/>
-        </p:nvPicPr>
-        <p:blipFill>
-          <a:blip r:embed="rId2">
-            <a:extLst>
-              <a:ext uri="{28A0092B-C50C-407E-A947-70E740481C1C}">
-                <a14:useLocalDpi xmlns:a14="http://schemas.microsoft.com/office/drawing/2010/main" val="0"/>
-              </a:ext>
-            </a:extLst>
-          </a:blip>
-          <a:srcRect/>
-          <a:stretch>
-            <a:fillRect/>
-          </a:stretch>
-        </p:blipFill>
-        <p:spPr bwMode="auto">
-          <a:xfrm>
-            <a:off x="685800" y="609600"/>
-            <a:ext cx="7620000" cy="4273550"/>
-          </a:xfrm>
-          <a:prstGeom prst="rect">
-            <a:avLst/>
-          </a:prstGeom>
-          <a:noFill/>
-          <a:ln>
-            <a:noFill/>
-          </a:ln>
-          <a:effectLst/>
-          <a:extLst>
-            <a:ext uri="{909E8E84-426E-40DD-AFC4-6F175D3DCCD1}">
-              <a14:hiddenFill xmlns:a14="http://schemas.microsoft.com/office/drawing/2010/main">
-                <a:solidFill>
-                  <a:schemeClr val="accent1"/>
-                </a:solidFill>
-              </a14:hiddenFill>
-            </a:ext>
-            <a:ext uri="{91240B29-F687-4F45-9708-019B960494DF}">
-              <a14:hiddenLine xmlns:a14="http://schemas.microsoft.com/office/drawing/2010/main" w="9525">
-                <a:solidFill>
-                  <a:schemeClr val="tx1"/>
-                </a:solidFill>
-                <a:miter lim="800000"/>
-                <a:headEnd/>
-                <a:tailEnd/>
-              </a14:hiddenLine>
-            </a:ext>
-            <a:ext uri="{AF507438-7753-43E0-B8FC-AC1667EBCBE1}">
-              <a14:hiddenEffects xmlns:a14="http://schemas.microsoft.com/office/drawing/2010/main">
-                <a:effectLst>
-                  <a:outerShdw dist="35921" dir="2700000" algn="ctr" rotWithShape="0">
-                    <a:schemeClr val="bg2"/>
-                  </a:outerShdw>
-                </a:effectLst>
-              </a14:hiddenEffects>
-            </a:ext>
-          </a:extLst>
-        </p:spPr>
-      </p:pic>
-    </p:spTree>
-    <p:extLst>
-      <p:ext uri="{BB962C8B-B14F-4D97-AF65-F5344CB8AC3E}">
-        <p14:creationId xmlns:p14="http://schemas.microsoft.com/office/powerpoint/2010/main" val="2106488694"/>
-      </p:ext>
-    </p:extLst>
-  </p:cSld>
-  <p:clrMapOvr>
-    <a:masterClrMapping/>
-  </p:clrMapOvr>
-</p:sld>
-</file>
-
-<file path=ppt/slides/slide32.xml><?xml version="1.0" encoding="utf-8"?>
-<p:sld xmlns:a="http://schemas.openxmlformats.org/drawingml/2006/main" xmlns:r="http://schemas.openxmlformats.org/officeDocument/2006/relationships" xmlns:p="http://schemas.openxmlformats.org/presentationml/2006/main">
-  <p:cSld>
-    <p:spTree>
-      <p:nvGrpSpPr>
-        <p:cNvPr id="1" name=""/>
-        <p:cNvGrpSpPr/>
-        <p:nvPr/>
-      </p:nvGrpSpPr>
-      <p:grpSpPr>
-        <a:xfrm>
-          <a:off x="0" y="0"/>
-          <a:ext cx="0" cy="0"/>
-          <a:chOff x="0" y="0"/>
-          <a:chExt cx="0" cy="0"/>
-        </a:xfrm>
-      </p:grpSpPr>
-      <p:sp>
-        <p:nvSpPr>
-          <p:cNvPr id="2" name="Title 1"/>
-          <p:cNvSpPr>
-            <a:spLocks noGrp="1"/>
-          </p:cNvSpPr>
-          <p:nvPr>
-            <p:ph type="title"/>
-          </p:nvPr>
-        </p:nvSpPr>
-        <p:spPr/>
-        <p:txBody>
-          <a:bodyPr/>
-          <a:lstStyle/>
-          <a:p>
-            <a:endParaRPr lang="en-US"/>
-          </a:p>
-        </p:txBody>
-      </p:sp>
-      <p:sp>
-        <p:nvSpPr>
-          <p:cNvPr id="3" name="Content Placeholder 2"/>
-          <p:cNvSpPr>
-            <a:spLocks noGrp="1"/>
-          </p:cNvSpPr>
-          <p:nvPr>
-            <p:ph idx="1"/>
-          </p:nvPr>
-        </p:nvSpPr>
-        <p:spPr>
-          <a:xfrm>
-            <a:off x="457200" y="5334000"/>
-            <a:ext cx="8229600" cy="1447800"/>
-          </a:xfrm>
-        </p:spPr>
-        <p:txBody>
-          <a:bodyPr/>
-          <a:lstStyle/>
-          <a:p>
-            <a:r>
-              <a:rPr lang="en-US" dirty="0"/>
-              <a:t>Either Add a new branch or switch between branches of the project</a:t>
-            </a:r>
-          </a:p>
-        </p:txBody>
-      </p:sp>
-      <p:pic>
-        <p:nvPicPr>
-          <p:cNvPr id="8194" name="Picture 2"/>
-          <p:cNvPicPr>
-            <a:picLocks noChangeAspect="1" noChangeArrowheads="1"/>
-          </p:cNvPicPr>
-          <p:nvPr/>
-        </p:nvPicPr>
-        <p:blipFill>
-          <a:blip r:embed="rId2">
-            <a:extLst>
-              <a:ext uri="{28A0092B-C50C-407E-A947-70E740481C1C}">
-                <a14:useLocalDpi xmlns:a14="http://schemas.microsoft.com/office/drawing/2010/main" val="0"/>
-              </a:ext>
-            </a:extLst>
-          </a:blip>
-          <a:srcRect/>
-          <a:stretch>
-            <a:fillRect/>
-          </a:stretch>
-        </p:blipFill>
-        <p:spPr bwMode="auto">
-          <a:xfrm>
-            <a:off x="685800" y="603250"/>
-            <a:ext cx="7620000" cy="4273550"/>
-          </a:xfrm>
-          <a:prstGeom prst="rect">
-            <a:avLst/>
-          </a:prstGeom>
-          <a:noFill/>
-          <a:ln>
-            <a:noFill/>
-          </a:ln>
-          <a:effectLst/>
-          <a:extLst>
-            <a:ext uri="{909E8E84-426E-40DD-AFC4-6F175D3DCCD1}">
-              <a14:hiddenFill xmlns:a14="http://schemas.microsoft.com/office/drawing/2010/main">
-                <a:solidFill>
-                  <a:schemeClr val="accent1"/>
-                </a:solidFill>
-              </a14:hiddenFill>
-            </a:ext>
-            <a:ext uri="{91240B29-F687-4F45-9708-019B960494DF}">
-              <a14:hiddenLine xmlns:a14="http://schemas.microsoft.com/office/drawing/2010/main" w="9525">
-                <a:solidFill>
-                  <a:schemeClr val="tx1"/>
-                </a:solidFill>
-                <a:miter lim="800000"/>
-                <a:headEnd/>
-                <a:tailEnd/>
-              </a14:hiddenLine>
-            </a:ext>
-            <a:ext uri="{AF507438-7753-43E0-B8FC-AC1667EBCBE1}">
-              <a14:hiddenEffects xmlns:a14="http://schemas.microsoft.com/office/drawing/2010/main">
-                <a:effectLst>
-                  <a:outerShdw dist="35921" dir="2700000" algn="ctr" rotWithShape="0">
-                    <a:schemeClr val="bg2"/>
-                  </a:outerShdw>
-                </a:effectLst>
-              </a14:hiddenEffects>
-            </a:ext>
-          </a:extLst>
-        </p:spPr>
-      </p:pic>
-    </p:spTree>
-    <p:extLst>
-      <p:ext uri="{BB962C8B-B14F-4D97-AF65-F5344CB8AC3E}">
-        <p14:creationId xmlns:p14="http://schemas.microsoft.com/office/powerpoint/2010/main" val="2902097599"/>
-      </p:ext>
-    </p:extLst>
-  </p:cSld>
-  <p:clrMapOvr>
-    <a:masterClrMapping/>
-  </p:clrMapOvr>
-</p:sld>
-</file>
-
-<file path=ppt/slides/slide33.xml><?xml version="1.0" encoding="utf-8"?>
-<p:sld xmlns:a="http://schemas.openxmlformats.org/drawingml/2006/main" xmlns:r="http://schemas.openxmlformats.org/officeDocument/2006/relationships" xmlns:p="http://schemas.openxmlformats.org/presentationml/2006/main">
-  <p:cSld>
-    <p:spTree>
-      <p:nvGrpSpPr>
-        <p:cNvPr id="1" name=""/>
-        <p:cNvGrpSpPr/>
-        <p:nvPr/>
-      </p:nvGrpSpPr>
-      <p:grpSpPr>
-        <a:xfrm>
-          <a:off x="0" y="0"/>
-          <a:ext cx="0" cy="0"/>
-          <a:chOff x="0" y="0"/>
-          <a:chExt cx="0" cy="0"/>
-        </a:xfrm>
-      </p:grpSpPr>
-      <p:sp>
-        <p:nvSpPr>
-          <p:cNvPr id="2" name="Title 1"/>
-          <p:cNvSpPr>
-            <a:spLocks noGrp="1"/>
-          </p:cNvSpPr>
-          <p:nvPr>
-            <p:ph type="title"/>
-          </p:nvPr>
-        </p:nvSpPr>
-        <p:spPr/>
-        <p:txBody>
-          <a:bodyPr/>
-          <a:lstStyle/>
-          <a:p>
-            <a:endParaRPr lang="en-US"/>
-          </a:p>
-        </p:txBody>
-      </p:sp>
-      <p:sp>
-        <p:nvSpPr>
-          <p:cNvPr id="3" name="Content Placeholder 2"/>
-          <p:cNvSpPr>
-            <a:spLocks noGrp="1"/>
-          </p:cNvSpPr>
-          <p:nvPr>
-            <p:ph idx="1"/>
-          </p:nvPr>
-        </p:nvSpPr>
-        <p:spPr>
-          <a:xfrm>
-            <a:off x="457200" y="5334000"/>
-            <a:ext cx="8229600" cy="1447800"/>
-          </a:xfrm>
-        </p:spPr>
-        <p:txBody>
-          <a:bodyPr>
-            <a:normAutofit lnSpcReduction="10000"/>
-          </a:bodyPr>
-          <a:lstStyle/>
-          <a:p>
-            <a:r>
-              <a:rPr lang="en-US" dirty="0"/>
-              <a:t>When in “Change” screen you can select which files you are </a:t>
-            </a:r>
-            <a:r>
-              <a:rPr lang="en-US" b="1" dirty="0"/>
-              <a:t>Staging</a:t>
-            </a:r>
-            <a:r>
-              <a:rPr lang="en-US" dirty="0"/>
-              <a:t> and want to add to the new changes</a:t>
-            </a:r>
-          </a:p>
-        </p:txBody>
-      </p:sp>
-      <p:pic>
-        <p:nvPicPr>
-          <p:cNvPr id="9218" name="Picture 2"/>
-          <p:cNvPicPr>
-            <a:picLocks noChangeAspect="1" noChangeArrowheads="1"/>
-          </p:cNvPicPr>
-          <p:nvPr/>
-        </p:nvPicPr>
-        <p:blipFill>
-          <a:blip r:embed="rId2">
-            <a:extLst>
-              <a:ext uri="{28A0092B-C50C-407E-A947-70E740481C1C}">
-                <a14:useLocalDpi xmlns:a14="http://schemas.microsoft.com/office/drawing/2010/main" val="0"/>
-              </a:ext>
-            </a:extLst>
-          </a:blip>
-          <a:srcRect/>
-          <a:stretch>
-            <a:fillRect/>
-          </a:stretch>
-        </p:blipFill>
-        <p:spPr bwMode="auto">
-          <a:xfrm>
-            <a:off x="762000" y="685800"/>
-            <a:ext cx="7620000" cy="4273550"/>
-          </a:xfrm>
-          <a:prstGeom prst="rect">
-            <a:avLst/>
-          </a:prstGeom>
-          <a:noFill/>
-          <a:ln>
-            <a:noFill/>
-          </a:ln>
-          <a:effectLst/>
-          <a:extLst>
-            <a:ext uri="{909E8E84-426E-40DD-AFC4-6F175D3DCCD1}">
-              <a14:hiddenFill xmlns:a14="http://schemas.microsoft.com/office/drawing/2010/main">
-                <a:solidFill>
-                  <a:schemeClr val="accent1"/>
-                </a:solidFill>
-              </a14:hiddenFill>
-            </a:ext>
-            <a:ext uri="{91240B29-F687-4F45-9708-019B960494DF}">
-              <a14:hiddenLine xmlns:a14="http://schemas.microsoft.com/office/drawing/2010/main" w="9525">
-                <a:solidFill>
-                  <a:schemeClr val="tx1"/>
-                </a:solidFill>
-                <a:miter lim="800000"/>
-                <a:headEnd/>
-                <a:tailEnd/>
-              </a14:hiddenLine>
-            </a:ext>
-            <a:ext uri="{AF507438-7753-43E0-B8FC-AC1667EBCBE1}">
-              <a14:hiddenEffects xmlns:a14="http://schemas.microsoft.com/office/drawing/2010/main">
-                <a:effectLst>
-                  <a:outerShdw dist="35921" dir="2700000" algn="ctr" rotWithShape="0">
-                    <a:schemeClr val="bg2"/>
-                  </a:outerShdw>
-                </a:effectLst>
-              </a14:hiddenEffects>
-            </a:ext>
-          </a:extLst>
-        </p:spPr>
-      </p:pic>
-    </p:spTree>
-    <p:extLst>
-      <p:ext uri="{BB962C8B-B14F-4D97-AF65-F5344CB8AC3E}">
-        <p14:creationId xmlns:p14="http://schemas.microsoft.com/office/powerpoint/2010/main" val="4201862947"/>
-      </p:ext>
-    </p:extLst>
-  </p:cSld>
-  <p:clrMapOvr>
-    <a:masterClrMapping/>
-  </p:clrMapOvr>
-</p:sld>
-</file>
-
-<file path=ppt/slides/slide34.xml><?xml version="1.0" encoding="utf-8"?>
-<p:sld xmlns:a="http://schemas.openxmlformats.org/drawingml/2006/main" xmlns:r="http://schemas.openxmlformats.org/officeDocument/2006/relationships" xmlns:p="http://schemas.openxmlformats.org/presentationml/2006/main">
-  <p:cSld>
-    <p:spTree>
-      <p:nvGrpSpPr>
-        <p:cNvPr id="1" name=""/>
-        <p:cNvGrpSpPr/>
-        <p:nvPr/>
-      </p:nvGrpSpPr>
-      <p:grpSpPr>
-        <a:xfrm>
-          <a:off x="0" y="0"/>
-          <a:ext cx="0" cy="0"/>
-          <a:chOff x="0" y="0"/>
-          <a:chExt cx="0" cy="0"/>
-        </a:xfrm>
-      </p:grpSpPr>
-      <p:sp>
-        <p:nvSpPr>
-          <p:cNvPr id="2" name="Title 1"/>
-          <p:cNvSpPr>
-            <a:spLocks noGrp="1"/>
-          </p:cNvSpPr>
-          <p:nvPr>
-            <p:ph type="title"/>
-          </p:nvPr>
-        </p:nvSpPr>
-        <p:spPr/>
-        <p:txBody>
-          <a:bodyPr/>
-          <a:lstStyle/>
-          <a:p>
-            <a:endParaRPr lang="en-US"/>
-          </a:p>
-        </p:txBody>
-      </p:sp>
-      <p:sp>
-        <p:nvSpPr>
-          <p:cNvPr id="3" name="Content Placeholder 2"/>
-          <p:cNvSpPr>
-            <a:spLocks noGrp="1"/>
-          </p:cNvSpPr>
-          <p:nvPr>
-            <p:ph idx="1"/>
-          </p:nvPr>
-        </p:nvSpPr>
-        <p:spPr>
-          <a:xfrm>
-            <a:off x="457200" y="5334000"/>
-            <a:ext cx="8229600" cy="1447800"/>
-          </a:xfrm>
-        </p:spPr>
-        <p:txBody>
-          <a:bodyPr>
-            <a:normAutofit fontScale="85000" lnSpcReduction="20000"/>
-          </a:bodyPr>
-          <a:lstStyle/>
-          <a:p>
-            <a:r>
-              <a:rPr lang="en-US" dirty="0"/>
-              <a:t>Add a Summary and Description to your </a:t>
-            </a:r>
-            <a:r>
-              <a:rPr lang="en-US" b="1" dirty="0"/>
-              <a:t>Commit</a:t>
-            </a:r>
-            <a:r>
-              <a:rPr lang="en-US" dirty="0"/>
-              <a:t> and </a:t>
-            </a:r>
-            <a:r>
-              <a:rPr lang="en-US" b="1" dirty="0"/>
-              <a:t>Commit</a:t>
-            </a:r>
-            <a:r>
-              <a:rPr lang="en-US" dirty="0"/>
-              <a:t> the changes</a:t>
-            </a:r>
-          </a:p>
-          <a:p>
-            <a:pPr lvl="1"/>
-            <a:r>
-              <a:rPr lang="en-US" dirty="0"/>
-              <a:t>Remember, this is only committed on your local machine until you push the changes to the server</a:t>
-            </a:r>
-          </a:p>
-        </p:txBody>
-      </p:sp>
-      <p:pic>
-        <p:nvPicPr>
-          <p:cNvPr id="10242" name="Picture 2"/>
-          <p:cNvPicPr>
-            <a:picLocks noChangeAspect="1" noChangeArrowheads="1"/>
-          </p:cNvPicPr>
-          <p:nvPr/>
-        </p:nvPicPr>
-        <p:blipFill>
-          <a:blip r:embed="rId2">
-            <a:extLst>
-              <a:ext uri="{28A0092B-C50C-407E-A947-70E740481C1C}">
-                <a14:useLocalDpi xmlns:a14="http://schemas.microsoft.com/office/drawing/2010/main" val="0"/>
-              </a:ext>
-            </a:extLst>
-          </a:blip>
-          <a:srcRect/>
-          <a:stretch>
-            <a:fillRect/>
-          </a:stretch>
-        </p:blipFill>
-        <p:spPr bwMode="auto">
-          <a:xfrm>
-            <a:off x="685800" y="457200"/>
-            <a:ext cx="7620000" cy="4273550"/>
-          </a:xfrm>
-          <a:prstGeom prst="rect">
-            <a:avLst/>
-          </a:prstGeom>
-          <a:noFill/>
-          <a:ln>
-            <a:noFill/>
-          </a:ln>
-          <a:effectLst/>
-          <a:extLst>
-            <a:ext uri="{909E8E84-426E-40DD-AFC4-6F175D3DCCD1}">
-              <a14:hiddenFill xmlns:a14="http://schemas.microsoft.com/office/drawing/2010/main">
-                <a:solidFill>
-                  <a:schemeClr val="accent1"/>
-                </a:solidFill>
-              </a14:hiddenFill>
-            </a:ext>
-            <a:ext uri="{91240B29-F687-4F45-9708-019B960494DF}">
-              <a14:hiddenLine xmlns:a14="http://schemas.microsoft.com/office/drawing/2010/main" w="9525">
-                <a:solidFill>
-                  <a:schemeClr val="tx1"/>
-                </a:solidFill>
-                <a:miter lim="800000"/>
-                <a:headEnd/>
-                <a:tailEnd/>
-              </a14:hiddenLine>
-            </a:ext>
-            <a:ext uri="{AF507438-7753-43E0-B8FC-AC1667EBCBE1}">
-              <a14:hiddenEffects xmlns:a14="http://schemas.microsoft.com/office/drawing/2010/main">
-                <a:effectLst>
-                  <a:outerShdw dist="35921" dir="2700000" algn="ctr" rotWithShape="0">
-                    <a:schemeClr val="bg2"/>
-                  </a:outerShdw>
-                </a:effectLst>
-              </a14:hiddenEffects>
-            </a:ext>
-          </a:extLst>
-        </p:spPr>
-      </p:pic>
-    </p:spTree>
-    <p:extLst>
-      <p:ext uri="{BB962C8B-B14F-4D97-AF65-F5344CB8AC3E}">
-        <p14:creationId xmlns:p14="http://schemas.microsoft.com/office/powerpoint/2010/main" val="4242980699"/>
-      </p:ext>
-    </p:extLst>
-  </p:cSld>
-  <p:clrMapOvr>
-    <a:masterClrMapping/>
-  </p:clrMapOvr>
-</p:sld>
-</file>
-
-<file path=ppt/slides/slide35.xml><?xml version="1.0" encoding="utf-8"?>
-<p:sld xmlns:a="http://schemas.openxmlformats.org/drawingml/2006/main" xmlns:r="http://schemas.openxmlformats.org/officeDocument/2006/relationships" xmlns:p="http://schemas.openxmlformats.org/presentationml/2006/main">
-  <p:cSld>
-    <p:spTree>
-      <p:nvGrpSpPr>
-        <p:cNvPr id="1" name=""/>
-        <p:cNvGrpSpPr/>
-        <p:nvPr/>
-      </p:nvGrpSpPr>
-      <p:grpSpPr>
-        <a:xfrm>
-          <a:off x="0" y="0"/>
-          <a:ext cx="0" cy="0"/>
-          <a:chOff x="0" y="0"/>
-          <a:chExt cx="0" cy="0"/>
-        </a:xfrm>
-      </p:grpSpPr>
-      <p:sp>
-        <p:nvSpPr>
-          <p:cNvPr id="2" name="Title 1"/>
-          <p:cNvSpPr>
-            <a:spLocks noGrp="1"/>
-          </p:cNvSpPr>
-          <p:nvPr>
-            <p:ph type="title"/>
-          </p:nvPr>
-        </p:nvSpPr>
-        <p:spPr/>
-        <p:txBody>
-          <a:bodyPr/>
-          <a:lstStyle/>
-          <a:p>
-            <a:endParaRPr lang="en-US"/>
-          </a:p>
-        </p:txBody>
-      </p:sp>
-      <p:sp>
-        <p:nvSpPr>
-          <p:cNvPr id="3" name="Content Placeholder 2"/>
-          <p:cNvSpPr>
-            <a:spLocks noGrp="1"/>
-          </p:cNvSpPr>
-          <p:nvPr>
-            <p:ph idx="1"/>
-          </p:nvPr>
-        </p:nvSpPr>
-        <p:spPr>
-          <a:xfrm>
-            <a:off x="457200" y="5334000"/>
-            <a:ext cx="8229600" cy="1447800"/>
-          </a:xfrm>
-        </p:spPr>
-        <p:txBody>
-          <a:bodyPr/>
-          <a:lstStyle/>
-          <a:p>
-            <a:r>
-              <a:rPr lang="en-US" dirty="0"/>
-              <a:t>If your code is ready, you can send the </a:t>
-            </a:r>
-            <a:r>
-              <a:rPr lang="en-US" b="1" dirty="0"/>
-              <a:t>Pull Request</a:t>
-            </a:r>
-            <a:r>
-              <a:rPr lang="en-US" dirty="0"/>
-              <a:t> from here</a:t>
-            </a:r>
-          </a:p>
-        </p:txBody>
-      </p:sp>
-      <p:pic>
-        <p:nvPicPr>
-          <p:cNvPr id="11266" name="Picture 2"/>
-          <p:cNvPicPr>
-            <a:picLocks noChangeAspect="1" noChangeArrowheads="1"/>
-          </p:cNvPicPr>
-          <p:nvPr/>
-        </p:nvPicPr>
-        <p:blipFill>
-          <a:blip r:embed="rId2">
-            <a:extLst>
-              <a:ext uri="{28A0092B-C50C-407E-A947-70E740481C1C}">
-                <a14:useLocalDpi xmlns:a14="http://schemas.microsoft.com/office/drawing/2010/main" val="0"/>
-              </a:ext>
-            </a:extLst>
-          </a:blip>
-          <a:srcRect/>
-          <a:stretch>
-            <a:fillRect/>
-          </a:stretch>
-        </p:blipFill>
-        <p:spPr bwMode="auto">
-          <a:xfrm>
-            <a:off x="762000" y="533400"/>
-            <a:ext cx="7620000" cy="4273550"/>
-          </a:xfrm>
-          <a:prstGeom prst="rect">
-            <a:avLst/>
-          </a:prstGeom>
-          <a:noFill/>
-          <a:ln>
-            <a:noFill/>
-          </a:ln>
-          <a:effectLst/>
-          <a:extLst>
-            <a:ext uri="{909E8E84-426E-40DD-AFC4-6F175D3DCCD1}">
-              <a14:hiddenFill xmlns:a14="http://schemas.microsoft.com/office/drawing/2010/main">
-                <a:solidFill>
-                  <a:schemeClr val="accent1"/>
-                </a:solidFill>
-              </a14:hiddenFill>
-            </a:ext>
-            <a:ext uri="{91240B29-F687-4F45-9708-019B960494DF}">
-              <a14:hiddenLine xmlns:a14="http://schemas.microsoft.com/office/drawing/2010/main" w="9525">
-                <a:solidFill>
-                  <a:schemeClr val="tx1"/>
-                </a:solidFill>
-                <a:miter lim="800000"/>
-                <a:headEnd/>
-                <a:tailEnd/>
-              </a14:hiddenLine>
-            </a:ext>
-            <a:ext uri="{AF507438-7753-43E0-B8FC-AC1667EBCBE1}">
-              <a14:hiddenEffects xmlns:a14="http://schemas.microsoft.com/office/drawing/2010/main">
-                <a:effectLst>
-                  <a:outerShdw dist="35921" dir="2700000" algn="ctr" rotWithShape="0">
-                    <a:schemeClr val="bg2"/>
-                  </a:outerShdw>
-                </a:effectLst>
-              </a14:hiddenEffects>
-            </a:ext>
-          </a:extLst>
-        </p:spPr>
-      </p:pic>
-    </p:spTree>
-    <p:extLst>
-      <p:ext uri="{BB962C8B-B14F-4D97-AF65-F5344CB8AC3E}">
-        <p14:creationId xmlns:p14="http://schemas.microsoft.com/office/powerpoint/2010/main" val="440527748"/>
-      </p:ext>
-    </p:extLst>
-  </p:cSld>
-  <p:clrMapOvr>
-    <a:masterClrMapping/>
-  </p:clrMapOvr>
-</p:sld>
-</file>
-
-<file path=ppt/slides/slide36.xml><?xml version="1.0" encoding="utf-8"?>
-<p:sld xmlns:a="http://schemas.openxmlformats.org/drawingml/2006/main" xmlns:r="http://schemas.openxmlformats.org/officeDocument/2006/relationships" xmlns:p="http://schemas.openxmlformats.org/presentationml/2006/main">
-  <p:cSld>
-    <p:spTree>
-      <p:nvGrpSpPr>
-        <p:cNvPr id="1" name=""/>
-        <p:cNvGrpSpPr/>
-        <p:nvPr/>
-      </p:nvGrpSpPr>
-      <p:grpSpPr>
-        <a:xfrm>
-          <a:off x="0" y="0"/>
-          <a:ext cx="0" cy="0"/>
-          <a:chOff x="0" y="0"/>
-          <a:chExt cx="0" cy="0"/>
-        </a:xfrm>
-      </p:grpSpPr>
-      <p:sp>
-        <p:nvSpPr>
-          <p:cNvPr id="2" name="Title 1"/>
-          <p:cNvSpPr>
-            <a:spLocks noGrp="1"/>
-          </p:cNvSpPr>
-          <p:nvPr>
-            <p:ph type="title"/>
-          </p:nvPr>
-        </p:nvSpPr>
-        <p:spPr/>
-        <p:txBody>
-          <a:bodyPr/>
-          <a:lstStyle/>
-          <a:p>
-            <a:endParaRPr lang="en-US"/>
-          </a:p>
-        </p:txBody>
-      </p:sp>
-      <p:sp>
-        <p:nvSpPr>
-          <p:cNvPr id="3" name="Content Placeholder 2"/>
-          <p:cNvSpPr>
-            <a:spLocks noGrp="1"/>
-          </p:cNvSpPr>
-          <p:nvPr>
-            <p:ph idx="1"/>
-          </p:nvPr>
-        </p:nvSpPr>
-        <p:spPr>
-          <a:xfrm>
-            <a:off x="457200" y="5334000"/>
-            <a:ext cx="8229600" cy="1447800"/>
-          </a:xfrm>
-        </p:spPr>
-        <p:txBody>
-          <a:bodyPr/>
-          <a:lstStyle/>
-          <a:p>
-            <a:r>
-              <a:rPr lang="en-US" dirty="0"/>
-              <a:t>In the “History” screen you can see all the past </a:t>
-            </a:r>
-            <a:r>
-              <a:rPr lang="en-US" b="1" dirty="0"/>
-              <a:t>Commits</a:t>
-            </a:r>
-            <a:r>
-              <a:rPr lang="en-US" dirty="0"/>
-              <a:t> of the repository</a:t>
-            </a:r>
-          </a:p>
-        </p:txBody>
-      </p:sp>
-      <p:pic>
-        <p:nvPicPr>
-          <p:cNvPr id="12290" name="Picture 2"/>
-          <p:cNvPicPr>
-            <a:picLocks noChangeAspect="1" noChangeArrowheads="1"/>
-          </p:cNvPicPr>
-          <p:nvPr/>
-        </p:nvPicPr>
-        <p:blipFill>
-          <a:blip r:embed="rId2">
-            <a:extLst>
-              <a:ext uri="{28A0092B-C50C-407E-A947-70E740481C1C}">
-                <a14:useLocalDpi xmlns:a14="http://schemas.microsoft.com/office/drawing/2010/main" val="0"/>
-              </a:ext>
-            </a:extLst>
-          </a:blip>
-          <a:srcRect/>
-          <a:stretch>
-            <a:fillRect/>
-          </a:stretch>
-        </p:blipFill>
-        <p:spPr bwMode="auto">
-          <a:xfrm>
-            <a:off x="762000" y="457200"/>
-            <a:ext cx="7620000" cy="4279900"/>
-          </a:xfrm>
-          <a:prstGeom prst="rect">
-            <a:avLst/>
-          </a:prstGeom>
-          <a:noFill/>
-          <a:ln>
-            <a:noFill/>
-          </a:ln>
-          <a:effectLst/>
-          <a:extLst>
-            <a:ext uri="{909E8E84-426E-40DD-AFC4-6F175D3DCCD1}">
-              <a14:hiddenFill xmlns:a14="http://schemas.microsoft.com/office/drawing/2010/main">
-                <a:solidFill>
-                  <a:schemeClr val="accent1"/>
-                </a:solidFill>
-              </a14:hiddenFill>
-            </a:ext>
-            <a:ext uri="{91240B29-F687-4F45-9708-019B960494DF}">
-              <a14:hiddenLine xmlns:a14="http://schemas.microsoft.com/office/drawing/2010/main" w="9525">
-                <a:solidFill>
-                  <a:schemeClr val="tx1"/>
-                </a:solidFill>
-                <a:miter lim="800000"/>
-                <a:headEnd/>
-                <a:tailEnd/>
-              </a14:hiddenLine>
-            </a:ext>
-            <a:ext uri="{AF507438-7753-43E0-B8FC-AC1667EBCBE1}">
-              <a14:hiddenEffects xmlns:a14="http://schemas.microsoft.com/office/drawing/2010/main">
-                <a:effectLst>
-                  <a:outerShdw dist="35921" dir="2700000" algn="ctr" rotWithShape="0">
-                    <a:schemeClr val="bg2"/>
-                  </a:outerShdw>
-                </a:effectLst>
-              </a14:hiddenEffects>
-            </a:ext>
-          </a:extLst>
-        </p:spPr>
-      </p:pic>
-    </p:spTree>
-    <p:extLst>
-      <p:ext uri="{BB962C8B-B14F-4D97-AF65-F5344CB8AC3E}">
-        <p14:creationId xmlns:p14="http://schemas.microsoft.com/office/powerpoint/2010/main" val="872224665"/>
-      </p:ext>
-    </p:extLst>
-  </p:cSld>
-  <p:clrMapOvr>
-    <a:masterClrMapping/>
-  </p:clrMapOvr>
-</p:sld>
-</file>
-
-<file path=ppt/slides/slide37.xml><?xml version="1.0" encoding="utf-8"?>
-<p:sld xmlns:a="http://schemas.openxmlformats.org/drawingml/2006/main" xmlns:r="http://schemas.openxmlformats.org/officeDocument/2006/relationships" xmlns:p="http://schemas.openxmlformats.org/presentationml/2006/main">
-  <p:cSld>
-    <p:spTree>
-      <p:nvGrpSpPr>
-        <p:cNvPr id="1" name=""/>
-        <p:cNvGrpSpPr/>
-        <p:nvPr/>
-      </p:nvGrpSpPr>
-      <p:grpSpPr>
-        <a:xfrm>
-          <a:off x="0" y="0"/>
-          <a:ext cx="0" cy="0"/>
-          <a:chOff x="0" y="0"/>
-          <a:chExt cx="0" cy="0"/>
-        </a:xfrm>
-      </p:grpSpPr>
-      <p:sp>
-        <p:nvSpPr>
-          <p:cNvPr id="2" name="Title 1"/>
-          <p:cNvSpPr>
-            <a:spLocks noGrp="1"/>
-          </p:cNvSpPr>
-          <p:nvPr>
-            <p:ph type="title"/>
-          </p:nvPr>
-        </p:nvSpPr>
-        <p:spPr/>
-        <p:txBody>
-          <a:bodyPr/>
-          <a:lstStyle/>
-          <a:p>
-            <a:endParaRPr lang="en-US"/>
-          </a:p>
-        </p:txBody>
-      </p:sp>
-      <p:sp>
-        <p:nvSpPr>
-          <p:cNvPr id="3" name="Content Placeholder 2"/>
-          <p:cNvSpPr>
-            <a:spLocks noGrp="1"/>
-          </p:cNvSpPr>
-          <p:nvPr>
-            <p:ph idx="1"/>
-          </p:nvPr>
-        </p:nvSpPr>
-        <p:spPr>
-          <a:xfrm>
-            <a:off x="457200" y="5334000"/>
-            <a:ext cx="8229600" cy="1447800"/>
-          </a:xfrm>
-        </p:spPr>
-        <p:txBody>
-          <a:bodyPr>
-            <a:normAutofit fontScale="85000" lnSpcReduction="20000"/>
-          </a:bodyPr>
-          <a:lstStyle/>
-          <a:p>
-            <a:r>
-              <a:rPr lang="en-US" dirty="0"/>
-              <a:t>You can then </a:t>
-            </a:r>
-            <a:r>
-              <a:rPr lang="en-US" b="1" dirty="0"/>
-              <a:t>Revert</a:t>
-            </a:r>
-            <a:r>
-              <a:rPr lang="en-US" dirty="0"/>
-              <a:t> back to that point in the project… maybe start a new branch or see what you did or changed… this is WHY you use Version Control in the first place</a:t>
-            </a:r>
-          </a:p>
-        </p:txBody>
-      </p:sp>
-      <p:pic>
-        <p:nvPicPr>
-          <p:cNvPr id="13314" name="Picture 2"/>
-          <p:cNvPicPr>
-            <a:picLocks noChangeAspect="1" noChangeArrowheads="1"/>
-          </p:cNvPicPr>
-          <p:nvPr/>
-        </p:nvPicPr>
-        <p:blipFill>
-          <a:blip r:embed="rId2">
-            <a:extLst>
-              <a:ext uri="{28A0092B-C50C-407E-A947-70E740481C1C}">
-                <a14:useLocalDpi xmlns:a14="http://schemas.microsoft.com/office/drawing/2010/main" val="0"/>
-              </a:ext>
-            </a:extLst>
-          </a:blip>
-          <a:srcRect/>
-          <a:stretch>
-            <a:fillRect/>
-          </a:stretch>
-        </p:blipFill>
-        <p:spPr bwMode="auto">
-          <a:xfrm>
-            <a:off x="762000" y="685800"/>
-            <a:ext cx="7620000" cy="4279900"/>
-          </a:xfrm>
-          <a:prstGeom prst="rect">
-            <a:avLst/>
-          </a:prstGeom>
-          <a:noFill/>
-          <a:ln>
-            <a:noFill/>
-          </a:ln>
-          <a:effectLst/>
-          <a:extLst>
-            <a:ext uri="{909E8E84-426E-40DD-AFC4-6F175D3DCCD1}">
-              <a14:hiddenFill xmlns:a14="http://schemas.microsoft.com/office/drawing/2010/main">
-                <a:solidFill>
-                  <a:schemeClr val="accent1"/>
-                </a:solidFill>
-              </a14:hiddenFill>
-            </a:ext>
-            <a:ext uri="{91240B29-F687-4F45-9708-019B960494DF}">
-              <a14:hiddenLine xmlns:a14="http://schemas.microsoft.com/office/drawing/2010/main" w="9525">
-                <a:solidFill>
-                  <a:schemeClr val="tx1"/>
-                </a:solidFill>
-                <a:miter lim="800000"/>
-                <a:headEnd/>
-                <a:tailEnd/>
-              </a14:hiddenLine>
-            </a:ext>
-            <a:ext uri="{AF507438-7753-43E0-B8FC-AC1667EBCBE1}">
-              <a14:hiddenEffects xmlns:a14="http://schemas.microsoft.com/office/drawing/2010/main">
-                <a:effectLst>
-                  <a:outerShdw dist="35921" dir="2700000" algn="ctr" rotWithShape="0">
-                    <a:schemeClr val="bg2"/>
-                  </a:outerShdw>
-                </a:effectLst>
-              </a14:hiddenEffects>
-            </a:ext>
-          </a:extLst>
-        </p:spPr>
-      </p:pic>
-    </p:spTree>
-    <p:extLst>
-      <p:ext uri="{BB962C8B-B14F-4D97-AF65-F5344CB8AC3E}">
-        <p14:creationId xmlns:p14="http://schemas.microsoft.com/office/powerpoint/2010/main" val="4137830036"/>
-      </p:ext>
-    </p:extLst>
-  </p:cSld>
-  <p:clrMapOvr>
-    <a:masterClrMapping/>
-  </p:clrMapOvr>
-</p:sld>
-</file>
-
-<file path=ppt/slides/slide38.xml><?xml version="1.0" encoding="utf-8"?>
-<p:sld xmlns:a="http://schemas.openxmlformats.org/drawingml/2006/main" xmlns:r="http://schemas.openxmlformats.org/officeDocument/2006/relationships" xmlns:p="http://schemas.openxmlformats.org/presentationml/2006/main">
-  <p:cSld>
-    <p:spTree>
-      <p:nvGrpSpPr>
-        <p:cNvPr id="1" name=""/>
-        <p:cNvGrpSpPr/>
-        <p:nvPr/>
-      </p:nvGrpSpPr>
-      <p:grpSpPr>
-        <a:xfrm>
-          <a:off x="0" y="0"/>
-          <a:ext cx="0" cy="0"/>
-          <a:chOff x="0" y="0"/>
-          <a:chExt cx="0" cy="0"/>
-        </a:xfrm>
-      </p:grpSpPr>
-      <p:sp>
-        <p:nvSpPr>
-          <p:cNvPr id="2" name="Title 1"/>
-          <p:cNvSpPr>
-            <a:spLocks noGrp="1"/>
-          </p:cNvSpPr>
-          <p:nvPr>
-            <p:ph type="title"/>
-          </p:nvPr>
-        </p:nvSpPr>
-        <p:spPr/>
-        <p:txBody>
-          <a:bodyPr/>
-          <a:lstStyle/>
-          <a:p>
-            <a:r>
-              <a:rPr lang="en-US" dirty="0"/>
-              <a:t>Recap</a:t>
-            </a:r>
-          </a:p>
-        </p:txBody>
-      </p:sp>
-      <p:sp>
-        <p:nvSpPr>
-          <p:cNvPr id="3" name="Content Placeholder 2"/>
-          <p:cNvSpPr>
-            <a:spLocks noGrp="1"/>
-          </p:cNvSpPr>
-          <p:nvPr>
-            <p:ph idx="1"/>
-          </p:nvPr>
-        </p:nvSpPr>
-        <p:spPr/>
-        <p:txBody>
-          <a:bodyPr>
-            <a:normAutofit fontScale="92500" lnSpcReduction="20000"/>
-          </a:bodyPr>
-          <a:lstStyle/>
-          <a:p>
-            <a:r>
-              <a:rPr lang="en-US" dirty="0"/>
-              <a:t>Get Repository (</a:t>
-            </a:r>
-            <a:r>
-              <a:rPr lang="en-US" b="1" dirty="0"/>
-              <a:t>Clone</a:t>
-            </a:r>
-            <a:r>
-              <a:rPr lang="en-US" dirty="0"/>
-              <a:t>)</a:t>
-            </a:r>
-            <a:r>
-              <a:rPr lang="en-US" b="1" dirty="0"/>
-              <a:t> </a:t>
-            </a:r>
-            <a:r>
-              <a:rPr lang="en-US" dirty="0"/>
-              <a:t>or Sync it </a:t>
-            </a:r>
-            <a:r>
-              <a:rPr lang="en-US" b="1" dirty="0"/>
-              <a:t>(Fetch)</a:t>
-            </a:r>
-          </a:p>
-          <a:p>
-            <a:r>
-              <a:rPr lang="en-US" dirty="0"/>
-              <a:t>Know which </a:t>
-            </a:r>
-            <a:r>
-              <a:rPr lang="en-US" b="1" dirty="0"/>
-              <a:t>Branch</a:t>
-            </a:r>
-            <a:r>
-              <a:rPr lang="en-US" dirty="0"/>
-              <a:t> you are in</a:t>
-            </a:r>
-          </a:p>
-          <a:p>
-            <a:r>
-              <a:rPr lang="en-US" dirty="0"/>
-              <a:t>Make your changes</a:t>
-            </a:r>
-          </a:p>
-          <a:p>
-            <a:r>
-              <a:rPr lang="en-US" dirty="0"/>
-              <a:t>Set which changes you are </a:t>
-            </a:r>
-            <a:r>
-              <a:rPr lang="en-US" b="1" dirty="0"/>
-              <a:t>Staging</a:t>
-            </a:r>
-          </a:p>
-          <a:p>
-            <a:r>
-              <a:rPr lang="en-US" b="1" dirty="0"/>
-              <a:t>Commit </a:t>
-            </a:r>
-            <a:r>
-              <a:rPr lang="en-US" dirty="0"/>
-              <a:t>the changes</a:t>
-            </a:r>
-          </a:p>
-          <a:p>
-            <a:r>
-              <a:rPr lang="en-US" dirty="0"/>
-              <a:t>When ready, Sync or send a Pull Request</a:t>
-            </a:r>
-          </a:p>
-          <a:p>
-            <a:r>
-              <a:rPr lang="en-US" dirty="0"/>
-              <a:t>Think how awesome it is you can now work on code projects with someone else, granted they probably didn’t comment it correctly, but that’s a different slide show I am not writing</a:t>
-            </a:r>
-          </a:p>
-          <a:p>
-            <a:endParaRPr lang="en-US" b="1" dirty="0"/>
-          </a:p>
-        </p:txBody>
-      </p:sp>
-    </p:spTree>
-    <p:extLst>
-      <p:ext uri="{BB962C8B-B14F-4D97-AF65-F5344CB8AC3E}">
-        <p14:creationId xmlns:p14="http://schemas.microsoft.com/office/powerpoint/2010/main" val="1450128929"/>
-      </p:ext>
-    </p:extLst>
-  </p:cSld>
-  <p:clrMapOvr>
-    <a:masterClrMapping/>
-  </p:clrMapOvr>
-</p:sld>
-</file>
-
-<file path=ppt/slides/slide39.xml><?xml version="1.0" encoding="utf-8"?>
-<p:sld xmlns:a="http://schemas.openxmlformats.org/drawingml/2006/main" xmlns:r="http://schemas.openxmlformats.org/officeDocument/2006/relationships" xmlns:p="http://schemas.openxmlformats.org/presentationml/2006/main">
-  <p:cSld>
-    <p:spTree>
-      <p:nvGrpSpPr>
-        <p:cNvPr id="1" name=""/>
-        <p:cNvGrpSpPr/>
-        <p:nvPr/>
-      </p:nvGrpSpPr>
-      <p:grpSpPr>
-        <a:xfrm>
-          <a:off x="0" y="0"/>
-          <a:ext cx="0" cy="0"/>
-          <a:chOff x="0" y="0"/>
-          <a:chExt cx="0" cy="0"/>
-        </a:xfrm>
-      </p:grpSpPr>
-      <p:sp>
-        <p:nvSpPr>
-          <p:cNvPr id="2" name="Title 1"/>
-          <p:cNvSpPr>
-            <a:spLocks noGrp="1"/>
-          </p:cNvSpPr>
-          <p:nvPr>
-            <p:ph type="title"/>
-          </p:nvPr>
-        </p:nvSpPr>
-        <p:spPr/>
-        <p:txBody>
-          <a:bodyPr/>
-          <a:lstStyle/>
-          <a:p>
-            <a:r>
-              <a:rPr lang="en-US" dirty="0"/>
-              <a:t>Best Practice</a:t>
-            </a:r>
-          </a:p>
-        </p:txBody>
-      </p:sp>
-      <p:sp>
-        <p:nvSpPr>
-          <p:cNvPr id="3" name="Content Placeholder 2"/>
-          <p:cNvSpPr>
-            <a:spLocks noGrp="1"/>
-          </p:cNvSpPr>
-          <p:nvPr>
-            <p:ph idx="1"/>
-          </p:nvPr>
-        </p:nvSpPr>
-        <p:spPr/>
-        <p:txBody>
-          <a:bodyPr/>
-          <a:lstStyle/>
-          <a:p>
-            <a:r>
-              <a:rPr lang="en-US" dirty="0"/>
-              <a:t>These are the best two sites to practice with</a:t>
-            </a:r>
-          </a:p>
-          <a:p>
-            <a:pPr lvl="1"/>
-            <a:r>
-              <a:rPr lang="en-US" dirty="0">
-                <a:hlinkClick r:id="rId2"/>
-              </a:rPr>
-              <a:t>https://try.github.io/levels/1/challenges/1</a:t>
-            </a:r>
-            <a:endParaRPr lang="en-US" dirty="0"/>
-          </a:p>
-          <a:p>
-            <a:pPr lvl="1"/>
-            <a:r>
-              <a:rPr lang="en-US" dirty="0">
-                <a:hlinkClick r:id="rId3"/>
-              </a:rPr>
-              <a:t>http://learngitbranching.js.org/</a:t>
-            </a:r>
-            <a:endParaRPr lang="en-US" dirty="0"/>
-          </a:p>
-          <a:p>
-            <a:pPr lvl="1"/>
-            <a:endParaRPr lang="en-US" dirty="0"/>
-          </a:p>
-          <a:p>
-            <a:r>
-              <a:rPr lang="en-US" dirty="0"/>
-              <a:t>Here is a repo you can mess with</a:t>
-            </a:r>
-          </a:p>
-          <a:p>
-            <a:pPr marL="457200" lvl="1" indent="0">
-              <a:buNone/>
-            </a:pPr>
-            <a:r>
-              <a:rPr lang="en-US" dirty="0">
-                <a:hlinkClick r:id="rId4"/>
-              </a:rPr>
-              <a:t>https://github.com/sjfricke/IEEE_Practice_Git</a:t>
-            </a:r>
-            <a:endParaRPr lang="en-US" dirty="0"/>
-          </a:p>
-          <a:p>
-            <a:pPr marL="457200" lvl="1" indent="0">
-              <a:buNone/>
-            </a:pPr>
-            <a:endParaRPr lang="en-US" dirty="0"/>
-          </a:p>
-        </p:txBody>
-      </p:sp>
-    </p:spTree>
-    <p:extLst>
-      <p:ext uri="{BB962C8B-B14F-4D97-AF65-F5344CB8AC3E}">
-        <p14:creationId xmlns:p14="http://schemas.microsoft.com/office/powerpoint/2010/main" val="3156236277"/>
-      </p:ext>
-    </p:extLst>
-  </p:cSld>
-  <p:clrMapOvr>
-    <a:masterClrMapping/>
-  </p:clrMapOvr>
-</p:sld>
-</file>
-
-<file path=ppt/slides/slide4.xml><?xml version="1.0" encoding="utf-8"?>
-<p:sld xmlns:a="http://schemas.openxmlformats.org/drawingml/2006/main" xmlns:r="http://schemas.openxmlformats.org/officeDocument/2006/relationships" xmlns:p="http://schemas.openxmlformats.org/presentationml/2006/main">
-  <p:cSld>
-    <p:spTree>
-      <p:nvGrpSpPr>
-        <p:cNvPr id="1" name=""/>
-        <p:cNvGrpSpPr/>
-        <p:nvPr/>
-      </p:nvGrpSpPr>
-      <p:grpSpPr>
-        <a:xfrm>
-          <a:off x="0" y="0"/>
-          <a:ext cx="0" cy="0"/>
-          <a:chOff x="0" y="0"/>
-          <a:chExt cx="0" cy="0"/>
-        </a:xfrm>
-      </p:grpSpPr>
-      <p:sp>
-        <p:nvSpPr>
-          <p:cNvPr id="2" name="Title 1"/>
-          <p:cNvSpPr>
-            <a:spLocks noGrp="1"/>
-          </p:cNvSpPr>
-          <p:nvPr>
-            <p:ph type="title"/>
-          </p:nvPr>
-        </p:nvSpPr>
-        <p:spPr/>
-        <p:txBody>
-          <a:bodyPr/>
-          <a:lstStyle/>
-          <a:p>
-            <a:r>
-              <a:rPr lang="en-US" dirty="0" err="1"/>
-              <a:t>Gotta</a:t>
-            </a:r>
-            <a:r>
-              <a:rPr lang="en-US" dirty="0"/>
-              <a:t> Get </a:t>
-            </a:r>
-            <a:r>
-              <a:rPr lang="en-US" dirty="0" err="1"/>
-              <a:t>Git</a:t>
-            </a:r>
-            <a:r>
-              <a:rPr lang="en-US" dirty="0"/>
-              <a:t>  </a:t>
-            </a:r>
-          </a:p>
-        </p:txBody>
-      </p:sp>
-      <p:sp>
-        <p:nvSpPr>
-          <p:cNvPr id="3" name="Content Placeholder 2"/>
-          <p:cNvSpPr>
-            <a:spLocks noGrp="1"/>
-          </p:cNvSpPr>
-          <p:nvPr>
-            <p:ph idx="1"/>
-          </p:nvPr>
-        </p:nvSpPr>
-        <p:spPr/>
-        <p:txBody>
-          <a:bodyPr/>
-          <a:lstStyle/>
-          <a:p>
-            <a:r>
-              <a:rPr lang="en-US" dirty="0"/>
-              <a:t>Command Line</a:t>
-            </a:r>
-          </a:p>
-          <a:p>
-            <a:pPr lvl="1"/>
-            <a:r>
-              <a:rPr lang="en-US" dirty="0">
-                <a:hlinkClick r:id="rId2"/>
-              </a:rPr>
-              <a:t>https://git-scm.com/downloads</a:t>
-            </a:r>
-            <a:endParaRPr lang="en-US" dirty="0"/>
-          </a:p>
-          <a:p>
-            <a:pPr lvl="2"/>
-            <a:r>
-              <a:rPr lang="en-US" dirty="0" err="1"/>
-              <a:t>Git</a:t>
-            </a:r>
-            <a:r>
-              <a:rPr lang="en-US" dirty="0"/>
-              <a:t> Bash is just a Windows side application that opens a command prompt with </a:t>
-            </a:r>
-            <a:r>
-              <a:rPr lang="en-US" dirty="0" err="1"/>
-              <a:t>Git</a:t>
-            </a:r>
-            <a:endParaRPr lang="en-US" dirty="0"/>
-          </a:p>
-          <a:p>
-            <a:r>
-              <a:rPr lang="en-US" dirty="0"/>
-              <a:t>GitHub Desktop GUI </a:t>
-            </a:r>
-            <a:r>
-              <a:rPr lang="en-US" sz="2800" dirty="0"/>
-              <a:t>(what I </a:t>
-            </a:r>
-            <a:r>
-              <a:rPr lang="en-US" sz="2800" dirty="0" smtClean="0"/>
-              <a:t>recommend at first) </a:t>
-            </a:r>
-            <a:endParaRPr lang="en-US" sz="2800" dirty="0"/>
-          </a:p>
-          <a:p>
-            <a:pPr lvl="1"/>
-            <a:r>
-              <a:rPr lang="en-US" dirty="0">
-                <a:hlinkClick r:id="rId3"/>
-              </a:rPr>
-              <a:t>https://desktop.github.com/</a:t>
-            </a:r>
-            <a:endParaRPr lang="en-US" dirty="0"/>
-          </a:p>
-        </p:txBody>
-      </p:sp>
-    </p:spTree>
-    <p:extLst>
-      <p:ext uri="{BB962C8B-B14F-4D97-AF65-F5344CB8AC3E}">
-        <p14:creationId xmlns:p14="http://schemas.microsoft.com/office/powerpoint/2010/main" val="488103340"/>
-      </p:ext>
-    </p:extLst>
-  </p:cSld>
-  <p:clrMapOvr>
-    <a:masterClrMapping/>
-  </p:clrMapOvr>
-  <p:timing>
-    <p:tnLst>
-      <p:par>
-        <p:cTn id="1" dur="indefinite" restart="never" nodeType="tmRoot"/>
-      </p:par>
-    </p:tnLst>
-  </p:timing>
-</p:sld>
-</file>
-
 <file path=ppt/slides/slide5.xml><?xml version="1.0" encoding="utf-8"?>
 <p:sld xmlns:a="http://schemas.openxmlformats.org/drawingml/2006/main" xmlns:r="http://schemas.openxmlformats.org/officeDocument/2006/relationships" xmlns:p="http://schemas.openxmlformats.org/presentationml/2006/main">
   <p:cSld>
@@ -17643,11 +17893,19 @@
           <a:p>
             <a:r>
               <a:rPr lang="en-US" dirty="0" err="1"/>
+              <a:t>Gotta</a:t>
+            </a:r>
+            <a:r>
+              <a:rPr lang="en-US" dirty="0"/>
+              <a:t> Get </a:t>
+            </a:r>
+            <a:r>
+              <a:rPr lang="en-US" dirty="0" err="1"/>
               <a:t>Git</a:t>
             </a:r>
             <a:r>
               <a:rPr lang="en-US" dirty="0"/>
-              <a:t> 101- What happens to code</a:t>
+              <a:t>  </a:t>
             </a:r>
           </a:p>
         </p:txBody>
@@ -17662,63 +17920,103 @@
             <p:ph idx="1"/>
           </p:nvPr>
         </p:nvSpPr>
-        <p:spPr>
-          <a:xfrm>
-            <a:off x="457200" y="1453497"/>
-            <a:ext cx="8229600" cy="4525963"/>
-          </a:xfrm>
-        </p:spPr>
+        <p:spPr/>
         <p:txBody>
-          <a:bodyPr/>
+          <a:bodyPr>
+            <a:normAutofit lnSpcReduction="10000"/>
+          </a:bodyPr>
           <a:lstStyle/>
           <a:p>
             <a:r>
+              <a:rPr lang="en-US" dirty="0"/>
+              <a:t>Command Line</a:t>
+            </a:r>
+          </a:p>
+          <a:p>
+            <a:pPr lvl="1"/>
+            <a:r>
+              <a:rPr lang="en-US" dirty="0">
+                <a:hlinkClick r:id="rId2"/>
+              </a:rPr>
+              <a:t>https://git-scm.com/downloads</a:t>
+            </a:r>
+            <a:endParaRPr lang="en-US" dirty="0"/>
+          </a:p>
+          <a:p>
+            <a:pPr lvl="2"/>
+            <a:r>
+              <a:rPr lang="en-US" dirty="0" err="1"/>
+              <a:t>Git</a:t>
+            </a:r>
+            <a:r>
+              <a:rPr lang="en-US" dirty="0"/>
+              <a:t> Bash is just a Windows side application that opens a command prompt with </a:t>
+            </a:r>
+            <a:r>
+              <a:rPr lang="en-US" dirty="0" err="1"/>
+              <a:t>Git</a:t>
+            </a:r>
+            <a:endParaRPr lang="en-US" dirty="0"/>
+          </a:p>
+          <a:p>
+            <a:r>
+              <a:rPr lang="en-US" dirty="0"/>
+              <a:t>GitHub Desktop GUI </a:t>
+            </a:r>
+            <a:r>
               <a:rPr lang="en-US" sz="2800" dirty="0"/>
-              <a:t>Repository (the code) is saved on local computer</a:t>
-            </a:r>
-          </a:p>
-          <a:p>
-            <a:r>
-              <a:rPr lang="en-US" dirty="0"/>
-              <a:t>Repositories can then be </a:t>
-            </a:r>
-            <a:r>
-              <a:rPr lang="en-US" b="1" dirty="0"/>
-              <a:t>Pushed</a:t>
-            </a:r>
-            <a:r>
-              <a:rPr lang="en-US" dirty="0"/>
-              <a:t> to a remote server where other people can push too</a:t>
-            </a:r>
+              <a:t>(what I </a:t>
+            </a:r>
+            <a:r>
+              <a:rPr lang="en-US" sz="2800" dirty="0" smtClean="0"/>
+              <a:t>recommend at first) </a:t>
+            </a:r>
+            <a:endParaRPr lang="en-US" sz="2800" dirty="0"/>
+          </a:p>
+          <a:p>
+            <a:pPr lvl="1"/>
+            <a:r>
+              <a:rPr lang="en-US" dirty="0">
+                <a:hlinkClick r:id="rId3"/>
+              </a:rPr>
+              <a:t>https://desktop.github.com</a:t>
+            </a:r>
+            <a:r>
+              <a:rPr lang="en-US" dirty="0" smtClean="0">
+                <a:hlinkClick r:id="rId3"/>
+              </a:rPr>
+              <a:t>/</a:t>
+            </a:r>
+            <a:endParaRPr lang="en-US" dirty="0" smtClean="0"/>
+          </a:p>
+          <a:p>
+            <a:pPr lvl="1"/>
+            <a:endParaRPr lang="en-US" dirty="0"/>
+          </a:p>
+          <a:p>
+            <a:r>
+              <a:rPr lang="en-US" dirty="0" smtClean="0"/>
+              <a:t>Make a GitHub account too!</a:t>
+            </a:r>
+          </a:p>
+          <a:p>
+            <a:pPr lvl="1"/>
+            <a:r>
+              <a:rPr lang="en-US" dirty="0" smtClean="0"/>
+              <a:t>Use Student email </a:t>
+            </a:r>
+            <a:r>
+              <a:rPr lang="en-US" smtClean="0"/>
+              <a:t>if possible</a:t>
+            </a:r>
+            <a:endParaRPr lang="en-US"/>
           </a:p>
         </p:txBody>
       </p:sp>
-      <p:graphicFrame>
-        <p:nvGraphicFramePr>
-          <p:cNvPr id="4" name="Diagram 3"/>
-          <p:cNvGraphicFramePr/>
-          <p:nvPr>
-            <p:extLst>
-              <p:ext uri="{D42A27DB-BD31-4B8C-83A1-F6EECF244321}">
-                <p14:modId xmlns:p14="http://schemas.microsoft.com/office/powerpoint/2010/main" val="4220905896"/>
-              </p:ext>
-            </p:extLst>
-          </p:nvPr>
-        </p:nvGraphicFramePr>
-        <p:xfrm>
-          <a:off x="1524000" y="2794000"/>
-          <a:ext cx="6096000" cy="4064000"/>
-        </p:xfrm>
-        <a:graphic>
-          <a:graphicData uri="http://schemas.openxmlformats.org/drawingml/2006/diagram">
-            <dgm:relIds xmlns:dgm="http://schemas.openxmlformats.org/drawingml/2006/diagram" xmlns:r="http://schemas.openxmlformats.org/officeDocument/2006/relationships" r:dm="rId2" r:lo="rId3" r:qs="rId4" r:cs="rId5"/>
-          </a:graphicData>
-        </a:graphic>
-      </p:graphicFrame>
     </p:spTree>
     <p:extLst>
       <p:ext uri="{BB962C8B-B14F-4D97-AF65-F5344CB8AC3E}">
-        <p14:creationId xmlns:p14="http://schemas.microsoft.com/office/powerpoint/2010/main" val="2272778387"/>
+        <p14:creationId xmlns:p14="http://schemas.microsoft.com/office/powerpoint/2010/main" val="488103340"/>
       </p:ext>
     </p:extLst>
   </p:cSld>
@@ -17768,6 +18066,132 @@
           <a:lstStyle/>
           <a:p>
             <a:r>
+              <a:rPr lang="en-US" dirty="0" err="1"/>
+              <a:t>Git</a:t>
+            </a:r>
+            <a:r>
+              <a:rPr lang="en-US" dirty="0"/>
+              <a:t> 101- What happens to code</a:t>
+            </a:r>
+          </a:p>
+        </p:txBody>
+      </p:sp>
+      <p:sp>
+        <p:nvSpPr>
+          <p:cNvPr id="3" name="Content Placeholder 2"/>
+          <p:cNvSpPr>
+            <a:spLocks noGrp="1"/>
+          </p:cNvSpPr>
+          <p:nvPr>
+            <p:ph idx="1"/>
+          </p:nvPr>
+        </p:nvSpPr>
+        <p:spPr>
+          <a:xfrm>
+            <a:off x="457200" y="1453497"/>
+            <a:ext cx="8229600" cy="4525963"/>
+          </a:xfrm>
+        </p:spPr>
+        <p:txBody>
+          <a:bodyPr/>
+          <a:lstStyle/>
+          <a:p>
+            <a:r>
+              <a:rPr lang="en-US" sz="2800" dirty="0"/>
+              <a:t>Repository (the code) is saved on local computer</a:t>
+            </a:r>
+          </a:p>
+          <a:p>
+            <a:r>
+              <a:rPr lang="en-US" dirty="0"/>
+              <a:t>Repositories can then be </a:t>
+            </a:r>
+            <a:r>
+              <a:rPr lang="en-US" b="1" dirty="0"/>
+              <a:t>Pushed</a:t>
+            </a:r>
+            <a:r>
+              <a:rPr lang="en-US" dirty="0"/>
+              <a:t> to a remote server where other people can push too</a:t>
+            </a:r>
+          </a:p>
+        </p:txBody>
+      </p:sp>
+      <p:graphicFrame>
+        <p:nvGraphicFramePr>
+          <p:cNvPr id="4" name="Diagram 3"/>
+          <p:cNvGraphicFramePr/>
+          <p:nvPr>
+            <p:extLst>
+              <p:ext uri="{D42A27DB-BD31-4B8C-83A1-F6EECF244321}">
+                <p14:modId xmlns:p14="http://schemas.microsoft.com/office/powerpoint/2010/main" val="4220905896"/>
+              </p:ext>
+            </p:extLst>
+          </p:nvPr>
+        </p:nvGraphicFramePr>
+        <p:xfrm>
+          <a:off x="1524000" y="2794000"/>
+          <a:ext cx="6096000" cy="4064000"/>
+        </p:xfrm>
+        <a:graphic>
+          <a:graphicData uri="http://schemas.openxmlformats.org/drawingml/2006/diagram">
+            <dgm:relIds xmlns:dgm="http://schemas.openxmlformats.org/drawingml/2006/diagram" xmlns:r="http://schemas.openxmlformats.org/officeDocument/2006/relationships" r:dm="rId2" r:lo="rId3" r:qs="rId4" r:cs="rId5"/>
+          </a:graphicData>
+        </a:graphic>
+      </p:graphicFrame>
+    </p:spTree>
+    <p:extLst>
+      <p:ext uri="{BB962C8B-B14F-4D97-AF65-F5344CB8AC3E}">
+        <p14:creationId xmlns:p14="http://schemas.microsoft.com/office/powerpoint/2010/main" val="2272778387"/>
+      </p:ext>
+    </p:extLst>
+  </p:cSld>
+  <p:clrMapOvr>
+    <a:masterClrMapping/>
+  </p:clrMapOvr>
+  <p:timing>
+    <p:tnLst>
+      <p:par>
+        <p:cTn id="1" dur="indefinite" restart="never" nodeType="tmRoot"/>
+      </p:par>
+    </p:tnLst>
+  </p:timing>
+</p:sld>
+</file>
+
+<file path=ppt/slides/slide7.xml><?xml version="1.0" encoding="utf-8"?>
+<p:sld xmlns:a="http://schemas.openxmlformats.org/drawingml/2006/main" xmlns:r="http://schemas.openxmlformats.org/officeDocument/2006/relationships" xmlns:p="http://schemas.openxmlformats.org/presentationml/2006/main">
+  <p:cSld>
+    <p:spTree>
+      <p:nvGrpSpPr>
+        <p:cNvPr id="1" name=""/>
+        <p:cNvGrpSpPr/>
+        <p:nvPr/>
+      </p:nvGrpSpPr>
+      <p:grpSpPr>
+        <a:xfrm>
+          <a:off x="0" y="0"/>
+          <a:ext cx="0" cy="0"/>
+          <a:chOff x="0" y="0"/>
+          <a:chExt cx="0" cy="0"/>
+        </a:xfrm>
+      </p:grpSpPr>
+      <p:sp>
+        <p:nvSpPr>
+          <p:cNvPr id="2" name="Title 1"/>
+          <p:cNvSpPr>
+            <a:spLocks noGrp="1"/>
+          </p:cNvSpPr>
+          <p:nvPr>
+            <p:ph type="title"/>
+          </p:nvPr>
+        </p:nvSpPr>
+        <p:spPr/>
+        <p:txBody>
+          <a:bodyPr/>
+          <a:lstStyle/>
+          <a:p>
+            <a:r>
               <a:rPr lang="en-US" dirty="0" smtClean="0"/>
               <a:t>How </a:t>
             </a:r>
@@ -17855,7 +18279,7 @@
 </p:sld>
 </file>
 
-<file path=ppt/slides/slide7.xml><?xml version="1.0" encoding="utf-8"?>
+<file path=ppt/slides/slide8.xml><?xml version="1.0" encoding="utf-8"?>
 <p:sld xmlns:a="http://schemas.openxmlformats.org/drawingml/2006/main" xmlns:r="http://schemas.openxmlformats.org/officeDocument/2006/relationships" xmlns:p="http://schemas.openxmlformats.org/presentationml/2006/main">
   <p:cSld>
     <p:spTree>
@@ -18587,470 +19011,6 @@
 </p:sld>
 </file>
 
-<file path=ppt/slides/slide8.xml><?xml version="1.0" encoding="utf-8"?>
-<p:sld xmlns:a="http://schemas.openxmlformats.org/drawingml/2006/main" xmlns:r="http://schemas.openxmlformats.org/officeDocument/2006/relationships" xmlns:p="http://schemas.openxmlformats.org/presentationml/2006/main">
-  <p:cSld>
-    <p:spTree>
-      <p:nvGrpSpPr>
-        <p:cNvPr id="1" name=""/>
-        <p:cNvGrpSpPr/>
-        <p:nvPr/>
-      </p:nvGrpSpPr>
-      <p:grpSpPr>
-        <a:xfrm>
-          <a:off x="0" y="0"/>
-          <a:ext cx="0" cy="0"/>
-          <a:chOff x="0" y="0"/>
-          <a:chExt cx="0" cy="0"/>
-        </a:xfrm>
-      </p:grpSpPr>
-      <p:sp>
-        <p:nvSpPr>
-          <p:cNvPr id="3" name="Content Placeholder 2"/>
-          <p:cNvSpPr>
-            <a:spLocks noGrp="1"/>
-          </p:cNvSpPr>
-          <p:nvPr>
-            <p:ph idx="1"/>
-          </p:nvPr>
-        </p:nvSpPr>
-        <p:spPr>
-          <a:xfrm>
-            <a:off x="0" y="0"/>
-            <a:ext cx="2209800" cy="3124200"/>
-          </a:xfrm>
-        </p:spPr>
-        <p:txBody>
-          <a:bodyPr/>
-          <a:lstStyle/>
-          <a:p>
-            <a:r>
-              <a:rPr lang="en-US" dirty="0" smtClean="0"/>
-              <a:t>HW2</a:t>
-            </a:r>
-          </a:p>
-          <a:p>
-            <a:pPr marL="0" indent="0">
-              <a:buNone/>
-            </a:pPr>
-            <a:r>
-              <a:rPr lang="en-US" dirty="0"/>
-              <a:t> </a:t>
-            </a:r>
-            <a:r>
-              <a:rPr lang="en-US" dirty="0" smtClean="0"/>
-              <a:t>    </a:t>
-            </a:r>
-            <a:r>
-              <a:rPr lang="en-US" dirty="0" err="1" smtClean="0"/>
-              <a:t>main.c</a:t>
-            </a:r>
-            <a:endParaRPr lang="en-US" dirty="0" smtClean="0"/>
-          </a:p>
-          <a:p>
-            <a:pPr marL="457200" lvl="1" indent="0">
-              <a:buNone/>
-            </a:pPr>
-            <a:r>
-              <a:rPr lang="en-US" dirty="0" err="1" smtClean="0"/>
-              <a:t>main.h</a:t>
-            </a:r>
-            <a:endParaRPr lang="en-US" dirty="0" smtClean="0"/>
-          </a:p>
-          <a:p>
-            <a:pPr marL="457200" lvl="1" indent="0">
-              <a:buNone/>
-            </a:pPr>
-            <a:r>
-              <a:rPr lang="en-US" dirty="0" smtClean="0"/>
-              <a:t>Include</a:t>
-            </a:r>
-          </a:p>
-          <a:p>
-            <a:pPr marL="914400" lvl="2" indent="0">
-              <a:buNone/>
-            </a:pPr>
-            <a:r>
-              <a:rPr lang="en-US" dirty="0" smtClean="0"/>
-              <a:t>  </a:t>
-            </a:r>
-            <a:r>
-              <a:rPr lang="en-US" dirty="0" err="1" smtClean="0"/>
-              <a:t>spi.c</a:t>
-            </a:r>
-            <a:endParaRPr lang="en-US" dirty="0" smtClean="0"/>
-          </a:p>
-          <a:p>
-            <a:pPr marL="914400" lvl="2" indent="0">
-              <a:buNone/>
-            </a:pPr>
-            <a:r>
-              <a:rPr lang="en-US" dirty="0" smtClean="0"/>
-              <a:t>  </a:t>
-            </a:r>
-            <a:r>
-              <a:rPr lang="en-US" dirty="0" err="1" smtClean="0"/>
-              <a:t>spi.h</a:t>
-            </a:r>
-            <a:endParaRPr lang="en-US" dirty="0" smtClean="0"/>
-          </a:p>
-        </p:txBody>
-      </p:sp>
-      <p:sp>
-        <p:nvSpPr>
-          <p:cNvPr id="4" name="Rectangle 3"/>
-          <p:cNvSpPr/>
-          <p:nvPr/>
-        </p:nvSpPr>
-        <p:spPr>
-          <a:xfrm>
-            <a:off x="0" y="0"/>
-            <a:ext cx="2057400" cy="3048000"/>
-          </a:xfrm>
-          <a:prstGeom prst="rect">
-            <a:avLst/>
-          </a:prstGeom>
-          <a:noFill/>
-          <a:ln>
-            <a:solidFill>
-              <a:schemeClr val="tx1"/>
-            </a:solidFill>
-          </a:ln>
-        </p:spPr>
-        <p:style>
-          <a:lnRef idx="2">
-            <a:schemeClr val="accent1">
-              <a:shade val="50000"/>
-            </a:schemeClr>
-          </a:lnRef>
-          <a:fillRef idx="1">
-            <a:schemeClr val="accent1"/>
-          </a:fillRef>
-          <a:effectRef idx="0">
-            <a:schemeClr val="accent1"/>
-          </a:effectRef>
-          <a:fontRef idx="minor">
-            <a:schemeClr val="lt1"/>
-          </a:fontRef>
-        </p:style>
-        <p:txBody>
-          <a:bodyPr rtlCol="0" anchor="ctr"/>
-          <a:lstStyle/>
-          <a:p>
-            <a:pPr algn="ctr"/>
-            <a:endParaRPr lang="en-US"/>
-          </a:p>
-        </p:txBody>
-      </p:sp>
-      <p:cxnSp>
-        <p:nvCxnSpPr>
-          <p:cNvPr id="8" name="Straight Connector 7"/>
-          <p:cNvCxnSpPr/>
-          <p:nvPr/>
-        </p:nvCxnSpPr>
-        <p:spPr>
-          <a:xfrm>
-            <a:off x="152400" y="304800"/>
-            <a:ext cx="0" cy="1600200"/>
-          </a:xfrm>
-          <a:prstGeom prst="line">
-            <a:avLst/>
-          </a:prstGeom>
-          <a:ln>
-            <a:solidFill>
-              <a:schemeClr val="tx1"/>
-            </a:solidFill>
-          </a:ln>
-        </p:spPr>
-        <p:style>
-          <a:lnRef idx="1">
-            <a:schemeClr val="accent1"/>
-          </a:lnRef>
-          <a:fillRef idx="0">
-            <a:schemeClr val="accent1"/>
-          </a:fillRef>
-          <a:effectRef idx="0">
-            <a:schemeClr val="accent1"/>
-          </a:effectRef>
-          <a:fontRef idx="minor">
-            <a:schemeClr val="tx1"/>
-          </a:fontRef>
-        </p:style>
-      </p:cxnSp>
-      <p:cxnSp>
-        <p:nvCxnSpPr>
-          <p:cNvPr id="11" name="Straight Connector 10"/>
-          <p:cNvCxnSpPr/>
-          <p:nvPr/>
-        </p:nvCxnSpPr>
-        <p:spPr>
-          <a:xfrm flipH="1">
-            <a:off x="152400" y="914400"/>
-            <a:ext cx="381000" cy="0"/>
-          </a:xfrm>
-          <a:prstGeom prst="line">
-            <a:avLst/>
-          </a:prstGeom>
-          <a:ln w="19050">
-            <a:solidFill>
-              <a:schemeClr val="tx1"/>
-            </a:solidFill>
-          </a:ln>
-        </p:spPr>
-        <p:style>
-          <a:lnRef idx="1">
-            <a:schemeClr val="accent1"/>
-          </a:lnRef>
-          <a:fillRef idx="0">
-            <a:schemeClr val="accent1"/>
-          </a:fillRef>
-          <a:effectRef idx="0">
-            <a:schemeClr val="accent1"/>
-          </a:effectRef>
-          <a:fontRef idx="minor">
-            <a:schemeClr val="tx1"/>
-          </a:fontRef>
-        </p:style>
-      </p:cxnSp>
-      <p:cxnSp>
-        <p:nvCxnSpPr>
-          <p:cNvPr id="14" name="Straight Connector 13"/>
-          <p:cNvCxnSpPr/>
-          <p:nvPr/>
-        </p:nvCxnSpPr>
-        <p:spPr>
-          <a:xfrm flipH="1">
-            <a:off x="152400" y="1447800"/>
-            <a:ext cx="381000" cy="0"/>
-          </a:xfrm>
-          <a:prstGeom prst="line">
-            <a:avLst/>
-          </a:prstGeom>
-          <a:ln w="19050">
-            <a:solidFill>
-              <a:schemeClr val="tx1"/>
-            </a:solidFill>
-          </a:ln>
-        </p:spPr>
-        <p:style>
-          <a:lnRef idx="1">
-            <a:schemeClr val="accent1"/>
-          </a:lnRef>
-          <a:fillRef idx="0">
-            <a:schemeClr val="accent1"/>
-          </a:fillRef>
-          <a:effectRef idx="0">
-            <a:schemeClr val="accent1"/>
-          </a:effectRef>
-          <a:fontRef idx="minor">
-            <a:schemeClr val="tx1"/>
-          </a:fontRef>
-        </p:style>
-      </p:cxnSp>
-      <p:cxnSp>
-        <p:nvCxnSpPr>
-          <p:cNvPr id="15" name="Straight Connector 14"/>
-          <p:cNvCxnSpPr/>
-          <p:nvPr/>
-        </p:nvCxnSpPr>
-        <p:spPr>
-          <a:xfrm flipH="1">
-            <a:off x="152400" y="1905000"/>
-            <a:ext cx="381000" cy="0"/>
-          </a:xfrm>
-          <a:prstGeom prst="line">
-            <a:avLst/>
-          </a:prstGeom>
-          <a:ln w="19050">
-            <a:solidFill>
-              <a:schemeClr val="tx1"/>
-            </a:solidFill>
-          </a:ln>
-        </p:spPr>
-        <p:style>
-          <a:lnRef idx="1">
-            <a:schemeClr val="accent1"/>
-          </a:lnRef>
-          <a:fillRef idx="0">
-            <a:schemeClr val="accent1"/>
-          </a:fillRef>
-          <a:effectRef idx="0">
-            <a:schemeClr val="accent1"/>
-          </a:effectRef>
-          <a:fontRef idx="minor">
-            <a:schemeClr val="tx1"/>
-          </a:fontRef>
-        </p:style>
-      </p:cxnSp>
-      <p:cxnSp>
-        <p:nvCxnSpPr>
-          <p:cNvPr id="16" name="Straight Connector 15"/>
-          <p:cNvCxnSpPr/>
-          <p:nvPr/>
-        </p:nvCxnSpPr>
-        <p:spPr>
-          <a:xfrm flipH="1">
-            <a:off x="685800" y="2438400"/>
-            <a:ext cx="381000" cy="0"/>
-          </a:xfrm>
-          <a:prstGeom prst="line">
-            <a:avLst/>
-          </a:prstGeom>
-          <a:ln w="19050">
-            <a:solidFill>
-              <a:schemeClr val="tx1"/>
-            </a:solidFill>
-          </a:ln>
-        </p:spPr>
-        <p:style>
-          <a:lnRef idx="1">
-            <a:schemeClr val="accent1"/>
-          </a:lnRef>
-          <a:fillRef idx="0">
-            <a:schemeClr val="accent1"/>
-          </a:fillRef>
-          <a:effectRef idx="0">
-            <a:schemeClr val="accent1"/>
-          </a:effectRef>
-          <a:fontRef idx="minor">
-            <a:schemeClr val="tx1"/>
-          </a:fontRef>
-        </p:style>
-      </p:cxnSp>
-      <p:cxnSp>
-        <p:nvCxnSpPr>
-          <p:cNvPr id="17" name="Straight Connector 16"/>
-          <p:cNvCxnSpPr/>
-          <p:nvPr/>
-        </p:nvCxnSpPr>
-        <p:spPr>
-          <a:xfrm flipH="1">
-            <a:off x="685800" y="2895600"/>
-            <a:ext cx="381000" cy="0"/>
-          </a:xfrm>
-          <a:prstGeom prst="line">
-            <a:avLst/>
-          </a:prstGeom>
-          <a:ln w="19050">
-            <a:solidFill>
-              <a:schemeClr val="tx1"/>
-            </a:solidFill>
-          </a:ln>
-        </p:spPr>
-        <p:style>
-          <a:lnRef idx="1">
-            <a:schemeClr val="accent1"/>
-          </a:lnRef>
-          <a:fillRef idx="0">
-            <a:schemeClr val="accent1"/>
-          </a:fillRef>
-          <a:effectRef idx="0">
-            <a:schemeClr val="accent1"/>
-          </a:effectRef>
-          <a:fontRef idx="minor">
-            <a:schemeClr val="tx1"/>
-          </a:fontRef>
-        </p:style>
-      </p:cxnSp>
-      <p:cxnSp>
-        <p:nvCxnSpPr>
-          <p:cNvPr id="18" name="Straight Connector 17"/>
-          <p:cNvCxnSpPr/>
-          <p:nvPr/>
-        </p:nvCxnSpPr>
-        <p:spPr>
-          <a:xfrm>
-            <a:off x="685800" y="2057400"/>
-            <a:ext cx="0" cy="838200"/>
-          </a:xfrm>
-          <a:prstGeom prst="line">
-            <a:avLst/>
-          </a:prstGeom>
-          <a:ln>
-            <a:solidFill>
-              <a:schemeClr val="tx1"/>
-            </a:solidFill>
-          </a:ln>
-        </p:spPr>
-        <p:style>
-          <a:lnRef idx="1">
-            <a:schemeClr val="accent1"/>
-          </a:lnRef>
-          <a:fillRef idx="0">
-            <a:schemeClr val="accent1"/>
-          </a:fillRef>
-          <a:effectRef idx="0">
-            <a:schemeClr val="accent1"/>
-          </a:effectRef>
-          <a:fontRef idx="minor">
-            <a:schemeClr val="tx1"/>
-          </a:fontRef>
-        </p:style>
-      </p:cxnSp>
-      <p:sp>
-        <p:nvSpPr>
-          <p:cNvPr id="21" name="Flowchart: Connector 20"/>
-          <p:cNvSpPr/>
-          <p:nvPr/>
-        </p:nvSpPr>
-        <p:spPr>
-          <a:xfrm>
-            <a:off x="5334000" y="152400"/>
-            <a:ext cx="685800" cy="685800"/>
-          </a:xfrm>
-          <a:prstGeom prst="flowChartConnector">
-            <a:avLst/>
-          </a:prstGeom>
-        </p:spPr>
-        <p:style>
-          <a:lnRef idx="2">
-            <a:schemeClr val="accent1">
-              <a:shade val="50000"/>
-            </a:schemeClr>
-          </a:lnRef>
-          <a:fillRef idx="1">
-            <a:schemeClr val="accent1"/>
-          </a:fillRef>
-          <a:effectRef idx="0">
-            <a:schemeClr val="accent1"/>
-          </a:effectRef>
-          <a:fontRef idx="minor">
-            <a:schemeClr val="lt1"/>
-          </a:fontRef>
-        </p:style>
-        <p:txBody>
-          <a:bodyPr rtlCol="0" anchor="ctr"/>
-          <a:lstStyle/>
-          <a:p>
-            <a:pPr algn="ctr"/>
-            <a:r>
-              <a:rPr lang="en-US" sz="1100" dirty="0" smtClean="0"/>
-              <a:t>BASE</a:t>
-            </a:r>
-            <a:endParaRPr lang="en-US" sz="1100" dirty="0"/>
-          </a:p>
-        </p:txBody>
-      </p:sp>
-    </p:spTree>
-    <p:extLst>
-      <p:ext uri="{BB962C8B-B14F-4D97-AF65-F5344CB8AC3E}">
-        <p14:creationId xmlns:p14="http://schemas.microsoft.com/office/powerpoint/2010/main" val="3506162227"/>
-      </p:ext>
-    </p:extLst>
-  </p:cSld>
-  <p:clrMapOvr>
-    <a:masterClrMapping/>
-  </p:clrMapOvr>
-  <p:timing>
-    <p:tnLst>
-      <p:par>
-        <p:cTn id="1" dur="indefinite" restart="never" nodeType="tmRoot"/>
-      </p:par>
-    </p:tnLst>
-  </p:timing>
-</p:sld>
-</file>
-
 <file path=ppt/slides/slide9.xml><?xml version="1.0" encoding="utf-8"?>
 <p:sld xmlns:a="http://schemas.openxmlformats.org/drawingml/2006/main" xmlns:r="http://schemas.openxmlformats.org/officeDocument/2006/relationships" xmlns:p="http://schemas.openxmlformats.org/presentationml/2006/main">
   <p:cSld>
@@ -19495,227 +19455,10 @@
           </a:p>
         </p:txBody>
       </p:sp>
-      <p:sp>
-        <p:nvSpPr>
-          <p:cNvPr id="19" name="Flowchart: Connector 18"/>
-          <p:cNvSpPr/>
-          <p:nvPr/>
-        </p:nvSpPr>
-        <p:spPr>
-          <a:xfrm>
-            <a:off x="5334000" y="1104900"/>
-            <a:ext cx="692150" cy="692150"/>
-          </a:xfrm>
-          <a:prstGeom prst="flowChartConnector">
-            <a:avLst/>
-          </a:prstGeom>
-        </p:spPr>
-        <p:style>
-          <a:lnRef idx="2">
-            <a:schemeClr val="accent1">
-              <a:shade val="50000"/>
-            </a:schemeClr>
-          </a:lnRef>
-          <a:fillRef idx="1">
-            <a:schemeClr val="accent1"/>
-          </a:fillRef>
-          <a:effectRef idx="0">
-            <a:schemeClr val="accent1"/>
-          </a:effectRef>
-          <a:fontRef idx="minor">
-            <a:schemeClr val="lt1"/>
-          </a:fontRef>
-        </p:style>
-        <p:txBody>
-          <a:bodyPr rtlCol="0" anchor="ctr"/>
-          <a:lstStyle/>
-          <a:p>
-            <a:pPr algn="ctr"/>
-            <a:r>
-              <a:rPr lang="en-US" dirty="0" smtClean="0"/>
-              <a:t>C1</a:t>
-            </a:r>
-            <a:endParaRPr lang="en-US" sz="1100" dirty="0"/>
-          </a:p>
-        </p:txBody>
-      </p:sp>
-      <p:cxnSp>
-        <p:nvCxnSpPr>
-          <p:cNvPr id="7" name="Straight Arrow Connector 6"/>
-          <p:cNvCxnSpPr>
-            <a:stCxn id="21" idx="4"/>
-            <a:endCxn id="19" idx="0"/>
-          </p:cNvCxnSpPr>
-          <p:nvPr/>
-        </p:nvCxnSpPr>
-        <p:spPr>
-          <a:xfrm>
-            <a:off x="5676900" y="838200"/>
-            <a:ext cx="3175" cy="266700"/>
-          </a:xfrm>
-          <a:prstGeom prst="straightConnector1">
-            <a:avLst/>
-          </a:prstGeom>
-          <a:ln>
-            <a:tailEnd type="triangle"/>
-          </a:ln>
-        </p:spPr>
-        <p:style>
-          <a:lnRef idx="1">
-            <a:schemeClr val="accent1"/>
-          </a:lnRef>
-          <a:fillRef idx="0">
-            <a:schemeClr val="accent1"/>
-          </a:fillRef>
-          <a:effectRef idx="0">
-            <a:schemeClr val="accent1"/>
-          </a:effectRef>
-          <a:fontRef idx="minor">
-            <a:schemeClr val="tx1"/>
-          </a:fontRef>
-        </p:style>
-      </p:cxnSp>
-      <p:sp>
-        <p:nvSpPr>
-          <p:cNvPr id="9" name="TextBox 8"/>
-          <p:cNvSpPr txBox="1"/>
-          <p:nvPr/>
-        </p:nvSpPr>
-        <p:spPr>
-          <a:xfrm>
-            <a:off x="2044700" y="735568"/>
-            <a:ext cx="1517650" cy="369332"/>
-          </a:xfrm>
-          <a:prstGeom prst="rect">
-            <a:avLst/>
-          </a:prstGeom>
-          <a:noFill/>
-        </p:spPr>
-        <p:txBody>
-          <a:bodyPr wrap="square" rtlCol="0">
-            <a:spAutoFit/>
-          </a:bodyPr>
-          <a:lstStyle/>
-          <a:p>
-            <a:r>
-              <a:rPr lang="en-US" dirty="0" smtClean="0"/>
-              <a:t>Change file</a:t>
-            </a:r>
-            <a:endParaRPr lang="en-US" dirty="0"/>
-          </a:p>
-        </p:txBody>
-      </p:sp>
-      <p:sp>
-        <p:nvSpPr>
-          <p:cNvPr id="20" name="TextBox 19"/>
-          <p:cNvSpPr txBox="1"/>
-          <p:nvPr/>
-        </p:nvSpPr>
-        <p:spPr>
-          <a:xfrm>
-            <a:off x="2051050" y="1263134"/>
-            <a:ext cx="1517650" cy="369332"/>
-          </a:xfrm>
-          <a:prstGeom prst="rect">
-            <a:avLst/>
-          </a:prstGeom>
-          <a:noFill/>
-        </p:spPr>
-        <p:txBody>
-          <a:bodyPr wrap="square" rtlCol="0">
-            <a:spAutoFit/>
-          </a:bodyPr>
-          <a:lstStyle/>
-          <a:p>
-            <a:r>
-              <a:rPr lang="en-US" dirty="0" smtClean="0"/>
-              <a:t>Change file</a:t>
-            </a:r>
-            <a:endParaRPr lang="en-US" dirty="0"/>
-          </a:p>
-        </p:txBody>
-      </p:sp>
-      <p:sp>
-        <p:nvSpPr>
-          <p:cNvPr id="22" name="TextBox 21"/>
-          <p:cNvSpPr txBox="1"/>
-          <p:nvPr/>
-        </p:nvSpPr>
-        <p:spPr>
-          <a:xfrm>
-            <a:off x="6096000" y="1143853"/>
-            <a:ext cx="1517650" cy="646331"/>
-          </a:xfrm>
-          <a:prstGeom prst="rect">
-            <a:avLst/>
-          </a:prstGeom>
-          <a:noFill/>
-        </p:spPr>
-        <p:txBody>
-          <a:bodyPr wrap="square" rtlCol="0">
-            <a:spAutoFit/>
-          </a:bodyPr>
-          <a:lstStyle/>
-          <a:p>
-            <a:r>
-              <a:rPr lang="en-US" dirty="0">
-                <a:solidFill>
-                  <a:srgbClr val="FF0000"/>
-                </a:solidFill>
-              </a:rPr>
-              <a:t>+</a:t>
-            </a:r>
-            <a:r>
-              <a:rPr lang="en-US" dirty="0" smtClean="0">
-                <a:solidFill>
-                  <a:srgbClr val="FF0000"/>
-                </a:solidFill>
-              </a:rPr>
-              <a:t> </a:t>
-            </a:r>
-            <a:r>
-              <a:rPr lang="en-US" dirty="0" err="1" smtClean="0">
-                <a:solidFill>
-                  <a:srgbClr val="FF0000"/>
-                </a:solidFill>
-              </a:rPr>
-              <a:t>main.c</a:t>
-            </a:r>
-            <a:endParaRPr lang="en-US" dirty="0" smtClean="0">
-              <a:solidFill>
-                <a:srgbClr val="FF0000"/>
-              </a:solidFill>
-            </a:endParaRPr>
-          </a:p>
-          <a:p>
-            <a:r>
-              <a:rPr lang="en-US" dirty="0" smtClean="0">
-                <a:solidFill>
-                  <a:srgbClr val="FF0000"/>
-                </a:solidFill>
-              </a:rPr>
-              <a:t>+ </a:t>
-            </a:r>
-            <a:r>
-              <a:rPr lang="en-US" dirty="0" err="1" smtClean="0">
-                <a:solidFill>
-                  <a:srgbClr val="FF0000"/>
-                </a:solidFill>
-              </a:rPr>
-              <a:t>main.h</a:t>
-            </a:r>
-            <a:endParaRPr lang="en-US" dirty="0">
-              <a:solidFill>
-                <a:srgbClr val="FF0000"/>
-              </a:solidFill>
-            </a:endParaRPr>
-          </a:p>
-        </p:txBody>
-      </p:sp>
     </p:spTree>
     <p:extLst>
       <p:ext uri="{BB962C8B-B14F-4D97-AF65-F5344CB8AC3E}">
-        <p14:creationId xmlns:p14="http://schemas.microsoft.com/office/powerpoint/2010/main" val="518840304"/>
+        <p14:creationId xmlns:p14="http://schemas.microsoft.com/office/powerpoint/2010/main" val="3506162227"/>
       </p:ext>
     </p:extLst>
   </p:cSld>
